--- a/CYBER360-8.1-Classes.pptx
+++ b/CYBER360-8.1-Classes.pptx
@@ -164,6 +164,153 @@
 <file path=ppt/changesInfos/changesInfo1.xml><?xml version="1.0" encoding="utf-8"?>
 <pc:chgInfo xmlns:a="http://schemas.openxmlformats.org/drawingml/2006/main" xmlns:r="http://schemas.openxmlformats.org/officeDocument/2006/relationships" xmlns:ac="http://schemas.microsoft.com/office/drawing/2013/main/command" xmlns:pc="http://schemas.microsoft.com/office/powerpoint/2013/main/command">
   <pc:docChgLst>
+    <pc:chgData name="Gibbons, Carl" userId="d2b037bc-8fb4-4222-845c-61440543a456" providerId="ADAL" clId="{50BDE464-6684-48FF-AD2A-493B60EFD46B}"/>
+    <pc:docChg chg="modSld">
+      <pc:chgData name="Gibbons, Carl" userId="d2b037bc-8fb4-4222-845c-61440543a456" providerId="ADAL" clId="{50BDE464-6684-48FF-AD2A-493B60EFD46B}" dt="2023-12-21T18:37:59.974" v="91" actId="20577"/>
+      <pc:docMkLst>
+        <pc:docMk/>
+      </pc:docMkLst>
+      <pc:sldChg chg="modSp mod">
+        <pc:chgData name="Gibbons, Carl" userId="d2b037bc-8fb4-4222-845c-61440543a456" providerId="ADAL" clId="{50BDE464-6684-48FF-AD2A-493B60EFD46B}" dt="2023-12-21T14:42:44.298" v="42" actId="20577"/>
+        <pc:sldMkLst>
+          <pc:docMk/>
+          <pc:sldMk cId="1865769485" sldId="273"/>
+        </pc:sldMkLst>
+        <pc:spChg chg="mod">
+          <ac:chgData name="Gibbons, Carl" userId="d2b037bc-8fb4-4222-845c-61440543a456" providerId="ADAL" clId="{50BDE464-6684-48FF-AD2A-493B60EFD46B}" dt="2023-12-21T14:42:44.298" v="42" actId="20577"/>
+          <ac:spMkLst>
+            <pc:docMk/>
+            <pc:sldMk cId="1865769485" sldId="273"/>
+            <ac:spMk id="4" creationId="{B64A8207-997F-319E-7F6D-676D3ECA779B}"/>
+          </ac:spMkLst>
+        </pc:spChg>
+      </pc:sldChg>
+      <pc:sldChg chg="modSp mod">
+        <pc:chgData name="Gibbons, Carl" userId="d2b037bc-8fb4-4222-845c-61440543a456" providerId="ADAL" clId="{50BDE464-6684-48FF-AD2A-493B60EFD46B}" dt="2023-12-21T18:37:32.044" v="82" actId="20577"/>
+        <pc:sldMkLst>
+          <pc:docMk/>
+          <pc:sldMk cId="3809967197" sldId="275"/>
+        </pc:sldMkLst>
+        <pc:spChg chg="mod">
+          <ac:chgData name="Gibbons, Carl" userId="d2b037bc-8fb4-4222-845c-61440543a456" providerId="ADAL" clId="{50BDE464-6684-48FF-AD2A-493B60EFD46B}" dt="2023-12-21T18:37:32.044" v="82" actId="20577"/>
+          <ac:spMkLst>
+            <pc:docMk/>
+            <pc:sldMk cId="3809967197" sldId="275"/>
+            <ac:spMk id="3" creationId="{ADD8957C-88E6-A920-4979-2BDA9406B518}"/>
+          </ac:spMkLst>
+        </pc:spChg>
+      </pc:sldChg>
+      <pc:sldChg chg="modSp mod">
+        <pc:chgData name="Gibbons, Carl" userId="d2b037bc-8fb4-4222-845c-61440543a456" providerId="ADAL" clId="{50BDE464-6684-48FF-AD2A-493B60EFD46B}" dt="2023-12-21T18:37:59.974" v="91" actId="20577"/>
+        <pc:sldMkLst>
+          <pc:docMk/>
+          <pc:sldMk cId="1742169507" sldId="276"/>
+        </pc:sldMkLst>
+        <pc:spChg chg="mod">
+          <ac:chgData name="Gibbons, Carl" userId="d2b037bc-8fb4-4222-845c-61440543a456" providerId="ADAL" clId="{50BDE464-6684-48FF-AD2A-493B60EFD46B}" dt="2023-12-21T18:37:59.974" v="91" actId="20577"/>
+          <ac:spMkLst>
+            <pc:docMk/>
+            <pc:sldMk cId="1742169507" sldId="276"/>
+            <ac:spMk id="3" creationId="{ADD8957C-88E6-A920-4979-2BDA9406B518}"/>
+          </ac:spMkLst>
+        </pc:spChg>
+      </pc:sldChg>
+    </pc:docChg>
+  </pc:docChgLst>
+  <pc:docChgLst>
+    <pc:chgData name="Gibbons, Carl" userId="d2b037bc-8fb4-4222-845c-61440543a456" providerId="ADAL" clId="{ACF90228-EFF2-4732-BE47-2165A82AAC55}"/>
+    <pc:docChg chg="modSld">
+      <pc:chgData name="Gibbons, Carl" userId="d2b037bc-8fb4-4222-845c-61440543a456" providerId="ADAL" clId="{ACF90228-EFF2-4732-BE47-2165A82AAC55}" dt="2024-01-09T21:29:00.955" v="0"/>
+      <pc:docMkLst>
+        <pc:docMk/>
+      </pc:docMkLst>
+      <pc:sldChg chg="modSp mod">
+        <pc:chgData name="Gibbons, Carl" userId="d2b037bc-8fb4-4222-845c-61440543a456" providerId="ADAL" clId="{ACF90228-EFF2-4732-BE47-2165A82AAC55}" dt="2024-01-09T21:29:00.955" v="0"/>
+        <pc:sldMkLst>
+          <pc:docMk/>
+          <pc:sldMk cId="1055206713" sldId="269"/>
+        </pc:sldMkLst>
+        <pc:spChg chg="mod">
+          <ac:chgData name="Gibbons, Carl" userId="d2b037bc-8fb4-4222-845c-61440543a456" providerId="ADAL" clId="{ACF90228-EFF2-4732-BE47-2165A82AAC55}" dt="2024-01-09T21:29:00.955" v="0"/>
+          <ac:spMkLst>
+            <pc:docMk/>
+            <pc:sldMk cId="1055206713" sldId="269"/>
+            <ac:spMk id="4" creationId="{B64A8207-997F-319E-7F6D-676D3ECA779B}"/>
+          </ac:spMkLst>
+        </pc:spChg>
+      </pc:sldChg>
+    </pc:docChg>
+  </pc:docChgLst>
+  <pc:docChgLst>
+    <pc:chgData name="Gibbons, Carl" userId="d2b037bc-8fb4-4222-845c-61440543a456" providerId="ADAL" clId="{DD1CE632-2E50-4DF6-A094-0B92632EBA8E}"/>
+    <pc:docChg chg="modSld">
+      <pc:chgData name="Gibbons, Carl" userId="d2b037bc-8fb4-4222-845c-61440543a456" providerId="ADAL" clId="{DD1CE632-2E50-4DF6-A094-0B92632EBA8E}" dt="2023-12-06T17:42:28.848" v="23" actId="20577"/>
+      <pc:docMkLst>
+        <pc:docMk/>
+      </pc:docMkLst>
+      <pc:sldChg chg="modSp mod">
+        <pc:chgData name="Gibbons, Carl" userId="d2b037bc-8fb4-4222-845c-61440543a456" providerId="ADAL" clId="{DD1CE632-2E50-4DF6-A094-0B92632EBA8E}" dt="2023-11-21T08:38:02.899" v="11" actId="20577"/>
+        <pc:sldMkLst>
+          <pc:docMk/>
+          <pc:sldMk cId="3594981681" sldId="272"/>
+        </pc:sldMkLst>
+        <pc:spChg chg="mod">
+          <ac:chgData name="Gibbons, Carl" userId="d2b037bc-8fb4-4222-845c-61440543a456" providerId="ADAL" clId="{DD1CE632-2E50-4DF6-A094-0B92632EBA8E}" dt="2023-11-21T08:38:02.899" v="11" actId="20577"/>
+          <ac:spMkLst>
+            <pc:docMk/>
+            <pc:sldMk cId="3594981681" sldId="272"/>
+            <ac:spMk id="4" creationId="{B64A8207-997F-319E-7F6D-676D3ECA779B}"/>
+          </ac:spMkLst>
+        </pc:spChg>
+      </pc:sldChg>
+      <pc:sldChg chg="modSp mod">
+        <pc:chgData name="Gibbons, Carl" userId="d2b037bc-8fb4-4222-845c-61440543a456" providerId="ADAL" clId="{DD1CE632-2E50-4DF6-A094-0B92632EBA8E}" dt="2023-12-06T17:42:28.848" v="23" actId="20577"/>
+        <pc:sldMkLst>
+          <pc:docMk/>
+          <pc:sldMk cId="1865769485" sldId="273"/>
+        </pc:sldMkLst>
+        <pc:spChg chg="mod">
+          <ac:chgData name="Gibbons, Carl" userId="d2b037bc-8fb4-4222-845c-61440543a456" providerId="ADAL" clId="{DD1CE632-2E50-4DF6-A094-0B92632EBA8E}" dt="2023-12-06T17:42:28.848" v="23" actId="20577"/>
+          <ac:spMkLst>
+            <pc:docMk/>
+            <pc:sldMk cId="1865769485" sldId="273"/>
+            <ac:spMk id="4" creationId="{B64A8207-997F-319E-7F6D-676D3ECA779B}"/>
+          </ac:spMkLst>
+        </pc:spChg>
+      </pc:sldChg>
+      <pc:sldChg chg="modSp mod">
+        <pc:chgData name="Gibbons, Carl" userId="d2b037bc-8fb4-4222-845c-61440543a456" providerId="ADAL" clId="{DD1CE632-2E50-4DF6-A094-0B92632EBA8E}" dt="2023-12-06T17:39:43.190" v="12" actId="20577"/>
+        <pc:sldMkLst>
+          <pc:docMk/>
+          <pc:sldMk cId="3809967197" sldId="275"/>
+        </pc:sldMkLst>
+        <pc:spChg chg="mod">
+          <ac:chgData name="Gibbons, Carl" userId="d2b037bc-8fb4-4222-845c-61440543a456" providerId="ADAL" clId="{DD1CE632-2E50-4DF6-A094-0B92632EBA8E}" dt="2023-12-06T17:39:43.190" v="12" actId="20577"/>
+          <ac:spMkLst>
+            <pc:docMk/>
+            <pc:sldMk cId="3809967197" sldId="275"/>
+            <ac:spMk id="3" creationId="{ADD8957C-88E6-A920-4979-2BDA9406B518}"/>
+          </ac:spMkLst>
+        </pc:spChg>
+      </pc:sldChg>
+      <pc:sldChg chg="modSp mod">
+        <pc:chgData name="Gibbons, Carl" userId="d2b037bc-8fb4-4222-845c-61440543a456" providerId="ADAL" clId="{DD1CE632-2E50-4DF6-A094-0B92632EBA8E}" dt="2023-12-06T17:40:27.333" v="15" actId="20577"/>
+        <pc:sldMkLst>
+          <pc:docMk/>
+          <pc:sldMk cId="1742169507" sldId="276"/>
+        </pc:sldMkLst>
+        <pc:spChg chg="mod">
+          <ac:chgData name="Gibbons, Carl" userId="d2b037bc-8fb4-4222-845c-61440543a456" providerId="ADAL" clId="{DD1CE632-2E50-4DF6-A094-0B92632EBA8E}" dt="2023-12-06T17:40:27.333" v="15" actId="20577"/>
+          <ac:spMkLst>
+            <pc:docMk/>
+            <pc:sldMk cId="1742169507" sldId="276"/>
+            <ac:spMk id="3" creationId="{ADD8957C-88E6-A920-4979-2BDA9406B518}"/>
+          </ac:spMkLst>
+        </pc:spChg>
+      </pc:sldChg>
+    </pc:docChg>
+  </pc:docChgLst>
+  <pc:docChgLst>
     <pc:chgData name="Gibbons, Carl" userId="d2b037bc-8fb4-4222-845c-61440543a456" providerId="ADAL" clId="{513A426B-8C0C-4739-8154-95FA52836484}"/>
     <pc:docChg chg="custSel modSld">
       <pc:chgData name="Gibbons, Carl" userId="d2b037bc-8fb4-4222-845c-61440543a456" providerId="ADAL" clId="{513A426B-8C0C-4739-8154-95FA52836484}" dt="2024-06-13T20:40:03.415" v="917" actId="20577"/>
@@ -257,84 +404,6 @@
             <pc:docMk/>
             <pc:sldMk cId="1742169507" sldId="276"/>
             <ac:spMk id="3" creationId="{ADD8957C-88E6-A920-4979-2BDA9406B518}"/>
-          </ac:spMkLst>
-        </pc:spChg>
-      </pc:sldChg>
-    </pc:docChg>
-  </pc:docChgLst>
-  <pc:docChgLst>
-    <pc:chgData name="Gibbons, Carl" userId="d2b037bc-8fb4-4222-845c-61440543a456" providerId="ADAL" clId="{50BDE464-6684-48FF-AD2A-493B60EFD46B}"/>
-    <pc:docChg chg="modSld">
-      <pc:chgData name="Gibbons, Carl" userId="d2b037bc-8fb4-4222-845c-61440543a456" providerId="ADAL" clId="{50BDE464-6684-48FF-AD2A-493B60EFD46B}" dt="2023-12-21T18:37:59.974" v="91" actId="20577"/>
-      <pc:docMkLst>
-        <pc:docMk/>
-      </pc:docMkLst>
-      <pc:sldChg chg="modSp mod">
-        <pc:chgData name="Gibbons, Carl" userId="d2b037bc-8fb4-4222-845c-61440543a456" providerId="ADAL" clId="{50BDE464-6684-48FF-AD2A-493B60EFD46B}" dt="2023-12-21T14:42:44.298" v="42" actId="20577"/>
-        <pc:sldMkLst>
-          <pc:docMk/>
-          <pc:sldMk cId="1865769485" sldId="273"/>
-        </pc:sldMkLst>
-        <pc:spChg chg="mod">
-          <ac:chgData name="Gibbons, Carl" userId="d2b037bc-8fb4-4222-845c-61440543a456" providerId="ADAL" clId="{50BDE464-6684-48FF-AD2A-493B60EFD46B}" dt="2023-12-21T14:42:44.298" v="42" actId="20577"/>
-          <ac:spMkLst>
-            <pc:docMk/>
-            <pc:sldMk cId="1865769485" sldId="273"/>
-            <ac:spMk id="4" creationId="{B64A8207-997F-319E-7F6D-676D3ECA779B}"/>
-          </ac:spMkLst>
-        </pc:spChg>
-      </pc:sldChg>
-      <pc:sldChg chg="modSp mod">
-        <pc:chgData name="Gibbons, Carl" userId="d2b037bc-8fb4-4222-845c-61440543a456" providerId="ADAL" clId="{50BDE464-6684-48FF-AD2A-493B60EFD46B}" dt="2023-12-21T18:37:32.044" v="82" actId="20577"/>
-        <pc:sldMkLst>
-          <pc:docMk/>
-          <pc:sldMk cId="3809967197" sldId="275"/>
-        </pc:sldMkLst>
-        <pc:spChg chg="mod">
-          <ac:chgData name="Gibbons, Carl" userId="d2b037bc-8fb4-4222-845c-61440543a456" providerId="ADAL" clId="{50BDE464-6684-48FF-AD2A-493B60EFD46B}" dt="2023-12-21T18:37:32.044" v="82" actId="20577"/>
-          <ac:spMkLst>
-            <pc:docMk/>
-            <pc:sldMk cId="3809967197" sldId="275"/>
-            <ac:spMk id="3" creationId="{ADD8957C-88E6-A920-4979-2BDA9406B518}"/>
-          </ac:spMkLst>
-        </pc:spChg>
-      </pc:sldChg>
-      <pc:sldChg chg="modSp mod">
-        <pc:chgData name="Gibbons, Carl" userId="d2b037bc-8fb4-4222-845c-61440543a456" providerId="ADAL" clId="{50BDE464-6684-48FF-AD2A-493B60EFD46B}" dt="2023-12-21T18:37:59.974" v="91" actId="20577"/>
-        <pc:sldMkLst>
-          <pc:docMk/>
-          <pc:sldMk cId="1742169507" sldId="276"/>
-        </pc:sldMkLst>
-        <pc:spChg chg="mod">
-          <ac:chgData name="Gibbons, Carl" userId="d2b037bc-8fb4-4222-845c-61440543a456" providerId="ADAL" clId="{50BDE464-6684-48FF-AD2A-493B60EFD46B}" dt="2023-12-21T18:37:59.974" v="91" actId="20577"/>
-          <ac:spMkLst>
-            <pc:docMk/>
-            <pc:sldMk cId="1742169507" sldId="276"/>
-            <ac:spMk id="3" creationId="{ADD8957C-88E6-A920-4979-2BDA9406B518}"/>
-          </ac:spMkLst>
-        </pc:spChg>
-      </pc:sldChg>
-    </pc:docChg>
-  </pc:docChgLst>
-  <pc:docChgLst>
-    <pc:chgData name="Gibbons, Carl" userId="d2b037bc-8fb4-4222-845c-61440543a456" providerId="ADAL" clId="{ACF90228-EFF2-4732-BE47-2165A82AAC55}"/>
-    <pc:docChg chg="modSld">
-      <pc:chgData name="Gibbons, Carl" userId="d2b037bc-8fb4-4222-845c-61440543a456" providerId="ADAL" clId="{ACF90228-EFF2-4732-BE47-2165A82AAC55}" dt="2024-01-09T21:29:00.955" v="0"/>
-      <pc:docMkLst>
-        <pc:docMk/>
-      </pc:docMkLst>
-      <pc:sldChg chg="modSp mod">
-        <pc:chgData name="Gibbons, Carl" userId="d2b037bc-8fb4-4222-845c-61440543a456" providerId="ADAL" clId="{ACF90228-EFF2-4732-BE47-2165A82AAC55}" dt="2024-01-09T21:29:00.955" v="0"/>
-        <pc:sldMkLst>
-          <pc:docMk/>
-          <pc:sldMk cId="1055206713" sldId="269"/>
-        </pc:sldMkLst>
-        <pc:spChg chg="mod">
-          <ac:chgData name="Gibbons, Carl" userId="d2b037bc-8fb4-4222-845c-61440543a456" providerId="ADAL" clId="{ACF90228-EFF2-4732-BE47-2165A82AAC55}" dt="2024-01-09T21:29:00.955" v="0"/>
-          <ac:spMkLst>
-            <pc:docMk/>
-            <pc:sldMk cId="1055206713" sldId="269"/>
-            <ac:spMk id="4" creationId="{B64A8207-997F-319E-7F6D-676D3ECA779B}"/>
           </ac:spMkLst>
         </pc:spChg>
       </pc:sldChg>
@@ -682,75 +751,6 @@
       </pc:sldChg>
     </pc:docChg>
   </pc:docChgLst>
-  <pc:docChgLst>
-    <pc:chgData name="Gibbons, Carl" userId="d2b037bc-8fb4-4222-845c-61440543a456" providerId="ADAL" clId="{DD1CE632-2E50-4DF6-A094-0B92632EBA8E}"/>
-    <pc:docChg chg="modSld">
-      <pc:chgData name="Gibbons, Carl" userId="d2b037bc-8fb4-4222-845c-61440543a456" providerId="ADAL" clId="{DD1CE632-2E50-4DF6-A094-0B92632EBA8E}" dt="2023-12-06T17:42:28.848" v="23" actId="20577"/>
-      <pc:docMkLst>
-        <pc:docMk/>
-      </pc:docMkLst>
-      <pc:sldChg chg="modSp mod">
-        <pc:chgData name="Gibbons, Carl" userId="d2b037bc-8fb4-4222-845c-61440543a456" providerId="ADAL" clId="{DD1CE632-2E50-4DF6-A094-0B92632EBA8E}" dt="2023-11-21T08:38:02.899" v="11" actId="20577"/>
-        <pc:sldMkLst>
-          <pc:docMk/>
-          <pc:sldMk cId="3594981681" sldId="272"/>
-        </pc:sldMkLst>
-        <pc:spChg chg="mod">
-          <ac:chgData name="Gibbons, Carl" userId="d2b037bc-8fb4-4222-845c-61440543a456" providerId="ADAL" clId="{DD1CE632-2E50-4DF6-A094-0B92632EBA8E}" dt="2023-11-21T08:38:02.899" v="11" actId="20577"/>
-          <ac:spMkLst>
-            <pc:docMk/>
-            <pc:sldMk cId="3594981681" sldId="272"/>
-            <ac:spMk id="4" creationId="{B64A8207-997F-319E-7F6D-676D3ECA779B}"/>
-          </ac:spMkLst>
-        </pc:spChg>
-      </pc:sldChg>
-      <pc:sldChg chg="modSp mod">
-        <pc:chgData name="Gibbons, Carl" userId="d2b037bc-8fb4-4222-845c-61440543a456" providerId="ADAL" clId="{DD1CE632-2E50-4DF6-A094-0B92632EBA8E}" dt="2023-12-06T17:42:28.848" v="23" actId="20577"/>
-        <pc:sldMkLst>
-          <pc:docMk/>
-          <pc:sldMk cId="1865769485" sldId="273"/>
-        </pc:sldMkLst>
-        <pc:spChg chg="mod">
-          <ac:chgData name="Gibbons, Carl" userId="d2b037bc-8fb4-4222-845c-61440543a456" providerId="ADAL" clId="{DD1CE632-2E50-4DF6-A094-0B92632EBA8E}" dt="2023-12-06T17:42:28.848" v="23" actId="20577"/>
-          <ac:spMkLst>
-            <pc:docMk/>
-            <pc:sldMk cId="1865769485" sldId="273"/>
-            <ac:spMk id="4" creationId="{B64A8207-997F-319E-7F6D-676D3ECA779B}"/>
-          </ac:spMkLst>
-        </pc:spChg>
-      </pc:sldChg>
-      <pc:sldChg chg="modSp mod">
-        <pc:chgData name="Gibbons, Carl" userId="d2b037bc-8fb4-4222-845c-61440543a456" providerId="ADAL" clId="{DD1CE632-2E50-4DF6-A094-0B92632EBA8E}" dt="2023-12-06T17:39:43.190" v="12" actId="20577"/>
-        <pc:sldMkLst>
-          <pc:docMk/>
-          <pc:sldMk cId="3809967197" sldId="275"/>
-        </pc:sldMkLst>
-        <pc:spChg chg="mod">
-          <ac:chgData name="Gibbons, Carl" userId="d2b037bc-8fb4-4222-845c-61440543a456" providerId="ADAL" clId="{DD1CE632-2E50-4DF6-A094-0B92632EBA8E}" dt="2023-12-06T17:39:43.190" v="12" actId="20577"/>
-          <ac:spMkLst>
-            <pc:docMk/>
-            <pc:sldMk cId="3809967197" sldId="275"/>
-            <ac:spMk id="3" creationId="{ADD8957C-88E6-A920-4979-2BDA9406B518}"/>
-          </ac:spMkLst>
-        </pc:spChg>
-      </pc:sldChg>
-      <pc:sldChg chg="modSp mod">
-        <pc:chgData name="Gibbons, Carl" userId="d2b037bc-8fb4-4222-845c-61440543a456" providerId="ADAL" clId="{DD1CE632-2E50-4DF6-A094-0B92632EBA8E}" dt="2023-12-06T17:40:27.333" v="15" actId="20577"/>
-        <pc:sldMkLst>
-          <pc:docMk/>
-          <pc:sldMk cId="1742169507" sldId="276"/>
-        </pc:sldMkLst>
-        <pc:spChg chg="mod">
-          <ac:chgData name="Gibbons, Carl" userId="d2b037bc-8fb4-4222-845c-61440543a456" providerId="ADAL" clId="{DD1CE632-2E50-4DF6-A094-0B92632EBA8E}" dt="2023-12-06T17:40:27.333" v="15" actId="20577"/>
-          <ac:spMkLst>
-            <pc:docMk/>
-            <pc:sldMk cId="1742169507" sldId="276"/>
-            <ac:spMk id="3" creationId="{ADD8957C-88E6-A920-4979-2BDA9406B518}"/>
-          </ac:spMkLst>
-        </pc:spChg>
-      </pc:sldChg>
-    </pc:docChg>
-  </pc:docChgLst>
 </pc:chgInfo>
 </file>
 
@@ -979,7 +979,7 @@
           <a:p>
             <a:fld id="{0D69348B-4620-44E9-BF3F-EACBA9EEF323}" type="datetimeFigureOut">
               <a:rPr lang="en-US" smtClean="0"/>
-              <a:t>6/15/2024</a:t>
+              <a:t>9/26/2024</a:t>
             </a:fld>
             <a:endParaRPr lang="en-US"/>
           </a:p>
@@ -1391,7 +1391,7 @@
           <a:p>
             <a:fld id="{0D69348B-4620-44E9-BF3F-EACBA9EEF323}" type="datetimeFigureOut">
               <a:rPr lang="en-US" smtClean="0"/>
-              <a:t>6/15/2024</a:t>
+              <a:t>9/26/2024</a:t>
             </a:fld>
             <a:endParaRPr lang="en-US"/>
           </a:p>
@@ -1532,7 +1532,7 @@
           <a:p>
             <a:fld id="{0D69348B-4620-44E9-BF3F-EACBA9EEF323}" type="datetimeFigureOut">
               <a:rPr lang="en-US" smtClean="0"/>
-              <a:t>6/15/2024</a:t>
+              <a:t>9/26/2024</a:t>
             </a:fld>
             <a:endParaRPr lang="en-US"/>
           </a:p>
@@ -1645,7 +1645,7 @@
           <a:p>
             <a:fld id="{0D69348B-4620-44E9-BF3F-EACBA9EEF323}" type="datetimeFigureOut">
               <a:rPr lang="en-US" smtClean="0"/>
-              <a:t>6/15/2024</a:t>
+              <a:t>9/26/2024</a:t>
             </a:fld>
             <a:endParaRPr lang="en-US"/>
           </a:p>
@@ -1956,7 +1956,7 @@
           <a:p>
             <a:fld id="{0D69348B-4620-44E9-BF3F-EACBA9EEF323}" type="datetimeFigureOut">
               <a:rPr lang="en-US" smtClean="0"/>
-              <a:t>6/15/2024</a:t>
+              <a:t>9/26/2024</a:t>
             </a:fld>
             <a:endParaRPr lang="en-US"/>
           </a:p>
@@ -2244,7 +2244,7 @@
           <a:p>
             <a:fld id="{0D69348B-4620-44E9-BF3F-EACBA9EEF323}" type="datetimeFigureOut">
               <a:rPr lang="en-US" smtClean="0"/>
-              <a:t>6/15/2024</a:t>
+              <a:t>9/26/2024</a:t>
             </a:fld>
             <a:endParaRPr lang="en-US"/>
           </a:p>
@@ -2442,7 +2442,7 @@
           <a:p>
             <a:fld id="{0D69348B-4620-44E9-BF3F-EACBA9EEF323}" type="datetimeFigureOut">
               <a:rPr lang="en-US" smtClean="0"/>
-              <a:t>6/15/2024</a:t>
+              <a:t>9/26/2024</a:t>
             </a:fld>
             <a:endParaRPr lang="en-US"/>
           </a:p>
@@ -2650,7 +2650,7 @@
           <a:p>
             <a:fld id="{0D69348B-4620-44E9-BF3F-EACBA9EEF323}" type="datetimeFigureOut">
               <a:rPr lang="en-US" smtClean="0"/>
-              <a:t>6/15/2024</a:t>
+              <a:t>9/26/2024</a:t>
             </a:fld>
             <a:endParaRPr lang="en-US"/>
           </a:p>
@@ -3149,7 +3149,7 @@
           <a:p>
             <a:fld id="{0BE24BAF-58C0-4D38-ABA0-4170CC92DC13}" type="datetimeFigureOut">
               <a:rPr lang="en-US" smtClean="0"/>
-              <a:t>6/15/2024</a:t>
+              <a:t>9/26/2024</a:t>
             </a:fld>
             <a:endParaRPr lang="en-US"/>
           </a:p>
@@ -3450,7 +3450,7 @@
           <a:p>
             <a:fld id="{0BE24BAF-58C0-4D38-ABA0-4170CC92DC13}" type="datetimeFigureOut">
               <a:rPr lang="en-US" smtClean="0"/>
-              <a:t>6/15/2024</a:t>
+              <a:t>9/26/2024</a:t>
             </a:fld>
             <a:endParaRPr lang="en-US"/>
           </a:p>
@@ -3648,7 +3648,7 @@
           <a:p>
             <a:fld id="{0D69348B-4620-44E9-BF3F-EACBA9EEF323}" type="datetimeFigureOut">
               <a:rPr lang="en-US" smtClean="0"/>
-              <a:t>6/15/2024</a:t>
+              <a:t>9/26/2024</a:t>
             </a:fld>
             <a:endParaRPr lang="en-US"/>
           </a:p>
@@ -3923,7 +3923,7 @@
           <a:p>
             <a:fld id="{0D69348B-4620-44E9-BF3F-EACBA9EEF323}" type="datetimeFigureOut">
               <a:rPr lang="en-US" smtClean="0"/>
-              <a:t>6/15/2024</a:t>
+              <a:t>9/26/2024</a:t>
             </a:fld>
             <a:endParaRPr lang="en-US"/>
           </a:p>
@@ -4055,14 +4055,14 @@
           </a:ln>
           <a:extLst>
             <a:ext uri="{909E8E84-426E-40dd-AFC4-6F175D3DCCD1}">
-              <a14:hiddenFill xmlns:a14="http://schemas.microsoft.com/office/drawing/2010/main" xmlns="">
+              <a14:hiddenFill xmlns="" xmlns:a14="http://schemas.microsoft.com/office/drawing/2010/main">
                 <a:solidFill>
                   <a:srgbClr val="FFFFFF"/>
                 </a:solidFill>
               </a14:hiddenFill>
             </a:ext>
             <a:ext uri="{91240B29-F687-4f45-9708-019B960494DF}">
-              <a14:hiddenLine xmlns:a14="http://schemas.microsoft.com/office/drawing/2010/main" xmlns="" w="9525">
+              <a14:hiddenLine xmlns="" xmlns:a14="http://schemas.microsoft.com/office/drawing/2010/main" w="9525">
                 <a:solidFill>
                   <a:srgbClr val="000000"/>
                 </a:solidFill>
@@ -4878,7 +4878,7 @@
           <a:p>
             <a:fld id="{0D69348B-4620-44E9-BF3F-EACBA9EEF323}" type="datetimeFigureOut">
               <a:rPr lang="en-US" smtClean="0"/>
-              <a:t>6/15/2024</a:t>
+              <a:t>9/26/2024</a:t>
             </a:fld>
             <a:endParaRPr lang="en-US"/>
           </a:p>
@@ -5723,7 +5723,19 @@
               <a:rPr lang="en-US" sz="1800" dirty="0">
                 <a:latin typeface="+mn-lt"/>
               </a:rPr>
-              <a:t>For your first exercise this week, you will examine a data file, and create a appropriate class that lets you import the data from the file and create object instances to hold the imported data.</a:t>
+              <a:t>For your first exercise this week, you will examine a data file, and </a:t>
+            </a:r>
+            <a:r>
+              <a:rPr lang="en-US" sz="1800">
+                <a:latin typeface="+mn-lt"/>
+              </a:rPr>
+              <a:t>create an </a:t>
+            </a:r>
+            <a:r>
+              <a:rPr lang="en-US" sz="1800" dirty="0">
+                <a:latin typeface="+mn-lt"/>
+              </a:rPr>
+              <a:t>appropriate class that lets you import the data from the file and create object instances to hold the imported data.</a:t>
             </a:r>
           </a:p>
           <a:p>

--- a/CYBER360-8.1-Classes.pptx
+++ b/CYBER360-8.1-Classes.pptx
@@ -3,20 +3,20 @@
 <p:presentation xmlns:a="http://schemas.openxmlformats.org/drawingml/2006/main" xmlns:r="http://schemas.openxmlformats.org/officeDocument/2006/relationships" xmlns:p="http://schemas.openxmlformats.org/presentationml/2006/main" saveSubsetFonts="1">
   <p:sldMasterIdLst>
     <p:sldMasterId id="2147483661" r:id="rId1"/>
-    <p:sldMasterId id="2147483681" r:id="rId2"/>
+    <p:sldMasterId id="2147483648" r:id="rId2"/>
   </p:sldMasterIdLst>
   <p:sldIdLst>
-    <p:sldId id="256" r:id="rId3"/>
-    <p:sldId id="278" r:id="rId4"/>
-    <p:sldId id="266" r:id="rId5"/>
-    <p:sldId id="277" r:id="rId6"/>
-    <p:sldId id="267" r:id="rId7"/>
-    <p:sldId id="279" r:id="rId8"/>
-    <p:sldId id="280" r:id="rId9"/>
-    <p:sldId id="282" r:id="rId10"/>
-    <p:sldId id="281" r:id="rId11"/>
-    <p:sldId id="283" r:id="rId12"/>
-    <p:sldId id="284" r:id="rId13"/>
+    <p:sldId id="285" r:id="rId3"/>
+    <p:sldId id="286" r:id="rId4"/>
+    <p:sldId id="287" r:id="rId5"/>
+    <p:sldId id="288" r:id="rId6"/>
+    <p:sldId id="289" r:id="rId7"/>
+    <p:sldId id="290" r:id="rId8"/>
+    <p:sldId id="291" r:id="rId9"/>
+    <p:sldId id="292" r:id="rId10"/>
+    <p:sldId id="293" r:id="rId11"/>
+    <p:sldId id="295" r:id="rId12"/>
+    <p:sldId id="294" r:id="rId13"/>
   </p:sldIdLst>
   <p:sldSz cx="12192000" cy="6858000"/>
   <p:notesSz cx="6858000" cy="9144000"/>
@@ -787,2023 +787,6 @@
 </p:sldLayout>
 </file>
 
-<file path=ppt/slideLayouts/slideLayout10.xml><?xml version="1.0" encoding="utf-8"?>
-<p:sldLayout xmlns:a="http://schemas.openxmlformats.org/drawingml/2006/main" xmlns:r="http://schemas.openxmlformats.org/officeDocument/2006/relationships" xmlns:p="http://schemas.openxmlformats.org/presentationml/2006/main" type="twoObj" preserve="1">
-  <p:cSld name="Two Content">
-    <p:spTree>
-      <p:nvGrpSpPr>
-        <p:cNvPr id="1" name=""/>
-        <p:cNvGrpSpPr/>
-        <p:nvPr/>
-      </p:nvGrpSpPr>
-      <p:grpSpPr>
-        <a:xfrm>
-          <a:off x="0" y="0"/>
-          <a:ext cx="0" cy="0"/>
-          <a:chOff x="0" y="0"/>
-          <a:chExt cx="0" cy="0"/>
-        </a:xfrm>
-      </p:grpSpPr>
-      <p:sp>
-        <p:nvSpPr>
-          <p:cNvPr id="2" name="Title 1">
-            <a:extLst>
-              <a:ext uri="{FF2B5EF4-FFF2-40B4-BE49-F238E27FC236}">
-                <a16:creationId xmlns:a16="http://schemas.microsoft.com/office/drawing/2014/main" id="{D7417273-9D16-5639-8844-46262C7A214A}"/>
-              </a:ext>
-            </a:extLst>
-          </p:cNvPr>
-          <p:cNvSpPr>
-            <a:spLocks noGrp="1"/>
-          </p:cNvSpPr>
-          <p:nvPr>
-            <p:ph type="title"/>
-          </p:nvPr>
-        </p:nvSpPr>
-        <p:spPr/>
-        <p:txBody>
-          <a:bodyPr/>
-          <a:lstStyle/>
-          <a:p>
-            <a:r>
-              <a:rPr lang="en-US"/>
-              <a:t>Click to edit Master title style</a:t>
-            </a:r>
-          </a:p>
-        </p:txBody>
-      </p:sp>
-      <p:sp>
-        <p:nvSpPr>
-          <p:cNvPr id="3" name="Content Placeholder 2">
-            <a:extLst>
-              <a:ext uri="{FF2B5EF4-FFF2-40B4-BE49-F238E27FC236}">
-                <a16:creationId xmlns:a16="http://schemas.microsoft.com/office/drawing/2014/main" id="{B0CB97D0-5920-4A0C-455B-784B34D523CD}"/>
-              </a:ext>
-            </a:extLst>
-          </p:cNvPr>
-          <p:cNvSpPr>
-            <a:spLocks noGrp="1"/>
-          </p:cNvSpPr>
-          <p:nvPr>
-            <p:ph sz="half" idx="1"/>
-          </p:nvPr>
-        </p:nvSpPr>
-        <p:spPr>
-          <a:xfrm>
-            <a:off x="838200" y="1825625"/>
-            <a:ext cx="5181600" cy="4351338"/>
-          </a:xfrm>
-        </p:spPr>
-        <p:txBody>
-          <a:bodyPr/>
-          <a:lstStyle/>
-          <a:p>
-            <a:pPr lvl="0"/>
-            <a:r>
-              <a:rPr lang="en-US"/>
-              <a:t>Click to edit Master text styles</a:t>
-            </a:r>
-          </a:p>
-          <a:p>
-            <a:pPr lvl="1"/>
-            <a:r>
-              <a:rPr lang="en-US"/>
-              <a:t>Second level</a:t>
-            </a:r>
-          </a:p>
-          <a:p>
-            <a:pPr lvl="2"/>
-            <a:r>
-              <a:rPr lang="en-US"/>
-              <a:t>Third level</a:t>
-            </a:r>
-          </a:p>
-          <a:p>
-            <a:pPr lvl="3"/>
-            <a:r>
-              <a:rPr lang="en-US"/>
-              <a:t>Fourth level</a:t>
-            </a:r>
-          </a:p>
-          <a:p>
-            <a:pPr lvl="4"/>
-            <a:r>
-              <a:rPr lang="en-US"/>
-              <a:t>Fifth level</a:t>
-            </a:r>
-          </a:p>
-        </p:txBody>
-      </p:sp>
-      <p:sp>
-        <p:nvSpPr>
-          <p:cNvPr id="4" name="Content Placeholder 3">
-            <a:extLst>
-              <a:ext uri="{FF2B5EF4-FFF2-40B4-BE49-F238E27FC236}">
-                <a16:creationId xmlns:a16="http://schemas.microsoft.com/office/drawing/2014/main" id="{49C5FDBC-D200-7F14-85E8-2B208477DAF9}"/>
-              </a:ext>
-            </a:extLst>
-          </p:cNvPr>
-          <p:cNvSpPr>
-            <a:spLocks noGrp="1"/>
-          </p:cNvSpPr>
-          <p:nvPr>
-            <p:ph sz="half" idx="2"/>
-          </p:nvPr>
-        </p:nvSpPr>
-        <p:spPr>
-          <a:xfrm>
-            <a:off x="6172200" y="1825625"/>
-            <a:ext cx="5181600" cy="4351338"/>
-          </a:xfrm>
-        </p:spPr>
-        <p:txBody>
-          <a:bodyPr/>
-          <a:lstStyle/>
-          <a:p>
-            <a:pPr lvl="0"/>
-            <a:r>
-              <a:rPr lang="en-US"/>
-              <a:t>Click to edit Master text styles</a:t>
-            </a:r>
-          </a:p>
-          <a:p>
-            <a:pPr lvl="1"/>
-            <a:r>
-              <a:rPr lang="en-US"/>
-              <a:t>Second level</a:t>
-            </a:r>
-          </a:p>
-          <a:p>
-            <a:pPr lvl="2"/>
-            <a:r>
-              <a:rPr lang="en-US"/>
-              <a:t>Third level</a:t>
-            </a:r>
-          </a:p>
-          <a:p>
-            <a:pPr lvl="3"/>
-            <a:r>
-              <a:rPr lang="en-US"/>
-              <a:t>Fourth level</a:t>
-            </a:r>
-          </a:p>
-          <a:p>
-            <a:pPr lvl="4"/>
-            <a:r>
-              <a:rPr lang="en-US"/>
-              <a:t>Fifth level</a:t>
-            </a:r>
-          </a:p>
-        </p:txBody>
-      </p:sp>
-      <p:sp>
-        <p:nvSpPr>
-          <p:cNvPr id="5" name="Date Placeholder 4">
-            <a:extLst>
-              <a:ext uri="{FF2B5EF4-FFF2-40B4-BE49-F238E27FC236}">
-                <a16:creationId xmlns:a16="http://schemas.microsoft.com/office/drawing/2014/main" id="{9C0A7D34-EDD4-2B7C-7597-31E5AE2E8BD6}"/>
-              </a:ext>
-            </a:extLst>
-          </p:cNvPr>
-          <p:cNvSpPr>
-            <a:spLocks noGrp="1"/>
-          </p:cNvSpPr>
-          <p:nvPr>
-            <p:ph type="dt" sz="half" idx="10"/>
-          </p:nvPr>
-        </p:nvSpPr>
-        <p:spPr/>
-        <p:txBody>
-          <a:bodyPr/>
-          <a:lstStyle/>
-          <a:p>
-            <a:fld id="{0D69348B-4620-44E9-BF3F-EACBA9EEF323}" type="datetimeFigureOut">
-              <a:rPr lang="en-US" smtClean="0"/>
-              <a:t>9/26/2024</a:t>
-            </a:fld>
-            <a:endParaRPr lang="en-US"/>
-          </a:p>
-        </p:txBody>
-      </p:sp>
-      <p:sp>
-        <p:nvSpPr>
-          <p:cNvPr id="6" name="Footer Placeholder 5">
-            <a:extLst>
-              <a:ext uri="{FF2B5EF4-FFF2-40B4-BE49-F238E27FC236}">
-                <a16:creationId xmlns:a16="http://schemas.microsoft.com/office/drawing/2014/main" id="{001C50E6-D64B-52FC-1719-552ED73B243D}"/>
-              </a:ext>
-            </a:extLst>
-          </p:cNvPr>
-          <p:cNvSpPr>
-            <a:spLocks noGrp="1"/>
-          </p:cNvSpPr>
-          <p:nvPr>
-            <p:ph type="ftr" sz="quarter" idx="11"/>
-          </p:nvPr>
-        </p:nvSpPr>
-        <p:spPr/>
-        <p:txBody>
-          <a:bodyPr/>
-          <a:lstStyle/>
-          <a:p>
-            <a:endParaRPr lang="en-US"/>
-          </a:p>
-        </p:txBody>
-      </p:sp>
-      <p:sp>
-        <p:nvSpPr>
-          <p:cNvPr id="7" name="Slide Number Placeholder 6">
-            <a:extLst>
-              <a:ext uri="{FF2B5EF4-FFF2-40B4-BE49-F238E27FC236}">
-                <a16:creationId xmlns:a16="http://schemas.microsoft.com/office/drawing/2014/main" id="{159CBFED-25BE-7153-12B4-D0E8588920D3}"/>
-              </a:ext>
-            </a:extLst>
-          </p:cNvPr>
-          <p:cNvSpPr>
-            <a:spLocks noGrp="1"/>
-          </p:cNvSpPr>
-          <p:nvPr>
-            <p:ph type="sldNum" sz="quarter" idx="12"/>
-          </p:nvPr>
-        </p:nvSpPr>
-        <p:spPr/>
-        <p:txBody>
-          <a:bodyPr/>
-          <a:lstStyle/>
-          <a:p>
-            <a:fld id="{986C47A0-D0C4-4E8A-BEE9-37B09C3712B2}" type="slidenum">
-              <a:rPr lang="en-US" smtClean="0"/>
-              <a:t>‹#›</a:t>
-            </a:fld>
-            <a:endParaRPr lang="en-US"/>
-          </a:p>
-        </p:txBody>
-      </p:sp>
-    </p:spTree>
-    <p:extLst>
-      <p:ext uri="{BB962C8B-B14F-4D97-AF65-F5344CB8AC3E}">
-        <p14:creationId xmlns:p14="http://schemas.microsoft.com/office/powerpoint/2010/main" val="3119249891"/>
-      </p:ext>
-    </p:extLst>
-  </p:cSld>
-  <p:clrMapOvr>
-    <a:masterClrMapping/>
-  </p:clrMapOvr>
-</p:sldLayout>
-</file>
-
-<file path=ppt/slideLayouts/slideLayout11.xml><?xml version="1.0" encoding="utf-8"?>
-<p:sldLayout xmlns:a="http://schemas.openxmlformats.org/drawingml/2006/main" xmlns:r="http://schemas.openxmlformats.org/officeDocument/2006/relationships" xmlns:p="http://schemas.openxmlformats.org/presentationml/2006/main" type="twoTxTwoObj" preserve="1">
-  <p:cSld name="Comparison">
-    <p:spTree>
-      <p:nvGrpSpPr>
-        <p:cNvPr id="1" name=""/>
-        <p:cNvGrpSpPr/>
-        <p:nvPr/>
-      </p:nvGrpSpPr>
-      <p:grpSpPr>
-        <a:xfrm>
-          <a:off x="0" y="0"/>
-          <a:ext cx="0" cy="0"/>
-          <a:chOff x="0" y="0"/>
-          <a:chExt cx="0" cy="0"/>
-        </a:xfrm>
-      </p:grpSpPr>
-      <p:sp>
-        <p:nvSpPr>
-          <p:cNvPr id="2" name="Title 1">
-            <a:extLst>
-              <a:ext uri="{FF2B5EF4-FFF2-40B4-BE49-F238E27FC236}">
-                <a16:creationId xmlns:a16="http://schemas.microsoft.com/office/drawing/2014/main" id="{4EC51817-320C-EB58-D57C-AAA586C0053E}"/>
-              </a:ext>
-            </a:extLst>
-          </p:cNvPr>
-          <p:cNvSpPr>
-            <a:spLocks noGrp="1"/>
-          </p:cNvSpPr>
-          <p:nvPr>
-            <p:ph type="title"/>
-          </p:nvPr>
-        </p:nvSpPr>
-        <p:spPr>
-          <a:xfrm>
-            <a:off x="839788" y="365125"/>
-            <a:ext cx="10515600" cy="1325563"/>
-          </a:xfrm>
-        </p:spPr>
-        <p:txBody>
-          <a:bodyPr/>
-          <a:lstStyle/>
-          <a:p>
-            <a:r>
-              <a:rPr lang="en-US"/>
-              <a:t>Click to edit Master title style</a:t>
-            </a:r>
-          </a:p>
-        </p:txBody>
-      </p:sp>
-      <p:sp>
-        <p:nvSpPr>
-          <p:cNvPr id="3" name="Text Placeholder 2">
-            <a:extLst>
-              <a:ext uri="{FF2B5EF4-FFF2-40B4-BE49-F238E27FC236}">
-                <a16:creationId xmlns:a16="http://schemas.microsoft.com/office/drawing/2014/main" id="{21FF1CDE-5ED1-45BC-1BBF-82DBA76868F4}"/>
-              </a:ext>
-            </a:extLst>
-          </p:cNvPr>
-          <p:cNvSpPr>
-            <a:spLocks noGrp="1"/>
-          </p:cNvSpPr>
-          <p:nvPr>
-            <p:ph type="body" idx="1"/>
-          </p:nvPr>
-        </p:nvSpPr>
-        <p:spPr>
-          <a:xfrm>
-            <a:off x="839788" y="1681163"/>
-            <a:ext cx="5157787" cy="823912"/>
-          </a:xfrm>
-        </p:spPr>
-        <p:txBody>
-          <a:bodyPr anchor="b"/>
-          <a:lstStyle>
-            <a:lvl1pPr marL="0" indent="0">
-              <a:buNone/>
-              <a:defRPr sz="2400" b="1"/>
-            </a:lvl1pPr>
-            <a:lvl2pPr marL="457200" indent="0">
-              <a:buNone/>
-              <a:defRPr sz="2000" b="1"/>
-            </a:lvl2pPr>
-            <a:lvl3pPr marL="914400" indent="0">
-              <a:buNone/>
-              <a:defRPr sz="1800" b="1"/>
-            </a:lvl3pPr>
-            <a:lvl4pPr marL="1371600" indent="0">
-              <a:buNone/>
-              <a:defRPr sz="1600" b="1"/>
-            </a:lvl4pPr>
-            <a:lvl5pPr marL="1828800" indent="0">
-              <a:buNone/>
-              <a:defRPr sz="1600" b="1"/>
-            </a:lvl5pPr>
-            <a:lvl6pPr marL="2286000" indent="0">
-              <a:buNone/>
-              <a:defRPr sz="1600" b="1"/>
-            </a:lvl6pPr>
-            <a:lvl7pPr marL="2743200" indent="0">
-              <a:buNone/>
-              <a:defRPr sz="1600" b="1"/>
-            </a:lvl7pPr>
-            <a:lvl8pPr marL="3200400" indent="0">
-              <a:buNone/>
-              <a:defRPr sz="1600" b="1"/>
-            </a:lvl8pPr>
-            <a:lvl9pPr marL="3657600" indent="0">
-              <a:buNone/>
-              <a:defRPr sz="1600" b="1"/>
-            </a:lvl9pPr>
-          </a:lstStyle>
-          <a:p>
-            <a:pPr lvl="0"/>
-            <a:r>
-              <a:rPr lang="en-US"/>
-              <a:t>Click to edit Master text styles</a:t>
-            </a:r>
-          </a:p>
-        </p:txBody>
-      </p:sp>
-      <p:sp>
-        <p:nvSpPr>
-          <p:cNvPr id="4" name="Content Placeholder 3">
-            <a:extLst>
-              <a:ext uri="{FF2B5EF4-FFF2-40B4-BE49-F238E27FC236}">
-                <a16:creationId xmlns:a16="http://schemas.microsoft.com/office/drawing/2014/main" id="{CB45744E-8CC8-1B85-F492-6648EB8A9996}"/>
-              </a:ext>
-            </a:extLst>
-          </p:cNvPr>
-          <p:cNvSpPr>
-            <a:spLocks noGrp="1"/>
-          </p:cNvSpPr>
-          <p:nvPr>
-            <p:ph sz="half" idx="2"/>
-          </p:nvPr>
-        </p:nvSpPr>
-        <p:spPr>
-          <a:xfrm>
-            <a:off x="839788" y="2505075"/>
-            <a:ext cx="5157787" cy="3684588"/>
-          </a:xfrm>
-        </p:spPr>
-        <p:txBody>
-          <a:bodyPr/>
-          <a:lstStyle/>
-          <a:p>
-            <a:pPr lvl="0"/>
-            <a:r>
-              <a:rPr lang="en-US"/>
-              <a:t>Click to edit Master text styles</a:t>
-            </a:r>
-          </a:p>
-          <a:p>
-            <a:pPr lvl="1"/>
-            <a:r>
-              <a:rPr lang="en-US"/>
-              <a:t>Second level</a:t>
-            </a:r>
-          </a:p>
-          <a:p>
-            <a:pPr lvl="2"/>
-            <a:r>
-              <a:rPr lang="en-US"/>
-              <a:t>Third level</a:t>
-            </a:r>
-          </a:p>
-          <a:p>
-            <a:pPr lvl="3"/>
-            <a:r>
-              <a:rPr lang="en-US"/>
-              <a:t>Fourth level</a:t>
-            </a:r>
-          </a:p>
-          <a:p>
-            <a:pPr lvl="4"/>
-            <a:r>
-              <a:rPr lang="en-US"/>
-              <a:t>Fifth level</a:t>
-            </a:r>
-          </a:p>
-        </p:txBody>
-      </p:sp>
-      <p:sp>
-        <p:nvSpPr>
-          <p:cNvPr id="5" name="Text Placeholder 4">
-            <a:extLst>
-              <a:ext uri="{FF2B5EF4-FFF2-40B4-BE49-F238E27FC236}">
-                <a16:creationId xmlns:a16="http://schemas.microsoft.com/office/drawing/2014/main" id="{E073266C-0D92-527A-30E1-7ECDD28C0F91}"/>
-              </a:ext>
-            </a:extLst>
-          </p:cNvPr>
-          <p:cNvSpPr>
-            <a:spLocks noGrp="1"/>
-          </p:cNvSpPr>
-          <p:nvPr>
-            <p:ph type="body" sz="quarter" idx="3"/>
-          </p:nvPr>
-        </p:nvSpPr>
-        <p:spPr>
-          <a:xfrm>
-            <a:off x="6172200" y="1681163"/>
-            <a:ext cx="5183188" cy="823912"/>
-          </a:xfrm>
-        </p:spPr>
-        <p:txBody>
-          <a:bodyPr anchor="b"/>
-          <a:lstStyle>
-            <a:lvl1pPr marL="0" indent="0">
-              <a:buNone/>
-              <a:defRPr sz="2400" b="1"/>
-            </a:lvl1pPr>
-            <a:lvl2pPr marL="457200" indent="0">
-              <a:buNone/>
-              <a:defRPr sz="2000" b="1"/>
-            </a:lvl2pPr>
-            <a:lvl3pPr marL="914400" indent="0">
-              <a:buNone/>
-              <a:defRPr sz="1800" b="1"/>
-            </a:lvl3pPr>
-            <a:lvl4pPr marL="1371600" indent="0">
-              <a:buNone/>
-              <a:defRPr sz="1600" b="1"/>
-            </a:lvl4pPr>
-            <a:lvl5pPr marL="1828800" indent="0">
-              <a:buNone/>
-              <a:defRPr sz="1600" b="1"/>
-            </a:lvl5pPr>
-            <a:lvl6pPr marL="2286000" indent="0">
-              <a:buNone/>
-              <a:defRPr sz="1600" b="1"/>
-            </a:lvl6pPr>
-            <a:lvl7pPr marL="2743200" indent="0">
-              <a:buNone/>
-              <a:defRPr sz="1600" b="1"/>
-            </a:lvl7pPr>
-            <a:lvl8pPr marL="3200400" indent="0">
-              <a:buNone/>
-              <a:defRPr sz="1600" b="1"/>
-            </a:lvl8pPr>
-            <a:lvl9pPr marL="3657600" indent="0">
-              <a:buNone/>
-              <a:defRPr sz="1600" b="1"/>
-            </a:lvl9pPr>
-          </a:lstStyle>
-          <a:p>
-            <a:pPr lvl="0"/>
-            <a:r>
-              <a:rPr lang="en-US"/>
-              <a:t>Click to edit Master text styles</a:t>
-            </a:r>
-          </a:p>
-        </p:txBody>
-      </p:sp>
-      <p:sp>
-        <p:nvSpPr>
-          <p:cNvPr id="6" name="Content Placeholder 5">
-            <a:extLst>
-              <a:ext uri="{FF2B5EF4-FFF2-40B4-BE49-F238E27FC236}">
-                <a16:creationId xmlns:a16="http://schemas.microsoft.com/office/drawing/2014/main" id="{1E10B574-E76B-4DE3-3CFA-1190E252BA61}"/>
-              </a:ext>
-            </a:extLst>
-          </p:cNvPr>
-          <p:cNvSpPr>
-            <a:spLocks noGrp="1"/>
-          </p:cNvSpPr>
-          <p:nvPr>
-            <p:ph sz="quarter" idx="4"/>
-          </p:nvPr>
-        </p:nvSpPr>
-        <p:spPr>
-          <a:xfrm>
-            <a:off x="6172200" y="2505075"/>
-            <a:ext cx="5183188" cy="3684588"/>
-          </a:xfrm>
-        </p:spPr>
-        <p:txBody>
-          <a:bodyPr/>
-          <a:lstStyle/>
-          <a:p>
-            <a:pPr lvl="0"/>
-            <a:r>
-              <a:rPr lang="en-US"/>
-              <a:t>Click to edit Master text styles</a:t>
-            </a:r>
-          </a:p>
-          <a:p>
-            <a:pPr lvl="1"/>
-            <a:r>
-              <a:rPr lang="en-US"/>
-              <a:t>Second level</a:t>
-            </a:r>
-          </a:p>
-          <a:p>
-            <a:pPr lvl="2"/>
-            <a:r>
-              <a:rPr lang="en-US"/>
-              <a:t>Third level</a:t>
-            </a:r>
-          </a:p>
-          <a:p>
-            <a:pPr lvl="3"/>
-            <a:r>
-              <a:rPr lang="en-US"/>
-              <a:t>Fourth level</a:t>
-            </a:r>
-          </a:p>
-          <a:p>
-            <a:pPr lvl="4"/>
-            <a:r>
-              <a:rPr lang="en-US"/>
-              <a:t>Fifth level</a:t>
-            </a:r>
-          </a:p>
-        </p:txBody>
-      </p:sp>
-      <p:sp>
-        <p:nvSpPr>
-          <p:cNvPr id="7" name="Date Placeholder 6">
-            <a:extLst>
-              <a:ext uri="{FF2B5EF4-FFF2-40B4-BE49-F238E27FC236}">
-                <a16:creationId xmlns:a16="http://schemas.microsoft.com/office/drawing/2014/main" id="{B22F13C7-15CB-D0AD-592A-4574F62CF3CA}"/>
-              </a:ext>
-            </a:extLst>
-          </p:cNvPr>
-          <p:cNvSpPr>
-            <a:spLocks noGrp="1"/>
-          </p:cNvSpPr>
-          <p:nvPr>
-            <p:ph type="dt" sz="half" idx="10"/>
-          </p:nvPr>
-        </p:nvSpPr>
-        <p:spPr/>
-        <p:txBody>
-          <a:bodyPr/>
-          <a:lstStyle/>
-          <a:p>
-            <a:fld id="{0D69348B-4620-44E9-BF3F-EACBA9EEF323}" type="datetimeFigureOut">
-              <a:rPr lang="en-US" smtClean="0"/>
-              <a:t>9/26/2024</a:t>
-            </a:fld>
-            <a:endParaRPr lang="en-US"/>
-          </a:p>
-        </p:txBody>
-      </p:sp>
-      <p:sp>
-        <p:nvSpPr>
-          <p:cNvPr id="8" name="Footer Placeholder 7">
-            <a:extLst>
-              <a:ext uri="{FF2B5EF4-FFF2-40B4-BE49-F238E27FC236}">
-                <a16:creationId xmlns:a16="http://schemas.microsoft.com/office/drawing/2014/main" id="{2F5F3798-7B61-5530-4CE3-C6CC264D0CAB}"/>
-              </a:ext>
-            </a:extLst>
-          </p:cNvPr>
-          <p:cNvSpPr>
-            <a:spLocks noGrp="1"/>
-          </p:cNvSpPr>
-          <p:nvPr>
-            <p:ph type="ftr" sz="quarter" idx="11"/>
-          </p:nvPr>
-        </p:nvSpPr>
-        <p:spPr/>
-        <p:txBody>
-          <a:bodyPr/>
-          <a:lstStyle/>
-          <a:p>
-            <a:endParaRPr lang="en-US"/>
-          </a:p>
-        </p:txBody>
-      </p:sp>
-      <p:sp>
-        <p:nvSpPr>
-          <p:cNvPr id="9" name="Slide Number Placeholder 8">
-            <a:extLst>
-              <a:ext uri="{FF2B5EF4-FFF2-40B4-BE49-F238E27FC236}">
-                <a16:creationId xmlns:a16="http://schemas.microsoft.com/office/drawing/2014/main" id="{DEA57831-0ADE-7493-7182-6249F4413808}"/>
-              </a:ext>
-            </a:extLst>
-          </p:cNvPr>
-          <p:cNvSpPr>
-            <a:spLocks noGrp="1"/>
-          </p:cNvSpPr>
-          <p:nvPr>
-            <p:ph type="sldNum" sz="quarter" idx="12"/>
-          </p:nvPr>
-        </p:nvSpPr>
-        <p:spPr/>
-        <p:txBody>
-          <a:bodyPr/>
-          <a:lstStyle/>
-          <a:p>
-            <a:fld id="{986C47A0-D0C4-4E8A-BEE9-37B09C3712B2}" type="slidenum">
-              <a:rPr lang="en-US" smtClean="0"/>
-              <a:t>‹#›</a:t>
-            </a:fld>
-            <a:endParaRPr lang="en-US"/>
-          </a:p>
-        </p:txBody>
-      </p:sp>
-    </p:spTree>
-    <p:extLst>
-      <p:ext uri="{BB962C8B-B14F-4D97-AF65-F5344CB8AC3E}">
-        <p14:creationId xmlns:p14="http://schemas.microsoft.com/office/powerpoint/2010/main" val="3054922134"/>
-      </p:ext>
-    </p:extLst>
-  </p:cSld>
-  <p:clrMapOvr>
-    <a:masterClrMapping/>
-  </p:clrMapOvr>
-</p:sldLayout>
-</file>
-
-<file path=ppt/slideLayouts/slideLayout12.xml><?xml version="1.0" encoding="utf-8"?>
-<p:sldLayout xmlns:a="http://schemas.openxmlformats.org/drawingml/2006/main" xmlns:r="http://schemas.openxmlformats.org/officeDocument/2006/relationships" xmlns:p="http://schemas.openxmlformats.org/presentationml/2006/main" type="titleOnly" preserve="1">
-  <p:cSld name="Title Only">
-    <p:spTree>
-      <p:nvGrpSpPr>
-        <p:cNvPr id="1" name=""/>
-        <p:cNvGrpSpPr/>
-        <p:nvPr/>
-      </p:nvGrpSpPr>
-      <p:grpSpPr>
-        <a:xfrm>
-          <a:off x="0" y="0"/>
-          <a:ext cx="0" cy="0"/>
-          <a:chOff x="0" y="0"/>
-          <a:chExt cx="0" cy="0"/>
-        </a:xfrm>
-      </p:grpSpPr>
-      <p:sp>
-        <p:nvSpPr>
-          <p:cNvPr id="2" name="Title 1">
-            <a:extLst>
-              <a:ext uri="{FF2B5EF4-FFF2-40B4-BE49-F238E27FC236}">
-                <a16:creationId xmlns:a16="http://schemas.microsoft.com/office/drawing/2014/main" id="{C51D6B86-2F64-08CA-8DAC-2D6D1CA3880D}"/>
-              </a:ext>
-            </a:extLst>
-          </p:cNvPr>
-          <p:cNvSpPr>
-            <a:spLocks noGrp="1"/>
-          </p:cNvSpPr>
-          <p:nvPr>
-            <p:ph type="title"/>
-          </p:nvPr>
-        </p:nvSpPr>
-        <p:spPr/>
-        <p:txBody>
-          <a:bodyPr/>
-          <a:lstStyle/>
-          <a:p>
-            <a:r>
-              <a:rPr lang="en-US"/>
-              <a:t>Click to edit Master title style</a:t>
-            </a:r>
-          </a:p>
-        </p:txBody>
-      </p:sp>
-      <p:sp>
-        <p:nvSpPr>
-          <p:cNvPr id="3" name="Date Placeholder 2">
-            <a:extLst>
-              <a:ext uri="{FF2B5EF4-FFF2-40B4-BE49-F238E27FC236}">
-                <a16:creationId xmlns:a16="http://schemas.microsoft.com/office/drawing/2014/main" id="{03C4A398-4A9D-A2A3-6474-1E420261434B}"/>
-              </a:ext>
-            </a:extLst>
-          </p:cNvPr>
-          <p:cNvSpPr>
-            <a:spLocks noGrp="1"/>
-          </p:cNvSpPr>
-          <p:nvPr>
-            <p:ph type="dt" sz="half" idx="10"/>
-          </p:nvPr>
-        </p:nvSpPr>
-        <p:spPr/>
-        <p:txBody>
-          <a:bodyPr/>
-          <a:lstStyle/>
-          <a:p>
-            <a:fld id="{0D69348B-4620-44E9-BF3F-EACBA9EEF323}" type="datetimeFigureOut">
-              <a:rPr lang="en-US" smtClean="0"/>
-              <a:t>9/26/2024</a:t>
-            </a:fld>
-            <a:endParaRPr lang="en-US"/>
-          </a:p>
-        </p:txBody>
-      </p:sp>
-      <p:sp>
-        <p:nvSpPr>
-          <p:cNvPr id="4" name="Footer Placeholder 3">
-            <a:extLst>
-              <a:ext uri="{FF2B5EF4-FFF2-40B4-BE49-F238E27FC236}">
-                <a16:creationId xmlns:a16="http://schemas.microsoft.com/office/drawing/2014/main" id="{1B329954-395E-06FF-D638-EC31477B4B60}"/>
-              </a:ext>
-            </a:extLst>
-          </p:cNvPr>
-          <p:cNvSpPr>
-            <a:spLocks noGrp="1"/>
-          </p:cNvSpPr>
-          <p:nvPr>
-            <p:ph type="ftr" sz="quarter" idx="11"/>
-          </p:nvPr>
-        </p:nvSpPr>
-        <p:spPr/>
-        <p:txBody>
-          <a:bodyPr/>
-          <a:lstStyle/>
-          <a:p>
-            <a:endParaRPr lang="en-US"/>
-          </a:p>
-        </p:txBody>
-      </p:sp>
-      <p:sp>
-        <p:nvSpPr>
-          <p:cNvPr id="5" name="Slide Number Placeholder 4">
-            <a:extLst>
-              <a:ext uri="{FF2B5EF4-FFF2-40B4-BE49-F238E27FC236}">
-                <a16:creationId xmlns:a16="http://schemas.microsoft.com/office/drawing/2014/main" id="{26A16BE0-3CF4-0FFF-42E9-C2ABCD5E1AB3}"/>
-              </a:ext>
-            </a:extLst>
-          </p:cNvPr>
-          <p:cNvSpPr>
-            <a:spLocks noGrp="1"/>
-          </p:cNvSpPr>
-          <p:nvPr>
-            <p:ph type="sldNum" sz="quarter" idx="12"/>
-          </p:nvPr>
-        </p:nvSpPr>
-        <p:spPr/>
-        <p:txBody>
-          <a:bodyPr/>
-          <a:lstStyle/>
-          <a:p>
-            <a:fld id="{986C47A0-D0C4-4E8A-BEE9-37B09C3712B2}" type="slidenum">
-              <a:rPr lang="en-US" smtClean="0"/>
-              <a:t>‹#›</a:t>
-            </a:fld>
-            <a:endParaRPr lang="en-US"/>
-          </a:p>
-        </p:txBody>
-      </p:sp>
-    </p:spTree>
-    <p:extLst>
-      <p:ext uri="{BB962C8B-B14F-4D97-AF65-F5344CB8AC3E}">
-        <p14:creationId xmlns:p14="http://schemas.microsoft.com/office/powerpoint/2010/main" val="2938381997"/>
-      </p:ext>
-    </p:extLst>
-  </p:cSld>
-  <p:clrMapOvr>
-    <a:masterClrMapping/>
-  </p:clrMapOvr>
-</p:sldLayout>
-</file>
-
-<file path=ppt/slideLayouts/slideLayout13.xml><?xml version="1.0" encoding="utf-8"?>
-<p:sldLayout xmlns:a="http://schemas.openxmlformats.org/drawingml/2006/main" xmlns:r="http://schemas.openxmlformats.org/officeDocument/2006/relationships" xmlns:p="http://schemas.openxmlformats.org/presentationml/2006/main" type="blank" preserve="1">
-  <p:cSld name="Blank">
-    <p:spTree>
-      <p:nvGrpSpPr>
-        <p:cNvPr id="1" name=""/>
-        <p:cNvGrpSpPr/>
-        <p:nvPr/>
-      </p:nvGrpSpPr>
-      <p:grpSpPr>
-        <a:xfrm>
-          <a:off x="0" y="0"/>
-          <a:ext cx="0" cy="0"/>
-          <a:chOff x="0" y="0"/>
-          <a:chExt cx="0" cy="0"/>
-        </a:xfrm>
-      </p:grpSpPr>
-      <p:sp>
-        <p:nvSpPr>
-          <p:cNvPr id="2" name="Date Placeholder 1">
-            <a:extLst>
-              <a:ext uri="{FF2B5EF4-FFF2-40B4-BE49-F238E27FC236}">
-                <a16:creationId xmlns:a16="http://schemas.microsoft.com/office/drawing/2014/main" id="{AA5B9B0A-FA71-5C03-A207-2398589F58E9}"/>
-              </a:ext>
-            </a:extLst>
-          </p:cNvPr>
-          <p:cNvSpPr>
-            <a:spLocks noGrp="1"/>
-          </p:cNvSpPr>
-          <p:nvPr>
-            <p:ph type="dt" sz="half" idx="10"/>
-          </p:nvPr>
-        </p:nvSpPr>
-        <p:spPr/>
-        <p:txBody>
-          <a:bodyPr/>
-          <a:lstStyle/>
-          <a:p>
-            <a:fld id="{0D69348B-4620-44E9-BF3F-EACBA9EEF323}" type="datetimeFigureOut">
-              <a:rPr lang="en-US" smtClean="0"/>
-              <a:t>9/26/2024</a:t>
-            </a:fld>
-            <a:endParaRPr lang="en-US"/>
-          </a:p>
-        </p:txBody>
-      </p:sp>
-      <p:sp>
-        <p:nvSpPr>
-          <p:cNvPr id="3" name="Footer Placeholder 2">
-            <a:extLst>
-              <a:ext uri="{FF2B5EF4-FFF2-40B4-BE49-F238E27FC236}">
-                <a16:creationId xmlns:a16="http://schemas.microsoft.com/office/drawing/2014/main" id="{5EEC7B99-A534-1835-A5BF-8993DDBD237D}"/>
-              </a:ext>
-            </a:extLst>
-          </p:cNvPr>
-          <p:cNvSpPr>
-            <a:spLocks noGrp="1"/>
-          </p:cNvSpPr>
-          <p:nvPr>
-            <p:ph type="ftr" sz="quarter" idx="11"/>
-          </p:nvPr>
-        </p:nvSpPr>
-        <p:spPr/>
-        <p:txBody>
-          <a:bodyPr/>
-          <a:lstStyle/>
-          <a:p>
-            <a:endParaRPr lang="en-US"/>
-          </a:p>
-        </p:txBody>
-      </p:sp>
-      <p:sp>
-        <p:nvSpPr>
-          <p:cNvPr id="4" name="Slide Number Placeholder 3">
-            <a:extLst>
-              <a:ext uri="{FF2B5EF4-FFF2-40B4-BE49-F238E27FC236}">
-                <a16:creationId xmlns:a16="http://schemas.microsoft.com/office/drawing/2014/main" id="{6E001977-30BB-D5A2-E565-94C0467FE0FD}"/>
-              </a:ext>
-            </a:extLst>
-          </p:cNvPr>
-          <p:cNvSpPr>
-            <a:spLocks noGrp="1"/>
-          </p:cNvSpPr>
-          <p:nvPr>
-            <p:ph type="sldNum" sz="quarter" idx="12"/>
-          </p:nvPr>
-        </p:nvSpPr>
-        <p:spPr/>
-        <p:txBody>
-          <a:bodyPr/>
-          <a:lstStyle/>
-          <a:p>
-            <a:fld id="{986C47A0-D0C4-4E8A-BEE9-37B09C3712B2}" type="slidenum">
-              <a:rPr lang="en-US" smtClean="0"/>
-              <a:t>‹#›</a:t>
-            </a:fld>
-            <a:endParaRPr lang="en-US"/>
-          </a:p>
-        </p:txBody>
-      </p:sp>
-    </p:spTree>
-    <p:extLst>
-      <p:ext uri="{BB962C8B-B14F-4D97-AF65-F5344CB8AC3E}">
-        <p14:creationId xmlns:p14="http://schemas.microsoft.com/office/powerpoint/2010/main" val="2840775159"/>
-      </p:ext>
-    </p:extLst>
-  </p:cSld>
-  <p:clrMapOvr>
-    <a:masterClrMapping/>
-  </p:clrMapOvr>
-</p:sldLayout>
-</file>
-
-<file path=ppt/slideLayouts/slideLayout14.xml><?xml version="1.0" encoding="utf-8"?>
-<p:sldLayout xmlns:a="http://schemas.openxmlformats.org/drawingml/2006/main" xmlns:r="http://schemas.openxmlformats.org/officeDocument/2006/relationships" xmlns:p="http://schemas.openxmlformats.org/presentationml/2006/main" type="objTx" preserve="1">
-  <p:cSld name="Content with Caption">
-    <p:spTree>
-      <p:nvGrpSpPr>
-        <p:cNvPr id="1" name=""/>
-        <p:cNvGrpSpPr/>
-        <p:nvPr/>
-      </p:nvGrpSpPr>
-      <p:grpSpPr>
-        <a:xfrm>
-          <a:off x="0" y="0"/>
-          <a:ext cx="0" cy="0"/>
-          <a:chOff x="0" y="0"/>
-          <a:chExt cx="0" cy="0"/>
-        </a:xfrm>
-      </p:grpSpPr>
-      <p:sp>
-        <p:nvSpPr>
-          <p:cNvPr id="2" name="Title 1">
-            <a:extLst>
-              <a:ext uri="{FF2B5EF4-FFF2-40B4-BE49-F238E27FC236}">
-                <a16:creationId xmlns:a16="http://schemas.microsoft.com/office/drawing/2014/main" id="{AC38A989-6857-707E-A17F-8A83A6144698}"/>
-              </a:ext>
-            </a:extLst>
-          </p:cNvPr>
-          <p:cNvSpPr>
-            <a:spLocks noGrp="1"/>
-          </p:cNvSpPr>
-          <p:nvPr>
-            <p:ph type="title"/>
-          </p:nvPr>
-        </p:nvSpPr>
-        <p:spPr>
-          <a:xfrm>
-            <a:off x="839788" y="457200"/>
-            <a:ext cx="3932237" cy="1600200"/>
-          </a:xfrm>
-        </p:spPr>
-        <p:txBody>
-          <a:bodyPr anchor="b"/>
-          <a:lstStyle>
-            <a:lvl1pPr>
-              <a:defRPr sz="3200"/>
-            </a:lvl1pPr>
-          </a:lstStyle>
-          <a:p>
-            <a:r>
-              <a:rPr lang="en-US"/>
-              <a:t>Click to edit Master title style</a:t>
-            </a:r>
-          </a:p>
-        </p:txBody>
-      </p:sp>
-      <p:sp>
-        <p:nvSpPr>
-          <p:cNvPr id="3" name="Content Placeholder 2">
-            <a:extLst>
-              <a:ext uri="{FF2B5EF4-FFF2-40B4-BE49-F238E27FC236}">
-                <a16:creationId xmlns:a16="http://schemas.microsoft.com/office/drawing/2014/main" id="{D3A3E0C8-FA9B-6F55-E988-D7B8ADBC9C21}"/>
-              </a:ext>
-            </a:extLst>
-          </p:cNvPr>
-          <p:cNvSpPr>
-            <a:spLocks noGrp="1"/>
-          </p:cNvSpPr>
-          <p:nvPr>
-            <p:ph idx="1"/>
-          </p:nvPr>
-        </p:nvSpPr>
-        <p:spPr>
-          <a:xfrm>
-            <a:off x="5183188" y="987425"/>
-            <a:ext cx="6172200" cy="4873625"/>
-          </a:xfrm>
-        </p:spPr>
-        <p:txBody>
-          <a:bodyPr/>
-          <a:lstStyle>
-            <a:lvl1pPr>
-              <a:defRPr sz="3200"/>
-            </a:lvl1pPr>
-            <a:lvl2pPr>
-              <a:defRPr sz="2800"/>
-            </a:lvl2pPr>
-            <a:lvl3pPr>
-              <a:defRPr sz="2400"/>
-            </a:lvl3pPr>
-            <a:lvl4pPr>
-              <a:defRPr sz="2000"/>
-            </a:lvl4pPr>
-            <a:lvl5pPr>
-              <a:defRPr sz="2000"/>
-            </a:lvl5pPr>
-            <a:lvl6pPr>
-              <a:defRPr sz="2000"/>
-            </a:lvl6pPr>
-            <a:lvl7pPr>
-              <a:defRPr sz="2000"/>
-            </a:lvl7pPr>
-            <a:lvl8pPr>
-              <a:defRPr sz="2000"/>
-            </a:lvl8pPr>
-            <a:lvl9pPr>
-              <a:defRPr sz="2000"/>
-            </a:lvl9pPr>
-          </a:lstStyle>
-          <a:p>
-            <a:pPr lvl="0"/>
-            <a:r>
-              <a:rPr lang="en-US"/>
-              <a:t>Click to edit Master text styles</a:t>
-            </a:r>
-          </a:p>
-          <a:p>
-            <a:pPr lvl="1"/>
-            <a:r>
-              <a:rPr lang="en-US"/>
-              <a:t>Second level</a:t>
-            </a:r>
-          </a:p>
-          <a:p>
-            <a:pPr lvl="2"/>
-            <a:r>
-              <a:rPr lang="en-US"/>
-              <a:t>Third level</a:t>
-            </a:r>
-          </a:p>
-          <a:p>
-            <a:pPr lvl="3"/>
-            <a:r>
-              <a:rPr lang="en-US"/>
-              <a:t>Fourth level</a:t>
-            </a:r>
-          </a:p>
-          <a:p>
-            <a:pPr lvl="4"/>
-            <a:r>
-              <a:rPr lang="en-US"/>
-              <a:t>Fifth level</a:t>
-            </a:r>
-          </a:p>
-        </p:txBody>
-      </p:sp>
-      <p:sp>
-        <p:nvSpPr>
-          <p:cNvPr id="4" name="Text Placeholder 3">
-            <a:extLst>
-              <a:ext uri="{FF2B5EF4-FFF2-40B4-BE49-F238E27FC236}">
-                <a16:creationId xmlns:a16="http://schemas.microsoft.com/office/drawing/2014/main" id="{FC649A31-16E4-3C58-CFAF-870BE9A231C8}"/>
-              </a:ext>
-            </a:extLst>
-          </p:cNvPr>
-          <p:cNvSpPr>
-            <a:spLocks noGrp="1"/>
-          </p:cNvSpPr>
-          <p:nvPr>
-            <p:ph type="body" sz="half" idx="2"/>
-          </p:nvPr>
-        </p:nvSpPr>
-        <p:spPr>
-          <a:xfrm>
-            <a:off x="839788" y="2057400"/>
-            <a:ext cx="3932237" cy="3811588"/>
-          </a:xfrm>
-        </p:spPr>
-        <p:txBody>
-          <a:bodyPr/>
-          <a:lstStyle>
-            <a:lvl1pPr marL="0" indent="0">
-              <a:buNone/>
-              <a:defRPr sz="1600"/>
-            </a:lvl1pPr>
-            <a:lvl2pPr marL="457200" indent="0">
-              <a:buNone/>
-              <a:defRPr sz="1400"/>
-            </a:lvl2pPr>
-            <a:lvl3pPr marL="914400" indent="0">
-              <a:buNone/>
-              <a:defRPr sz="1200"/>
-            </a:lvl3pPr>
-            <a:lvl4pPr marL="1371600" indent="0">
-              <a:buNone/>
-              <a:defRPr sz="1000"/>
-            </a:lvl4pPr>
-            <a:lvl5pPr marL="1828800" indent="0">
-              <a:buNone/>
-              <a:defRPr sz="1000"/>
-            </a:lvl5pPr>
-            <a:lvl6pPr marL="2286000" indent="0">
-              <a:buNone/>
-              <a:defRPr sz="1000"/>
-            </a:lvl6pPr>
-            <a:lvl7pPr marL="2743200" indent="0">
-              <a:buNone/>
-              <a:defRPr sz="1000"/>
-            </a:lvl7pPr>
-            <a:lvl8pPr marL="3200400" indent="0">
-              <a:buNone/>
-              <a:defRPr sz="1000"/>
-            </a:lvl8pPr>
-            <a:lvl9pPr marL="3657600" indent="0">
-              <a:buNone/>
-              <a:defRPr sz="1000"/>
-            </a:lvl9pPr>
-          </a:lstStyle>
-          <a:p>
-            <a:pPr lvl="0"/>
-            <a:r>
-              <a:rPr lang="en-US"/>
-              <a:t>Click to edit Master text styles</a:t>
-            </a:r>
-          </a:p>
-        </p:txBody>
-      </p:sp>
-      <p:sp>
-        <p:nvSpPr>
-          <p:cNvPr id="5" name="Date Placeholder 4">
-            <a:extLst>
-              <a:ext uri="{FF2B5EF4-FFF2-40B4-BE49-F238E27FC236}">
-                <a16:creationId xmlns:a16="http://schemas.microsoft.com/office/drawing/2014/main" id="{5999608F-F9E6-C047-FAFD-5BD962E36788}"/>
-              </a:ext>
-            </a:extLst>
-          </p:cNvPr>
-          <p:cNvSpPr>
-            <a:spLocks noGrp="1"/>
-          </p:cNvSpPr>
-          <p:nvPr>
-            <p:ph type="dt" sz="half" idx="10"/>
-          </p:nvPr>
-        </p:nvSpPr>
-        <p:spPr/>
-        <p:txBody>
-          <a:bodyPr/>
-          <a:lstStyle/>
-          <a:p>
-            <a:fld id="{0D69348B-4620-44E9-BF3F-EACBA9EEF323}" type="datetimeFigureOut">
-              <a:rPr lang="en-US" smtClean="0"/>
-              <a:t>9/26/2024</a:t>
-            </a:fld>
-            <a:endParaRPr lang="en-US"/>
-          </a:p>
-        </p:txBody>
-      </p:sp>
-      <p:sp>
-        <p:nvSpPr>
-          <p:cNvPr id="6" name="Footer Placeholder 5">
-            <a:extLst>
-              <a:ext uri="{FF2B5EF4-FFF2-40B4-BE49-F238E27FC236}">
-                <a16:creationId xmlns:a16="http://schemas.microsoft.com/office/drawing/2014/main" id="{E1D5DC43-2068-E43E-0C96-6105FF141340}"/>
-              </a:ext>
-            </a:extLst>
-          </p:cNvPr>
-          <p:cNvSpPr>
-            <a:spLocks noGrp="1"/>
-          </p:cNvSpPr>
-          <p:nvPr>
-            <p:ph type="ftr" sz="quarter" idx="11"/>
-          </p:nvPr>
-        </p:nvSpPr>
-        <p:spPr/>
-        <p:txBody>
-          <a:bodyPr/>
-          <a:lstStyle/>
-          <a:p>
-            <a:endParaRPr lang="en-US"/>
-          </a:p>
-        </p:txBody>
-      </p:sp>
-      <p:sp>
-        <p:nvSpPr>
-          <p:cNvPr id="7" name="Slide Number Placeholder 6">
-            <a:extLst>
-              <a:ext uri="{FF2B5EF4-FFF2-40B4-BE49-F238E27FC236}">
-                <a16:creationId xmlns:a16="http://schemas.microsoft.com/office/drawing/2014/main" id="{07714F4E-989B-09B5-9809-BA4CDB940F1A}"/>
-              </a:ext>
-            </a:extLst>
-          </p:cNvPr>
-          <p:cNvSpPr>
-            <a:spLocks noGrp="1"/>
-          </p:cNvSpPr>
-          <p:nvPr>
-            <p:ph type="sldNum" sz="quarter" idx="12"/>
-          </p:nvPr>
-        </p:nvSpPr>
-        <p:spPr/>
-        <p:txBody>
-          <a:bodyPr/>
-          <a:lstStyle/>
-          <a:p>
-            <a:fld id="{986C47A0-D0C4-4E8A-BEE9-37B09C3712B2}" type="slidenum">
-              <a:rPr lang="en-US" smtClean="0"/>
-              <a:t>‹#›</a:t>
-            </a:fld>
-            <a:endParaRPr lang="en-US"/>
-          </a:p>
-        </p:txBody>
-      </p:sp>
-    </p:spTree>
-    <p:extLst>
-      <p:ext uri="{BB962C8B-B14F-4D97-AF65-F5344CB8AC3E}">
-        <p14:creationId xmlns:p14="http://schemas.microsoft.com/office/powerpoint/2010/main" val="489734700"/>
-      </p:ext>
-    </p:extLst>
-  </p:cSld>
-  <p:clrMapOvr>
-    <a:masterClrMapping/>
-  </p:clrMapOvr>
-</p:sldLayout>
-</file>
-
-<file path=ppt/slideLayouts/slideLayout15.xml><?xml version="1.0" encoding="utf-8"?>
-<p:sldLayout xmlns:a="http://schemas.openxmlformats.org/drawingml/2006/main" xmlns:r="http://schemas.openxmlformats.org/officeDocument/2006/relationships" xmlns:p="http://schemas.openxmlformats.org/presentationml/2006/main" type="picTx" preserve="1">
-  <p:cSld name="Picture with Caption">
-    <p:spTree>
-      <p:nvGrpSpPr>
-        <p:cNvPr id="1" name=""/>
-        <p:cNvGrpSpPr/>
-        <p:nvPr/>
-      </p:nvGrpSpPr>
-      <p:grpSpPr>
-        <a:xfrm>
-          <a:off x="0" y="0"/>
-          <a:ext cx="0" cy="0"/>
-          <a:chOff x="0" y="0"/>
-          <a:chExt cx="0" cy="0"/>
-        </a:xfrm>
-      </p:grpSpPr>
-      <p:sp>
-        <p:nvSpPr>
-          <p:cNvPr id="2" name="Title 1">
-            <a:extLst>
-              <a:ext uri="{FF2B5EF4-FFF2-40B4-BE49-F238E27FC236}">
-                <a16:creationId xmlns:a16="http://schemas.microsoft.com/office/drawing/2014/main" id="{3355A176-7BDB-BCDB-D1C0-7943D50F9B44}"/>
-              </a:ext>
-            </a:extLst>
-          </p:cNvPr>
-          <p:cNvSpPr>
-            <a:spLocks noGrp="1"/>
-          </p:cNvSpPr>
-          <p:nvPr>
-            <p:ph type="title"/>
-          </p:nvPr>
-        </p:nvSpPr>
-        <p:spPr>
-          <a:xfrm>
-            <a:off x="839788" y="457200"/>
-            <a:ext cx="3932237" cy="1600200"/>
-          </a:xfrm>
-        </p:spPr>
-        <p:txBody>
-          <a:bodyPr anchor="b"/>
-          <a:lstStyle>
-            <a:lvl1pPr>
-              <a:defRPr sz="3200"/>
-            </a:lvl1pPr>
-          </a:lstStyle>
-          <a:p>
-            <a:r>
-              <a:rPr lang="en-US"/>
-              <a:t>Click to edit Master title style</a:t>
-            </a:r>
-          </a:p>
-        </p:txBody>
-      </p:sp>
-      <p:sp>
-        <p:nvSpPr>
-          <p:cNvPr id="3" name="Picture Placeholder 2">
-            <a:extLst>
-              <a:ext uri="{FF2B5EF4-FFF2-40B4-BE49-F238E27FC236}">
-                <a16:creationId xmlns:a16="http://schemas.microsoft.com/office/drawing/2014/main" id="{B68408D7-61D1-185C-72B8-001F411FC6F7}"/>
-              </a:ext>
-            </a:extLst>
-          </p:cNvPr>
-          <p:cNvSpPr>
-            <a:spLocks noGrp="1"/>
-          </p:cNvSpPr>
-          <p:nvPr>
-            <p:ph type="pic" idx="1"/>
-          </p:nvPr>
-        </p:nvSpPr>
-        <p:spPr>
-          <a:xfrm>
-            <a:off x="5183188" y="987425"/>
-            <a:ext cx="6172200" cy="4873625"/>
-          </a:xfrm>
-        </p:spPr>
-        <p:txBody>
-          <a:bodyPr/>
-          <a:lstStyle>
-            <a:lvl1pPr marL="0" indent="0">
-              <a:buNone/>
-              <a:defRPr sz="3200"/>
-            </a:lvl1pPr>
-            <a:lvl2pPr marL="457200" indent="0">
-              <a:buNone/>
-              <a:defRPr sz="2800"/>
-            </a:lvl2pPr>
-            <a:lvl3pPr marL="914400" indent="0">
-              <a:buNone/>
-              <a:defRPr sz="2400"/>
-            </a:lvl3pPr>
-            <a:lvl4pPr marL="1371600" indent="0">
-              <a:buNone/>
-              <a:defRPr sz="2000"/>
-            </a:lvl4pPr>
-            <a:lvl5pPr marL="1828800" indent="0">
-              <a:buNone/>
-              <a:defRPr sz="2000"/>
-            </a:lvl5pPr>
-            <a:lvl6pPr marL="2286000" indent="0">
-              <a:buNone/>
-              <a:defRPr sz="2000"/>
-            </a:lvl6pPr>
-            <a:lvl7pPr marL="2743200" indent="0">
-              <a:buNone/>
-              <a:defRPr sz="2000"/>
-            </a:lvl7pPr>
-            <a:lvl8pPr marL="3200400" indent="0">
-              <a:buNone/>
-              <a:defRPr sz="2000"/>
-            </a:lvl8pPr>
-            <a:lvl9pPr marL="3657600" indent="0">
-              <a:buNone/>
-              <a:defRPr sz="2000"/>
-            </a:lvl9pPr>
-          </a:lstStyle>
-          <a:p>
-            <a:endParaRPr lang="en-US"/>
-          </a:p>
-        </p:txBody>
-      </p:sp>
-      <p:sp>
-        <p:nvSpPr>
-          <p:cNvPr id="4" name="Text Placeholder 3">
-            <a:extLst>
-              <a:ext uri="{FF2B5EF4-FFF2-40B4-BE49-F238E27FC236}">
-                <a16:creationId xmlns:a16="http://schemas.microsoft.com/office/drawing/2014/main" id="{390B86E7-BC7A-324F-5231-BB8844695F10}"/>
-              </a:ext>
-            </a:extLst>
-          </p:cNvPr>
-          <p:cNvSpPr>
-            <a:spLocks noGrp="1"/>
-          </p:cNvSpPr>
-          <p:nvPr>
-            <p:ph type="body" sz="half" idx="2"/>
-          </p:nvPr>
-        </p:nvSpPr>
-        <p:spPr>
-          <a:xfrm>
-            <a:off x="839788" y="2057400"/>
-            <a:ext cx="3932237" cy="3811588"/>
-          </a:xfrm>
-        </p:spPr>
-        <p:txBody>
-          <a:bodyPr/>
-          <a:lstStyle>
-            <a:lvl1pPr marL="0" indent="0">
-              <a:buNone/>
-              <a:defRPr sz="1600"/>
-            </a:lvl1pPr>
-            <a:lvl2pPr marL="457200" indent="0">
-              <a:buNone/>
-              <a:defRPr sz="1400"/>
-            </a:lvl2pPr>
-            <a:lvl3pPr marL="914400" indent="0">
-              <a:buNone/>
-              <a:defRPr sz="1200"/>
-            </a:lvl3pPr>
-            <a:lvl4pPr marL="1371600" indent="0">
-              <a:buNone/>
-              <a:defRPr sz="1000"/>
-            </a:lvl4pPr>
-            <a:lvl5pPr marL="1828800" indent="0">
-              <a:buNone/>
-              <a:defRPr sz="1000"/>
-            </a:lvl5pPr>
-            <a:lvl6pPr marL="2286000" indent="0">
-              <a:buNone/>
-              <a:defRPr sz="1000"/>
-            </a:lvl6pPr>
-            <a:lvl7pPr marL="2743200" indent="0">
-              <a:buNone/>
-              <a:defRPr sz="1000"/>
-            </a:lvl7pPr>
-            <a:lvl8pPr marL="3200400" indent="0">
-              <a:buNone/>
-              <a:defRPr sz="1000"/>
-            </a:lvl8pPr>
-            <a:lvl9pPr marL="3657600" indent="0">
-              <a:buNone/>
-              <a:defRPr sz="1000"/>
-            </a:lvl9pPr>
-          </a:lstStyle>
-          <a:p>
-            <a:pPr lvl="0"/>
-            <a:r>
-              <a:rPr lang="en-US"/>
-              <a:t>Click to edit Master text styles</a:t>
-            </a:r>
-          </a:p>
-        </p:txBody>
-      </p:sp>
-      <p:sp>
-        <p:nvSpPr>
-          <p:cNvPr id="5" name="Date Placeholder 4">
-            <a:extLst>
-              <a:ext uri="{FF2B5EF4-FFF2-40B4-BE49-F238E27FC236}">
-                <a16:creationId xmlns:a16="http://schemas.microsoft.com/office/drawing/2014/main" id="{CA9F4411-F5FF-7DD9-8280-4EAE80811D9F}"/>
-              </a:ext>
-            </a:extLst>
-          </p:cNvPr>
-          <p:cNvSpPr>
-            <a:spLocks noGrp="1"/>
-          </p:cNvSpPr>
-          <p:nvPr>
-            <p:ph type="dt" sz="half" idx="10"/>
-          </p:nvPr>
-        </p:nvSpPr>
-        <p:spPr/>
-        <p:txBody>
-          <a:bodyPr/>
-          <a:lstStyle/>
-          <a:p>
-            <a:fld id="{0D69348B-4620-44E9-BF3F-EACBA9EEF323}" type="datetimeFigureOut">
-              <a:rPr lang="en-US" smtClean="0"/>
-              <a:t>9/26/2024</a:t>
-            </a:fld>
-            <a:endParaRPr lang="en-US"/>
-          </a:p>
-        </p:txBody>
-      </p:sp>
-      <p:sp>
-        <p:nvSpPr>
-          <p:cNvPr id="6" name="Footer Placeholder 5">
-            <a:extLst>
-              <a:ext uri="{FF2B5EF4-FFF2-40B4-BE49-F238E27FC236}">
-                <a16:creationId xmlns:a16="http://schemas.microsoft.com/office/drawing/2014/main" id="{BD00158C-2DC0-C40D-E476-8D815E2210E6}"/>
-              </a:ext>
-            </a:extLst>
-          </p:cNvPr>
-          <p:cNvSpPr>
-            <a:spLocks noGrp="1"/>
-          </p:cNvSpPr>
-          <p:nvPr>
-            <p:ph type="ftr" sz="quarter" idx="11"/>
-          </p:nvPr>
-        </p:nvSpPr>
-        <p:spPr/>
-        <p:txBody>
-          <a:bodyPr/>
-          <a:lstStyle/>
-          <a:p>
-            <a:endParaRPr lang="en-US"/>
-          </a:p>
-        </p:txBody>
-      </p:sp>
-      <p:sp>
-        <p:nvSpPr>
-          <p:cNvPr id="7" name="Slide Number Placeholder 6">
-            <a:extLst>
-              <a:ext uri="{FF2B5EF4-FFF2-40B4-BE49-F238E27FC236}">
-                <a16:creationId xmlns:a16="http://schemas.microsoft.com/office/drawing/2014/main" id="{E47CEA17-958B-3F11-0DD0-F3DB57410690}"/>
-              </a:ext>
-            </a:extLst>
-          </p:cNvPr>
-          <p:cNvSpPr>
-            <a:spLocks noGrp="1"/>
-          </p:cNvSpPr>
-          <p:nvPr>
-            <p:ph type="sldNum" sz="quarter" idx="12"/>
-          </p:nvPr>
-        </p:nvSpPr>
-        <p:spPr/>
-        <p:txBody>
-          <a:bodyPr/>
-          <a:lstStyle/>
-          <a:p>
-            <a:fld id="{986C47A0-D0C4-4E8A-BEE9-37B09C3712B2}" type="slidenum">
-              <a:rPr lang="en-US" smtClean="0"/>
-              <a:t>‹#›</a:t>
-            </a:fld>
-            <a:endParaRPr lang="en-US"/>
-          </a:p>
-        </p:txBody>
-      </p:sp>
-    </p:spTree>
-    <p:extLst>
-      <p:ext uri="{BB962C8B-B14F-4D97-AF65-F5344CB8AC3E}">
-        <p14:creationId xmlns:p14="http://schemas.microsoft.com/office/powerpoint/2010/main" val="1801490617"/>
-      </p:ext>
-    </p:extLst>
-  </p:cSld>
-  <p:clrMapOvr>
-    <a:masterClrMapping/>
-  </p:clrMapOvr>
-</p:sldLayout>
-</file>
-
-<file path=ppt/slideLayouts/slideLayout16.xml><?xml version="1.0" encoding="utf-8"?>
-<p:sldLayout xmlns:a="http://schemas.openxmlformats.org/drawingml/2006/main" xmlns:r="http://schemas.openxmlformats.org/officeDocument/2006/relationships" xmlns:p="http://schemas.openxmlformats.org/presentationml/2006/main" type="vertTx" preserve="1">
-  <p:cSld name="Title and Vertical Text">
-    <p:spTree>
-      <p:nvGrpSpPr>
-        <p:cNvPr id="1" name=""/>
-        <p:cNvGrpSpPr/>
-        <p:nvPr/>
-      </p:nvGrpSpPr>
-      <p:grpSpPr>
-        <a:xfrm>
-          <a:off x="0" y="0"/>
-          <a:ext cx="0" cy="0"/>
-          <a:chOff x="0" y="0"/>
-          <a:chExt cx="0" cy="0"/>
-        </a:xfrm>
-      </p:grpSpPr>
-      <p:sp>
-        <p:nvSpPr>
-          <p:cNvPr id="2" name="Title 1">
-            <a:extLst>
-              <a:ext uri="{FF2B5EF4-FFF2-40B4-BE49-F238E27FC236}">
-                <a16:creationId xmlns:a16="http://schemas.microsoft.com/office/drawing/2014/main" id="{D6AD2E5E-D555-7E2B-7E3F-7520CC1D227E}"/>
-              </a:ext>
-            </a:extLst>
-          </p:cNvPr>
-          <p:cNvSpPr>
-            <a:spLocks noGrp="1"/>
-          </p:cNvSpPr>
-          <p:nvPr>
-            <p:ph type="title"/>
-          </p:nvPr>
-        </p:nvSpPr>
-        <p:spPr/>
-        <p:txBody>
-          <a:bodyPr/>
-          <a:lstStyle/>
-          <a:p>
-            <a:r>
-              <a:rPr lang="en-US"/>
-              <a:t>Click to edit Master title style</a:t>
-            </a:r>
-          </a:p>
-        </p:txBody>
-      </p:sp>
-      <p:sp>
-        <p:nvSpPr>
-          <p:cNvPr id="3" name="Vertical Text Placeholder 2">
-            <a:extLst>
-              <a:ext uri="{FF2B5EF4-FFF2-40B4-BE49-F238E27FC236}">
-                <a16:creationId xmlns:a16="http://schemas.microsoft.com/office/drawing/2014/main" id="{21BCA2AE-5C6A-0627-55FB-1213E6BA2F01}"/>
-              </a:ext>
-            </a:extLst>
-          </p:cNvPr>
-          <p:cNvSpPr>
-            <a:spLocks noGrp="1"/>
-          </p:cNvSpPr>
-          <p:nvPr>
-            <p:ph type="body" orient="vert" idx="1"/>
-          </p:nvPr>
-        </p:nvSpPr>
-        <p:spPr/>
-        <p:txBody>
-          <a:bodyPr vert="eaVert"/>
-          <a:lstStyle/>
-          <a:p>
-            <a:pPr lvl="0"/>
-            <a:r>
-              <a:rPr lang="en-US"/>
-              <a:t>Click to edit Master text styles</a:t>
-            </a:r>
-          </a:p>
-          <a:p>
-            <a:pPr lvl="1"/>
-            <a:r>
-              <a:rPr lang="en-US"/>
-              <a:t>Second level</a:t>
-            </a:r>
-          </a:p>
-          <a:p>
-            <a:pPr lvl="2"/>
-            <a:r>
-              <a:rPr lang="en-US"/>
-              <a:t>Third level</a:t>
-            </a:r>
-          </a:p>
-          <a:p>
-            <a:pPr lvl="3"/>
-            <a:r>
-              <a:rPr lang="en-US"/>
-              <a:t>Fourth level</a:t>
-            </a:r>
-          </a:p>
-          <a:p>
-            <a:pPr lvl="4"/>
-            <a:r>
-              <a:rPr lang="en-US"/>
-              <a:t>Fifth level</a:t>
-            </a:r>
-          </a:p>
-        </p:txBody>
-      </p:sp>
-      <p:sp>
-        <p:nvSpPr>
-          <p:cNvPr id="4" name="Date Placeholder 3">
-            <a:extLst>
-              <a:ext uri="{FF2B5EF4-FFF2-40B4-BE49-F238E27FC236}">
-                <a16:creationId xmlns:a16="http://schemas.microsoft.com/office/drawing/2014/main" id="{5107EDAF-37A2-AD0D-A11E-C6E412B7CD68}"/>
-              </a:ext>
-            </a:extLst>
-          </p:cNvPr>
-          <p:cNvSpPr>
-            <a:spLocks noGrp="1"/>
-          </p:cNvSpPr>
-          <p:nvPr>
-            <p:ph type="dt" sz="half" idx="10"/>
-          </p:nvPr>
-        </p:nvSpPr>
-        <p:spPr/>
-        <p:txBody>
-          <a:bodyPr/>
-          <a:lstStyle/>
-          <a:p>
-            <a:fld id="{0D69348B-4620-44E9-BF3F-EACBA9EEF323}" type="datetimeFigureOut">
-              <a:rPr lang="en-US" smtClean="0"/>
-              <a:t>9/26/2024</a:t>
-            </a:fld>
-            <a:endParaRPr lang="en-US"/>
-          </a:p>
-        </p:txBody>
-      </p:sp>
-      <p:sp>
-        <p:nvSpPr>
-          <p:cNvPr id="5" name="Footer Placeholder 4">
-            <a:extLst>
-              <a:ext uri="{FF2B5EF4-FFF2-40B4-BE49-F238E27FC236}">
-                <a16:creationId xmlns:a16="http://schemas.microsoft.com/office/drawing/2014/main" id="{17AABE0A-6316-1BFF-88AA-1E305E3595C5}"/>
-              </a:ext>
-            </a:extLst>
-          </p:cNvPr>
-          <p:cNvSpPr>
-            <a:spLocks noGrp="1"/>
-          </p:cNvSpPr>
-          <p:nvPr>
-            <p:ph type="ftr" sz="quarter" idx="11"/>
-          </p:nvPr>
-        </p:nvSpPr>
-        <p:spPr/>
-        <p:txBody>
-          <a:bodyPr/>
-          <a:lstStyle/>
-          <a:p>
-            <a:endParaRPr lang="en-US"/>
-          </a:p>
-        </p:txBody>
-      </p:sp>
-      <p:sp>
-        <p:nvSpPr>
-          <p:cNvPr id="6" name="Slide Number Placeholder 5">
-            <a:extLst>
-              <a:ext uri="{FF2B5EF4-FFF2-40B4-BE49-F238E27FC236}">
-                <a16:creationId xmlns:a16="http://schemas.microsoft.com/office/drawing/2014/main" id="{FC568FF5-9BB0-1800-E4BA-438F3408E54B}"/>
-              </a:ext>
-            </a:extLst>
-          </p:cNvPr>
-          <p:cNvSpPr>
-            <a:spLocks noGrp="1"/>
-          </p:cNvSpPr>
-          <p:nvPr>
-            <p:ph type="sldNum" sz="quarter" idx="12"/>
-          </p:nvPr>
-        </p:nvSpPr>
-        <p:spPr/>
-        <p:txBody>
-          <a:bodyPr/>
-          <a:lstStyle/>
-          <a:p>
-            <a:fld id="{986C47A0-D0C4-4E8A-BEE9-37B09C3712B2}" type="slidenum">
-              <a:rPr lang="en-US" smtClean="0"/>
-              <a:t>‹#›</a:t>
-            </a:fld>
-            <a:endParaRPr lang="en-US"/>
-          </a:p>
-        </p:txBody>
-      </p:sp>
-    </p:spTree>
-    <p:extLst>
-      <p:ext uri="{BB962C8B-B14F-4D97-AF65-F5344CB8AC3E}">
-        <p14:creationId xmlns:p14="http://schemas.microsoft.com/office/powerpoint/2010/main" val="246953702"/>
-      </p:ext>
-    </p:extLst>
-  </p:cSld>
-  <p:clrMapOvr>
-    <a:masterClrMapping/>
-  </p:clrMapOvr>
-</p:sldLayout>
-</file>
-
-<file path=ppt/slideLayouts/slideLayout17.xml><?xml version="1.0" encoding="utf-8"?>
-<p:sldLayout xmlns:a="http://schemas.openxmlformats.org/drawingml/2006/main" xmlns:r="http://schemas.openxmlformats.org/officeDocument/2006/relationships" xmlns:p="http://schemas.openxmlformats.org/presentationml/2006/main" type="vertTitleAndTx" preserve="1">
-  <p:cSld name="Vertical Title and Text">
-    <p:spTree>
-      <p:nvGrpSpPr>
-        <p:cNvPr id="1" name=""/>
-        <p:cNvGrpSpPr/>
-        <p:nvPr/>
-      </p:nvGrpSpPr>
-      <p:grpSpPr>
-        <a:xfrm>
-          <a:off x="0" y="0"/>
-          <a:ext cx="0" cy="0"/>
-          <a:chOff x="0" y="0"/>
-          <a:chExt cx="0" cy="0"/>
-        </a:xfrm>
-      </p:grpSpPr>
-      <p:sp>
-        <p:nvSpPr>
-          <p:cNvPr id="2" name="Vertical Title 1">
-            <a:extLst>
-              <a:ext uri="{FF2B5EF4-FFF2-40B4-BE49-F238E27FC236}">
-                <a16:creationId xmlns:a16="http://schemas.microsoft.com/office/drawing/2014/main" id="{AAE8DA51-17B9-3E3B-6597-C3149EC564E7}"/>
-              </a:ext>
-            </a:extLst>
-          </p:cNvPr>
-          <p:cNvSpPr>
-            <a:spLocks noGrp="1"/>
-          </p:cNvSpPr>
-          <p:nvPr>
-            <p:ph type="title" orient="vert"/>
-          </p:nvPr>
-        </p:nvSpPr>
-        <p:spPr>
-          <a:xfrm>
-            <a:off x="8724900" y="365125"/>
-            <a:ext cx="2628900" cy="5811838"/>
-          </a:xfrm>
-        </p:spPr>
-        <p:txBody>
-          <a:bodyPr vert="eaVert"/>
-          <a:lstStyle/>
-          <a:p>
-            <a:r>
-              <a:rPr lang="en-US"/>
-              <a:t>Click to edit Master title style</a:t>
-            </a:r>
-          </a:p>
-        </p:txBody>
-      </p:sp>
-      <p:sp>
-        <p:nvSpPr>
-          <p:cNvPr id="3" name="Vertical Text Placeholder 2">
-            <a:extLst>
-              <a:ext uri="{FF2B5EF4-FFF2-40B4-BE49-F238E27FC236}">
-                <a16:creationId xmlns:a16="http://schemas.microsoft.com/office/drawing/2014/main" id="{C43333B4-9DAF-48B6-30CB-E3B610BEF084}"/>
-              </a:ext>
-            </a:extLst>
-          </p:cNvPr>
-          <p:cNvSpPr>
-            <a:spLocks noGrp="1"/>
-          </p:cNvSpPr>
-          <p:nvPr>
-            <p:ph type="body" orient="vert" idx="1"/>
-          </p:nvPr>
-        </p:nvSpPr>
-        <p:spPr>
-          <a:xfrm>
-            <a:off x="838200" y="365125"/>
-            <a:ext cx="7734300" cy="5811838"/>
-          </a:xfrm>
-        </p:spPr>
-        <p:txBody>
-          <a:bodyPr vert="eaVert"/>
-          <a:lstStyle/>
-          <a:p>
-            <a:pPr lvl="0"/>
-            <a:r>
-              <a:rPr lang="en-US"/>
-              <a:t>Click to edit Master text styles</a:t>
-            </a:r>
-          </a:p>
-          <a:p>
-            <a:pPr lvl="1"/>
-            <a:r>
-              <a:rPr lang="en-US"/>
-              <a:t>Second level</a:t>
-            </a:r>
-          </a:p>
-          <a:p>
-            <a:pPr lvl="2"/>
-            <a:r>
-              <a:rPr lang="en-US"/>
-              <a:t>Third level</a:t>
-            </a:r>
-          </a:p>
-          <a:p>
-            <a:pPr lvl="3"/>
-            <a:r>
-              <a:rPr lang="en-US"/>
-              <a:t>Fourth level</a:t>
-            </a:r>
-          </a:p>
-          <a:p>
-            <a:pPr lvl="4"/>
-            <a:r>
-              <a:rPr lang="en-US"/>
-              <a:t>Fifth level</a:t>
-            </a:r>
-          </a:p>
-        </p:txBody>
-      </p:sp>
-      <p:sp>
-        <p:nvSpPr>
-          <p:cNvPr id="4" name="Date Placeholder 3">
-            <a:extLst>
-              <a:ext uri="{FF2B5EF4-FFF2-40B4-BE49-F238E27FC236}">
-                <a16:creationId xmlns:a16="http://schemas.microsoft.com/office/drawing/2014/main" id="{6086BDD1-83F5-3D7A-8DD5-DF362A8AD1E7}"/>
-              </a:ext>
-            </a:extLst>
-          </p:cNvPr>
-          <p:cNvSpPr>
-            <a:spLocks noGrp="1"/>
-          </p:cNvSpPr>
-          <p:nvPr>
-            <p:ph type="dt" sz="half" idx="10"/>
-          </p:nvPr>
-        </p:nvSpPr>
-        <p:spPr/>
-        <p:txBody>
-          <a:bodyPr/>
-          <a:lstStyle/>
-          <a:p>
-            <a:fld id="{0D69348B-4620-44E9-BF3F-EACBA9EEF323}" type="datetimeFigureOut">
-              <a:rPr lang="en-US" smtClean="0"/>
-              <a:t>9/26/2024</a:t>
-            </a:fld>
-            <a:endParaRPr lang="en-US"/>
-          </a:p>
-        </p:txBody>
-      </p:sp>
-      <p:sp>
-        <p:nvSpPr>
-          <p:cNvPr id="5" name="Footer Placeholder 4">
-            <a:extLst>
-              <a:ext uri="{FF2B5EF4-FFF2-40B4-BE49-F238E27FC236}">
-                <a16:creationId xmlns:a16="http://schemas.microsoft.com/office/drawing/2014/main" id="{4CD22109-0E78-0957-7BBE-F0B6D89EFBB0}"/>
-              </a:ext>
-            </a:extLst>
-          </p:cNvPr>
-          <p:cNvSpPr>
-            <a:spLocks noGrp="1"/>
-          </p:cNvSpPr>
-          <p:nvPr>
-            <p:ph type="ftr" sz="quarter" idx="11"/>
-          </p:nvPr>
-        </p:nvSpPr>
-        <p:spPr/>
-        <p:txBody>
-          <a:bodyPr/>
-          <a:lstStyle/>
-          <a:p>
-            <a:endParaRPr lang="en-US"/>
-          </a:p>
-        </p:txBody>
-      </p:sp>
-      <p:sp>
-        <p:nvSpPr>
-          <p:cNvPr id="6" name="Slide Number Placeholder 5">
-            <a:extLst>
-              <a:ext uri="{FF2B5EF4-FFF2-40B4-BE49-F238E27FC236}">
-                <a16:creationId xmlns:a16="http://schemas.microsoft.com/office/drawing/2014/main" id="{292DE250-FF35-6AD5-3A95-9CDBFE6C2373}"/>
-              </a:ext>
-            </a:extLst>
-          </p:cNvPr>
-          <p:cNvSpPr>
-            <a:spLocks noGrp="1"/>
-          </p:cNvSpPr>
-          <p:nvPr>
-            <p:ph type="sldNum" sz="quarter" idx="12"/>
-          </p:nvPr>
-        </p:nvSpPr>
-        <p:spPr/>
-        <p:txBody>
-          <a:bodyPr/>
-          <a:lstStyle/>
-          <a:p>
-            <a:fld id="{986C47A0-D0C4-4E8A-BEE9-37B09C3712B2}" type="slidenum">
-              <a:rPr lang="en-US" smtClean="0"/>
-              <a:t>‹#›</a:t>
-            </a:fld>
-            <a:endParaRPr lang="en-US"/>
-          </a:p>
-        </p:txBody>
-      </p:sp>
-    </p:spTree>
-    <p:extLst>
-      <p:ext uri="{BB962C8B-B14F-4D97-AF65-F5344CB8AC3E}">
-        <p14:creationId xmlns:p14="http://schemas.microsoft.com/office/powerpoint/2010/main" val="2492140018"/>
-      </p:ext>
-    </p:extLst>
-  </p:cSld>
-  <p:clrMapOvr>
-    <a:masterClrMapping/>
-  </p:clrMapOvr>
-</p:sldLayout>
-</file>
-
-<file path=ppt/slideLayouts/slideLayout18.xml><?xml version="1.0" encoding="utf-8"?>
-<p:sldLayout xmlns:a="http://schemas.openxmlformats.org/drawingml/2006/main" xmlns:r="http://schemas.openxmlformats.org/officeDocument/2006/relationships" xmlns:p="http://schemas.openxmlformats.org/presentationml/2006/main">
-  <p:cSld name="Contents slide layout">
-    <p:spTree>
-      <p:nvGrpSpPr>
-        <p:cNvPr id="1" name=""/>
-        <p:cNvGrpSpPr/>
-        <p:nvPr/>
-      </p:nvGrpSpPr>
-      <p:grpSpPr>
-        <a:xfrm>
-          <a:off x="0" y="0"/>
-          <a:ext cx="0" cy="0"/>
-          <a:chOff x="0" y="0"/>
-          <a:chExt cx="0" cy="0"/>
-        </a:xfrm>
-      </p:grpSpPr>
-      <p:sp>
-        <p:nvSpPr>
-          <p:cNvPr id="2" name="Text Placeholder 9">
-            <a:extLst>
-              <a:ext uri="{FF2B5EF4-FFF2-40B4-BE49-F238E27FC236}">
-                <a16:creationId xmlns:a16="http://schemas.microsoft.com/office/drawing/2014/main" id="{23DE32A5-6181-4C51-AD5C-3F1A448478A1}"/>
-              </a:ext>
-            </a:extLst>
-          </p:cNvPr>
-          <p:cNvSpPr>
-            <a:spLocks noGrp="1"/>
-          </p:cNvSpPr>
-          <p:nvPr>
-            <p:ph type="body" sz="quarter" idx="10" hasCustomPrompt="1"/>
-          </p:nvPr>
-        </p:nvSpPr>
-        <p:spPr>
-          <a:xfrm>
-            <a:off x="323529" y="339509"/>
-            <a:ext cx="11573197" cy="724247"/>
-          </a:xfrm>
-          <a:prstGeom prst="rect">
-            <a:avLst/>
-          </a:prstGeom>
-        </p:spPr>
-        <p:txBody>
-          <a:bodyPr anchor="ctr"/>
-          <a:lstStyle>
-            <a:lvl1pPr marL="0" indent="0" algn="ctr">
-              <a:buNone/>
-              <a:defRPr sz="5400" b="0" baseline="0">
-                <a:solidFill>
-                  <a:schemeClr val="tx1">
-                    <a:lumMod val="85000"/>
-                    <a:lumOff val="15000"/>
-                  </a:schemeClr>
-                </a:solidFill>
-                <a:latin typeface="+mj-lt"/>
-                <a:cs typeface="Arial" pitchFamily="34" charset="0"/>
-              </a:defRPr>
-            </a:lvl1pPr>
-          </a:lstStyle>
-          <a:p>
-            <a:pPr lvl="0"/>
-            <a:r>
-              <a:rPr lang="en-US" altLang="ko-KR" dirty="0"/>
-              <a:t>BASIC LAYOUT</a:t>
-            </a:r>
-          </a:p>
-        </p:txBody>
-      </p:sp>
-    </p:spTree>
-    <p:extLst>
-      <p:ext uri="{BB962C8B-B14F-4D97-AF65-F5344CB8AC3E}">
-        <p14:creationId xmlns:p14="http://schemas.microsoft.com/office/powerpoint/2010/main" val="2326417790"/>
-      </p:ext>
-    </p:extLst>
-  </p:cSld>
-  <p:clrMapOvr>
-    <a:masterClrMapping/>
-  </p:clrMapOvr>
-</p:sldLayout>
-</file>
-
 <file path=ppt/slideLayouts/slideLayout2.xml><?xml version="1.0" encoding="utf-8"?>
 <p:sldLayout xmlns:a="http://schemas.openxmlformats.org/drawingml/2006/main" xmlns:r="http://schemas.openxmlformats.org/officeDocument/2006/relationships" xmlns:p="http://schemas.openxmlformats.org/presentationml/2006/main" preserve="1">
   <p:cSld name="Title Only">
@@ -3149,7 +1132,7 @@
           <a:p>
             <a:fld id="{0BE24BAF-58C0-4D38-ABA0-4170CC92DC13}" type="datetimeFigureOut">
               <a:rPr lang="en-US" smtClean="0"/>
-              <a:t>9/26/2024</a:t>
+              <a:t>12/13/2024</a:t>
             </a:fld>
             <a:endParaRPr lang="en-US"/>
           </a:p>
@@ -3448,9 +1431,9 @@
           <a:bodyPr/>
           <a:lstStyle/>
           <a:p>
-            <a:fld id="{0BE24BAF-58C0-4D38-ABA0-4170CC92DC13}" type="datetimeFigureOut">
+            <a:fld id="{421996D4-4A1C-4BBC-AA2B-FD5B7FC395A0}" type="datetime1">
               <a:rPr lang="en-US" smtClean="0"/>
-              <a:t>9/26/2024</a:t>
+              <a:t>12/13/2024</a:t>
             </a:fld>
             <a:endParaRPr lang="en-US"/>
           </a:p>
@@ -3502,7 +1485,7 @@
           <a:bodyPr/>
           <a:lstStyle/>
           <a:p>
-            <a:fld id="{13D5471E-615E-4FAD-96CF-E230E8BB09F6}" type="slidenum">
+            <a:fld id="{B46E5E13-EE34-439C-B49B-F0CB75B28E1B}" type="slidenum">
               <a:rPr lang="en-US" smtClean="0"/>
               <a:t>‹#›</a:t>
             </a:fld>
@@ -3513,480 +1496,7 @@
     </p:spTree>
     <p:extLst>
       <p:ext uri="{BB962C8B-B14F-4D97-AF65-F5344CB8AC3E}">
-        <p14:creationId xmlns:p14="http://schemas.microsoft.com/office/powerpoint/2010/main" val="267940307"/>
-      </p:ext>
-    </p:extLst>
-  </p:cSld>
-  <p:clrMapOvr>
-    <a:masterClrMapping/>
-  </p:clrMapOvr>
-</p:sldLayout>
-</file>
-
-<file path=ppt/slideLayouts/slideLayout8.xml><?xml version="1.0" encoding="utf-8"?>
-<p:sldLayout xmlns:a="http://schemas.openxmlformats.org/drawingml/2006/main" xmlns:r="http://schemas.openxmlformats.org/officeDocument/2006/relationships" xmlns:p="http://schemas.openxmlformats.org/presentationml/2006/main" type="obj" preserve="1">
-  <p:cSld name="Title and Content">
-    <p:spTree>
-      <p:nvGrpSpPr>
-        <p:cNvPr id="1" name=""/>
-        <p:cNvGrpSpPr/>
-        <p:nvPr/>
-      </p:nvGrpSpPr>
-      <p:grpSpPr>
-        <a:xfrm>
-          <a:off x="0" y="0"/>
-          <a:ext cx="0" cy="0"/>
-          <a:chOff x="0" y="0"/>
-          <a:chExt cx="0" cy="0"/>
-        </a:xfrm>
-      </p:grpSpPr>
-      <p:sp>
-        <p:nvSpPr>
-          <p:cNvPr id="2" name="Title 1">
-            <a:extLst>
-              <a:ext uri="{FF2B5EF4-FFF2-40B4-BE49-F238E27FC236}">
-                <a16:creationId xmlns:a16="http://schemas.microsoft.com/office/drawing/2014/main" id="{9B53F3F8-E052-488D-90D0-D947B99C4AE2}"/>
-              </a:ext>
-            </a:extLst>
-          </p:cNvPr>
-          <p:cNvSpPr>
-            <a:spLocks noGrp="1"/>
-          </p:cNvSpPr>
-          <p:nvPr>
-            <p:ph type="title"/>
-          </p:nvPr>
-        </p:nvSpPr>
-        <p:spPr/>
-        <p:txBody>
-          <a:bodyPr/>
-          <a:lstStyle/>
-          <a:p>
-            <a:r>
-              <a:rPr lang="en-US"/>
-              <a:t>Click to edit Master title style</a:t>
-            </a:r>
-          </a:p>
-        </p:txBody>
-      </p:sp>
-      <p:sp>
-        <p:nvSpPr>
-          <p:cNvPr id="3" name="Content Placeholder 2">
-            <a:extLst>
-              <a:ext uri="{FF2B5EF4-FFF2-40B4-BE49-F238E27FC236}">
-                <a16:creationId xmlns:a16="http://schemas.microsoft.com/office/drawing/2014/main" id="{EDD73720-466D-068E-61C9-BDF9BF686AF3}"/>
-              </a:ext>
-            </a:extLst>
-          </p:cNvPr>
-          <p:cNvSpPr>
-            <a:spLocks noGrp="1"/>
-          </p:cNvSpPr>
-          <p:nvPr>
-            <p:ph idx="1"/>
-          </p:nvPr>
-        </p:nvSpPr>
-        <p:spPr/>
-        <p:txBody>
-          <a:bodyPr/>
-          <a:lstStyle/>
-          <a:p>
-            <a:pPr lvl="0"/>
-            <a:r>
-              <a:rPr lang="en-US"/>
-              <a:t>Click to edit Master text styles</a:t>
-            </a:r>
-          </a:p>
-          <a:p>
-            <a:pPr lvl="1"/>
-            <a:r>
-              <a:rPr lang="en-US"/>
-              <a:t>Second level</a:t>
-            </a:r>
-          </a:p>
-          <a:p>
-            <a:pPr lvl="2"/>
-            <a:r>
-              <a:rPr lang="en-US"/>
-              <a:t>Third level</a:t>
-            </a:r>
-          </a:p>
-          <a:p>
-            <a:pPr lvl="3"/>
-            <a:r>
-              <a:rPr lang="en-US"/>
-              <a:t>Fourth level</a:t>
-            </a:r>
-          </a:p>
-          <a:p>
-            <a:pPr lvl="4"/>
-            <a:r>
-              <a:rPr lang="en-US"/>
-              <a:t>Fifth level</a:t>
-            </a:r>
-          </a:p>
-        </p:txBody>
-      </p:sp>
-      <p:sp>
-        <p:nvSpPr>
-          <p:cNvPr id="4" name="Date Placeholder 3">
-            <a:extLst>
-              <a:ext uri="{FF2B5EF4-FFF2-40B4-BE49-F238E27FC236}">
-                <a16:creationId xmlns:a16="http://schemas.microsoft.com/office/drawing/2014/main" id="{86D8B675-57D5-D89F-01F5-209268AB9E4B}"/>
-              </a:ext>
-            </a:extLst>
-          </p:cNvPr>
-          <p:cNvSpPr>
-            <a:spLocks noGrp="1"/>
-          </p:cNvSpPr>
-          <p:nvPr>
-            <p:ph type="dt" sz="half" idx="10"/>
-          </p:nvPr>
-        </p:nvSpPr>
-        <p:spPr/>
-        <p:txBody>
-          <a:bodyPr/>
-          <a:lstStyle/>
-          <a:p>
-            <a:fld id="{0D69348B-4620-44E9-BF3F-EACBA9EEF323}" type="datetimeFigureOut">
-              <a:rPr lang="en-US" smtClean="0"/>
-              <a:t>9/26/2024</a:t>
-            </a:fld>
-            <a:endParaRPr lang="en-US"/>
-          </a:p>
-        </p:txBody>
-      </p:sp>
-      <p:sp>
-        <p:nvSpPr>
-          <p:cNvPr id="5" name="Footer Placeholder 4">
-            <a:extLst>
-              <a:ext uri="{FF2B5EF4-FFF2-40B4-BE49-F238E27FC236}">
-                <a16:creationId xmlns:a16="http://schemas.microsoft.com/office/drawing/2014/main" id="{7053F998-E2CB-02E4-49BF-97696F865F45}"/>
-              </a:ext>
-            </a:extLst>
-          </p:cNvPr>
-          <p:cNvSpPr>
-            <a:spLocks noGrp="1"/>
-          </p:cNvSpPr>
-          <p:nvPr>
-            <p:ph type="ftr" sz="quarter" idx="11"/>
-          </p:nvPr>
-        </p:nvSpPr>
-        <p:spPr/>
-        <p:txBody>
-          <a:bodyPr/>
-          <a:lstStyle/>
-          <a:p>
-            <a:endParaRPr lang="en-US"/>
-          </a:p>
-        </p:txBody>
-      </p:sp>
-      <p:sp>
-        <p:nvSpPr>
-          <p:cNvPr id="6" name="Slide Number Placeholder 5">
-            <a:extLst>
-              <a:ext uri="{FF2B5EF4-FFF2-40B4-BE49-F238E27FC236}">
-                <a16:creationId xmlns:a16="http://schemas.microsoft.com/office/drawing/2014/main" id="{FED59867-B8CC-A6E9-DDC7-43729DA70B76}"/>
-              </a:ext>
-            </a:extLst>
-          </p:cNvPr>
-          <p:cNvSpPr>
-            <a:spLocks noGrp="1"/>
-          </p:cNvSpPr>
-          <p:nvPr>
-            <p:ph type="sldNum" sz="quarter" idx="12"/>
-          </p:nvPr>
-        </p:nvSpPr>
-        <p:spPr/>
-        <p:txBody>
-          <a:bodyPr/>
-          <a:lstStyle/>
-          <a:p>
-            <a:fld id="{986C47A0-D0C4-4E8A-BEE9-37B09C3712B2}" type="slidenum">
-              <a:rPr lang="en-US" smtClean="0"/>
-              <a:t>‹#›</a:t>
-            </a:fld>
-            <a:endParaRPr lang="en-US"/>
-          </a:p>
-        </p:txBody>
-      </p:sp>
-    </p:spTree>
-    <p:extLst>
-      <p:ext uri="{BB962C8B-B14F-4D97-AF65-F5344CB8AC3E}">
-        <p14:creationId xmlns:p14="http://schemas.microsoft.com/office/powerpoint/2010/main" val="1773732037"/>
-      </p:ext>
-    </p:extLst>
-  </p:cSld>
-  <p:clrMapOvr>
-    <a:masterClrMapping/>
-  </p:clrMapOvr>
-</p:sldLayout>
-</file>
-
-<file path=ppt/slideLayouts/slideLayout9.xml><?xml version="1.0" encoding="utf-8"?>
-<p:sldLayout xmlns:a="http://schemas.openxmlformats.org/drawingml/2006/main" xmlns:r="http://schemas.openxmlformats.org/officeDocument/2006/relationships" xmlns:p="http://schemas.openxmlformats.org/presentationml/2006/main" type="secHead" preserve="1">
-  <p:cSld name="Section Header">
-    <p:spTree>
-      <p:nvGrpSpPr>
-        <p:cNvPr id="1" name=""/>
-        <p:cNvGrpSpPr/>
-        <p:nvPr/>
-      </p:nvGrpSpPr>
-      <p:grpSpPr>
-        <a:xfrm>
-          <a:off x="0" y="0"/>
-          <a:ext cx="0" cy="0"/>
-          <a:chOff x="0" y="0"/>
-          <a:chExt cx="0" cy="0"/>
-        </a:xfrm>
-      </p:grpSpPr>
-      <p:sp>
-        <p:nvSpPr>
-          <p:cNvPr id="2" name="Title 1">
-            <a:extLst>
-              <a:ext uri="{FF2B5EF4-FFF2-40B4-BE49-F238E27FC236}">
-                <a16:creationId xmlns:a16="http://schemas.microsoft.com/office/drawing/2014/main" id="{24562E59-A35F-2B41-2BE7-EC4592347134}"/>
-              </a:ext>
-            </a:extLst>
-          </p:cNvPr>
-          <p:cNvSpPr>
-            <a:spLocks noGrp="1"/>
-          </p:cNvSpPr>
-          <p:nvPr>
-            <p:ph type="title"/>
-          </p:nvPr>
-        </p:nvSpPr>
-        <p:spPr>
-          <a:xfrm>
-            <a:off x="831850" y="1709738"/>
-            <a:ext cx="10515600" cy="2852737"/>
-          </a:xfrm>
-        </p:spPr>
-        <p:txBody>
-          <a:bodyPr anchor="b"/>
-          <a:lstStyle>
-            <a:lvl1pPr>
-              <a:defRPr sz="6000"/>
-            </a:lvl1pPr>
-          </a:lstStyle>
-          <a:p>
-            <a:r>
-              <a:rPr lang="en-US"/>
-              <a:t>Click to edit Master title style</a:t>
-            </a:r>
-          </a:p>
-        </p:txBody>
-      </p:sp>
-      <p:sp>
-        <p:nvSpPr>
-          <p:cNvPr id="3" name="Text Placeholder 2">
-            <a:extLst>
-              <a:ext uri="{FF2B5EF4-FFF2-40B4-BE49-F238E27FC236}">
-                <a16:creationId xmlns:a16="http://schemas.microsoft.com/office/drawing/2014/main" id="{6CB88CFD-8D25-CDFD-1F9A-6A5BAFD86DD9}"/>
-              </a:ext>
-            </a:extLst>
-          </p:cNvPr>
-          <p:cNvSpPr>
-            <a:spLocks noGrp="1"/>
-          </p:cNvSpPr>
-          <p:nvPr>
-            <p:ph type="body" idx="1"/>
-          </p:nvPr>
-        </p:nvSpPr>
-        <p:spPr>
-          <a:xfrm>
-            <a:off x="831850" y="4589463"/>
-            <a:ext cx="10515600" cy="1500187"/>
-          </a:xfrm>
-        </p:spPr>
-        <p:txBody>
-          <a:bodyPr/>
-          <a:lstStyle>
-            <a:lvl1pPr marL="0" indent="0">
-              <a:buNone/>
-              <a:defRPr sz="2400">
-                <a:solidFill>
-                  <a:schemeClr val="tx1">
-                    <a:tint val="75000"/>
-                  </a:schemeClr>
-                </a:solidFill>
-              </a:defRPr>
-            </a:lvl1pPr>
-            <a:lvl2pPr marL="457200" indent="0">
-              <a:buNone/>
-              <a:defRPr sz="2000">
-                <a:solidFill>
-                  <a:schemeClr val="tx1">
-                    <a:tint val="75000"/>
-                  </a:schemeClr>
-                </a:solidFill>
-              </a:defRPr>
-            </a:lvl2pPr>
-            <a:lvl3pPr marL="914400" indent="0">
-              <a:buNone/>
-              <a:defRPr sz="1800">
-                <a:solidFill>
-                  <a:schemeClr val="tx1">
-                    <a:tint val="75000"/>
-                  </a:schemeClr>
-                </a:solidFill>
-              </a:defRPr>
-            </a:lvl3pPr>
-            <a:lvl4pPr marL="1371600" indent="0">
-              <a:buNone/>
-              <a:defRPr sz="1600">
-                <a:solidFill>
-                  <a:schemeClr val="tx1">
-                    <a:tint val="75000"/>
-                  </a:schemeClr>
-                </a:solidFill>
-              </a:defRPr>
-            </a:lvl4pPr>
-            <a:lvl5pPr marL="1828800" indent="0">
-              <a:buNone/>
-              <a:defRPr sz="1600">
-                <a:solidFill>
-                  <a:schemeClr val="tx1">
-                    <a:tint val="75000"/>
-                  </a:schemeClr>
-                </a:solidFill>
-              </a:defRPr>
-            </a:lvl5pPr>
-            <a:lvl6pPr marL="2286000" indent="0">
-              <a:buNone/>
-              <a:defRPr sz="1600">
-                <a:solidFill>
-                  <a:schemeClr val="tx1">
-                    <a:tint val="75000"/>
-                  </a:schemeClr>
-                </a:solidFill>
-              </a:defRPr>
-            </a:lvl6pPr>
-            <a:lvl7pPr marL="2743200" indent="0">
-              <a:buNone/>
-              <a:defRPr sz="1600">
-                <a:solidFill>
-                  <a:schemeClr val="tx1">
-                    <a:tint val="75000"/>
-                  </a:schemeClr>
-                </a:solidFill>
-              </a:defRPr>
-            </a:lvl7pPr>
-            <a:lvl8pPr marL="3200400" indent="0">
-              <a:buNone/>
-              <a:defRPr sz="1600">
-                <a:solidFill>
-                  <a:schemeClr val="tx1">
-                    <a:tint val="75000"/>
-                  </a:schemeClr>
-                </a:solidFill>
-              </a:defRPr>
-            </a:lvl8pPr>
-            <a:lvl9pPr marL="3657600" indent="0">
-              <a:buNone/>
-              <a:defRPr sz="1600">
-                <a:solidFill>
-                  <a:schemeClr val="tx1">
-                    <a:tint val="75000"/>
-                  </a:schemeClr>
-                </a:solidFill>
-              </a:defRPr>
-            </a:lvl9pPr>
-          </a:lstStyle>
-          <a:p>
-            <a:pPr lvl="0"/>
-            <a:r>
-              <a:rPr lang="en-US"/>
-              <a:t>Click to edit Master text styles</a:t>
-            </a:r>
-          </a:p>
-        </p:txBody>
-      </p:sp>
-      <p:sp>
-        <p:nvSpPr>
-          <p:cNvPr id="4" name="Date Placeholder 3">
-            <a:extLst>
-              <a:ext uri="{FF2B5EF4-FFF2-40B4-BE49-F238E27FC236}">
-                <a16:creationId xmlns:a16="http://schemas.microsoft.com/office/drawing/2014/main" id="{5DC2235C-EA94-C1E9-D4DB-83056BF4C68F}"/>
-              </a:ext>
-            </a:extLst>
-          </p:cNvPr>
-          <p:cNvSpPr>
-            <a:spLocks noGrp="1"/>
-          </p:cNvSpPr>
-          <p:nvPr>
-            <p:ph type="dt" sz="half" idx="10"/>
-          </p:nvPr>
-        </p:nvSpPr>
-        <p:spPr/>
-        <p:txBody>
-          <a:bodyPr/>
-          <a:lstStyle/>
-          <a:p>
-            <a:fld id="{0D69348B-4620-44E9-BF3F-EACBA9EEF323}" type="datetimeFigureOut">
-              <a:rPr lang="en-US" smtClean="0"/>
-              <a:t>9/26/2024</a:t>
-            </a:fld>
-            <a:endParaRPr lang="en-US"/>
-          </a:p>
-        </p:txBody>
-      </p:sp>
-      <p:sp>
-        <p:nvSpPr>
-          <p:cNvPr id="5" name="Footer Placeholder 4">
-            <a:extLst>
-              <a:ext uri="{FF2B5EF4-FFF2-40B4-BE49-F238E27FC236}">
-                <a16:creationId xmlns:a16="http://schemas.microsoft.com/office/drawing/2014/main" id="{E178E07A-E8A4-2767-2911-D824C588F20D}"/>
-              </a:ext>
-            </a:extLst>
-          </p:cNvPr>
-          <p:cNvSpPr>
-            <a:spLocks noGrp="1"/>
-          </p:cNvSpPr>
-          <p:nvPr>
-            <p:ph type="ftr" sz="quarter" idx="11"/>
-          </p:nvPr>
-        </p:nvSpPr>
-        <p:spPr/>
-        <p:txBody>
-          <a:bodyPr/>
-          <a:lstStyle/>
-          <a:p>
-            <a:endParaRPr lang="en-US"/>
-          </a:p>
-        </p:txBody>
-      </p:sp>
-      <p:sp>
-        <p:nvSpPr>
-          <p:cNvPr id="6" name="Slide Number Placeholder 5">
-            <a:extLst>
-              <a:ext uri="{FF2B5EF4-FFF2-40B4-BE49-F238E27FC236}">
-                <a16:creationId xmlns:a16="http://schemas.microsoft.com/office/drawing/2014/main" id="{6D865987-67F3-82BA-9FFE-7A512551887E}"/>
-              </a:ext>
-            </a:extLst>
-          </p:cNvPr>
-          <p:cNvSpPr>
-            <a:spLocks noGrp="1"/>
-          </p:cNvSpPr>
-          <p:nvPr>
-            <p:ph type="sldNum" sz="quarter" idx="12"/>
-          </p:nvPr>
-        </p:nvSpPr>
-        <p:spPr/>
-        <p:txBody>
-          <a:bodyPr/>
-          <a:lstStyle/>
-          <a:p>
-            <a:fld id="{986C47A0-D0C4-4E8A-BEE9-37B09C3712B2}" type="slidenum">
-              <a:rPr lang="en-US" smtClean="0"/>
-              <a:t>‹#›</a:t>
-            </a:fld>
-            <a:endParaRPr lang="en-US"/>
-          </a:p>
-        </p:txBody>
-      </p:sp>
-    </p:spTree>
-    <p:extLst>
-      <p:ext uri="{BB962C8B-B14F-4D97-AF65-F5344CB8AC3E}">
-        <p14:creationId xmlns:p14="http://schemas.microsoft.com/office/powerpoint/2010/main" val="3968263454"/>
+        <p14:creationId xmlns:p14="http://schemas.microsoft.com/office/powerpoint/2010/main" val="2091813721"/>
       </p:ext>
     </p:extLst>
   </p:cSld>
@@ -4055,14 +1565,14 @@
           </a:ln>
           <a:extLst>
             <a:ext uri="{909E8E84-426E-40dd-AFC4-6F175D3DCCD1}">
-              <a14:hiddenFill xmlns="" xmlns:a14="http://schemas.microsoft.com/office/drawing/2010/main">
+              <a14:hiddenFill xmlns:a14="http://schemas.microsoft.com/office/drawing/2010/main" xmlns="">
                 <a:solidFill>
                   <a:srgbClr val="FFFFFF"/>
                 </a:solidFill>
               </a14:hiddenFill>
             </a:ext>
             <a:ext uri="{91240B29-F687-4f45-9708-019B960494DF}">
-              <a14:hiddenLine xmlns="" xmlns:a14="http://schemas.microsoft.com/office/drawing/2010/main" w="9525">
+              <a14:hiddenLine xmlns:a14="http://schemas.microsoft.com/office/drawing/2010/main" xmlns="" w="9525">
                 <a:solidFill>
                   <a:srgbClr val="000000"/>
                 </a:solidFill>
@@ -4732,244 +2242,131 @@
           <a:chExt cx="0" cy="0"/>
         </a:xfrm>
       </p:grpSpPr>
-      <p:sp>
-        <p:nvSpPr>
-          <p:cNvPr id="2" name="Title Placeholder 1">
+      <p:pic>
+        <p:nvPicPr>
+          <p:cNvPr id="7" name="Picture 6">
             <a:extLst>
               <a:ext uri="{FF2B5EF4-FFF2-40B4-BE49-F238E27FC236}">
-                <a16:creationId xmlns:a16="http://schemas.microsoft.com/office/drawing/2014/main" id="{DADBBF7B-0A87-603A-6F96-ED995D2876BC}"/>
+                <a16:creationId xmlns:a16="http://schemas.microsoft.com/office/drawing/2014/main" id="{AEB2CF3C-8982-A5D5-05DB-5BF3F09E24AE}"/>
+              </a:ext>
+              <a:ext uri="{C183D7F6-B498-43B3-948B-1728B52AA6E4}">
+                <adec:decorative xmlns:adec="http://schemas.microsoft.com/office/drawing/2017/decorative" val="1"/>
               </a:ext>
             </a:extLst>
           </p:cNvPr>
-          <p:cNvSpPr>
-            <a:spLocks noGrp="1"/>
-          </p:cNvSpPr>
-          <p:nvPr>
-            <p:ph type="title"/>
-          </p:nvPr>
-        </p:nvSpPr>
+          <p:cNvPicPr>
+            <a:picLocks noChangeAspect="1"/>
+          </p:cNvPicPr>
+          <p:nvPr userDrawn="1"/>
+        </p:nvPicPr>
+        <p:blipFill>
+          <a:blip r:embed="rId3">
+            <a:extLst>
+              <a:ext uri="{28A0092B-C50C-407E-A947-70E740481C1C}">
+                <a14:useLocalDpi xmlns:a14="http://schemas.microsoft.com/office/drawing/2010/main" val="0"/>
+              </a:ext>
+            </a:extLst>
+          </a:blip>
+          <a:stretch>
+            <a:fillRect/>
+          </a:stretch>
+        </p:blipFill>
         <p:spPr>
           <a:xfrm>
-            <a:off x="838200" y="365125"/>
-            <a:ext cx="10515600" cy="1325563"/>
+            <a:off x="212436" y="236453"/>
+            <a:ext cx="11767127" cy="787737"/>
           </a:xfrm>
           <a:prstGeom prst="rect">
             <a:avLst/>
           </a:prstGeom>
         </p:spPr>
-        <p:txBody>
-          <a:bodyPr vert="horz" lIns="91440" tIns="45720" rIns="91440" bIns="45720" rtlCol="0" anchor="ctr">
-            <a:normAutofit/>
-          </a:bodyPr>
-          <a:lstStyle/>
-          <a:p>
-            <a:r>
-              <a:rPr lang="en-US"/>
-              <a:t>Click to edit Master title style</a:t>
-            </a:r>
-          </a:p>
-        </p:txBody>
-      </p:sp>
-      <p:sp>
-        <p:nvSpPr>
-          <p:cNvPr id="3" name="Text Placeholder 2">
+      </p:pic>
+      <p:cxnSp>
+        <p:nvCxnSpPr>
+          <p:cNvPr id="9" name="Straight Connector 8">
             <a:extLst>
               <a:ext uri="{FF2B5EF4-FFF2-40B4-BE49-F238E27FC236}">
-                <a16:creationId xmlns:a16="http://schemas.microsoft.com/office/drawing/2014/main" id="{1EBB9990-0CBB-2977-C631-37F97EB6D7A7}"/>
+                <a16:creationId xmlns:a16="http://schemas.microsoft.com/office/drawing/2014/main" id="{DE7FEFD9-5638-352F-A6ED-06F1FDE322D4}"/>
               </a:ext>
             </a:extLst>
           </p:cNvPr>
-          <p:cNvSpPr>
-            <a:spLocks noGrp="1"/>
-          </p:cNvSpPr>
-          <p:nvPr>
-            <p:ph type="body" idx="1"/>
-          </p:nvPr>
+          <p:cNvCxnSpPr>
+            <a:cxnSpLocks/>
+          </p:cNvCxnSpPr>
+          <p:nvPr userDrawn="1"/>
+        </p:nvCxnSpPr>
+        <p:spPr>
+          <a:xfrm>
+            <a:off x="175490" y="1099127"/>
+            <a:ext cx="11841020" cy="0"/>
+          </a:xfrm>
+          <a:prstGeom prst="line">
+            <a:avLst/>
+          </a:prstGeom>
+          <a:ln w="38100">
+            <a:solidFill>
+              <a:srgbClr val="A13C39"/>
+            </a:solidFill>
+          </a:ln>
+        </p:spPr>
+        <p:style>
+          <a:lnRef idx="2">
+            <a:schemeClr val="accent1"/>
+          </a:lnRef>
+          <a:fillRef idx="0">
+            <a:schemeClr val="accent1"/>
+          </a:fillRef>
+          <a:effectRef idx="1">
+            <a:schemeClr val="accent1"/>
+          </a:effectRef>
+          <a:fontRef idx="minor">
+            <a:schemeClr val="tx1"/>
+          </a:fontRef>
+        </p:style>
+      </p:cxnSp>
+      <p:sp>
+        <p:nvSpPr>
+          <p:cNvPr id="11" name="Rectangle 10">
+            <a:extLst>
+              <a:ext uri="{FF2B5EF4-FFF2-40B4-BE49-F238E27FC236}">
+                <a16:creationId xmlns:a16="http://schemas.microsoft.com/office/drawing/2014/main" id="{910C5C32-408D-8072-82C8-297384424B54}"/>
+              </a:ext>
+            </a:extLst>
+          </p:cNvPr>
+          <p:cNvSpPr/>
+          <p:nvPr userDrawn="1"/>
         </p:nvSpPr>
         <p:spPr>
           <a:xfrm>
-            <a:off x="838200" y="1825625"/>
-            <a:ext cx="10515600" cy="4351338"/>
+            <a:off x="175492" y="184727"/>
+            <a:ext cx="11841018" cy="6493164"/>
           </a:xfrm>
           <a:prstGeom prst="rect">
             <a:avLst/>
           </a:prstGeom>
+          <a:noFill/>
         </p:spPr>
+        <p:style>
+          <a:lnRef idx="2">
+            <a:schemeClr val="accent1">
+              <a:shade val="15000"/>
+            </a:schemeClr>
+          </a:lnRef>
+          <a:fillRef idx="1">
+            <a:schemeClr val="accent1"/>
+          </a:fillRef>
+          <a:effectRef idx="0">
+            <a:schemeClr val="accent1"/>
+          </a:effectRef>
+          <a:fontRef idx="minor">
+            <a:schemeClr val="lt1"/>
+          </a:fontRef>
+        </p:style>
         <p:txBody>
-          <a:bodyPr vert="horz" lIns="91440" tIns="45720" rIns="91440" bIns="45720" rtlCol="0">
-            <a:normAutofit/>
-          </a:bodyPr>
+          <a:bodyPr rtlCol="0" anchor="ctr"/>
           <a:lstStyle/>
           <a:p>
-            <a:pPr lvl="0"/>
-            <a:r>
-              <a:rPr lang="en-US"/>
-              <a:t>Click to edit Master text styles</a:t>
-            </a:r>
-          </a:p>
-          <a:p>
-            <a:pPr lvl="1"/>
-            <a:r>
-              <a:rPr lang="en-US"/>
-              <a:t>Second level</a:t>
-            </a:r>
-          </a:p>
-          <a:p>
-            <a:pPr lvl="2"/>
-            <a:r>
-              <a:rPr lang="en-US"/>
-              <a:t>Third level</a:t>
-            </a:r>
-          </a:p>
-          <a:p>
-            <a:pPr lvl="3"/>
-            <a:r>
-              <a:rPr lang="en-US"/>
-              <a:t>Fourth level</a:t>
-            </a:r>
-          </a:p>
-          <a:p>
-            <a:pPr lvl="4"/>
-            <a:r>
-              <a:rPr lang="en-US"/>
-              <a:t>Fifth level</a:t>
-            </a:r>
-          </a:p>
-        </p:txBody>
-      </p:sp>
-      <p:sp>
-        <p:nvSpPr>
-          <p:cNvPr id="4" name="Date Placeholder 3">
-            <a:extLst>
-              <a:ext uri="{FF2B5EF4-FFF2-40B4-BE49-F238E27FC236}">
-                <a16:creationId xmlns:a16="http://schemas.microsoft.com/office/drawing/2014/main" id="{F336638E-F817-1BC9-ECB7-18071DC44D12}"/>
-              </a:ext>
-            </a:extLst>
-          </p:cNvPr>
-          <p:cNvSpPr>
-            <a:spLocks noGrp="1"/>
-          </p:cNvSpPr>
-          <p:nvPr>
-            <p:ph type="dt" sz="half" idx="2"/>
-          </p:nvPr>
-        </p:nvSpPr>
-        <p:spPr>
-          <a:xfrm>
-            <a:off x="838200" y="6356350"/>
-            <a:ext cx="2743200" cy="365125"/>
-          </a:xfrm>
-          <a:prstGeom prst="rect">
-            <a:avLst/>
-          </a:prstGeom>
-        </p:spPr>
-        <p:txBody>
-          <a:bodyPr vert="horz" lIns="91440" tIns="45720" rIns="91440" bIns="45720" rtlCol="0" anchor="ctr"/>
-          <a:lstStyle>
-            <a:lvl1pPr algn="l">
-              <a:defRPr sz="1200">
-                <a:solidFill>
-                  <a:schemeClr val="tx1">
-                    <a:tint val="75000"/>
-                  </a:schemeClr>
-                </a:solidFill>
-              </a:defRPr>
-            </a:lvl1pPr>
-          </a:lstStyle>
-          <a:p>
-            <a:fld id="{0D69348B-4620-44E9-BF3F-EACBA9EEF323}" type="datetimeFigureOut">
-              <a:rPr lang="en-US" smtClean="0"/>
-              <a:t>9/26/2024</a:t>
-            </a:fld>
-            <a:endParaRPr lang="en-US"/>
-          </a:p>
-        </p:txBody>
-      </p:sp>
-      <p:sp>
-        <p:nvSpPr>
-          <p:cNvPr id="5" name="Footer Placeholder 4">
-            <a:extLst>
-              <a:ext uri="{FF2B5EF4-FFF2-40B4-BE49-F238E27FC236}">
-                <a16:creationId xmlns:a16="http://schemas.microsoft.com/office/drawing/2014/main" id="{60C57151-F515-08FA-FD9F-F59EDF1B6581}"/>
-              </a:ext>
-            </a:extLst>
-          </p:cNvPr>
-          <p:cNvSpPr>
-            <a:spLocks noGrp="1"/>
-          </p:cNvSpPr>
-          <p:nvPr>
-            <p:ph type="ftr" sz="quarter" idx="3"/>
-          </p:nvPr>
-        </p:nvSpPr>
-        <p:spPr>
-          <a:xfrm>
-            <a:off x="4038600" y="6356350"/>
-            <a:ext cx="4114800" cy="365125"/>
-          </a:xfrm>
-          <a:prstGeom prst="rect">
-            <a:avLst/>
-          </a:prstGeom>
-        </p:spPr>
-        <p:txBody>
-          <a:bodyPr vert="horz" lIns="91440" tIns="45720" rIns="91440" bIns="45720" rtlCol="0" anchor="ctr"/>
-          <a:lstStyle>
-            <a:lvl1pPr algn="ctr">
-              <a:defRPr sz="1200">
-                <a:solidFill>
-                  <a:schemeClr val="tx1">
-                    <a:tint val="75000"/>
-                  </a:schemeClr>
-                </a:solidFill>
-              </a:defRPr>
-            </a:lvl1pPr>
-          </a:lstStyle>
-          <a:p>
-            <a:endParaRPr lang="en-US"/>
-          </a:p>
-        </p:txBody>
-      </p:sp>
-      <p:sp>
-        <p:nvSpPr>
-          <p:cNvPr id="6" name="Slide Number Placeholder 5">
-            <a:extLst>
-              <a:ext uri="{FF2B5EF4-FFF2-40B4-BE49-F238E27FC236}">
-                <a16:creationId xmlns:a16="http://schemas.microsoft.com/office/drawing/2014/main" id="{F7D361D9-183D-9DF9-C01C-5B530B1CB880}"/>
-              </a:ext>
-            </a:extLst>
-          </p:cNvPr>
-          <p:cNvSpPr>
-            <a:spLocks noGrp="1"/>
-          </p:cNvSpPr>
-          <p:nvPr>
-            <p:ph type="sldNum" sz="quarter" idx="4"/>
-          </p:nvPr>
-        </p:nvSpPr>
-        <p:spPr>
-          <a:xfrm>
-            <a:off x="8610600" y="6356350"/>
-            <a:ext cx="2743200" cy="365125"/>
-          </a:xfrm>
-          <a:prstGeom prst="rect">
-            <a:avLst/>
-          </a:prstGeom>
-        </p:spPr>
-        <p:txBody>
-          <a:bodyPr vert="horz" lIns="91440" tIns="45720" rIns="91440" bIns="45720" rtlCol="0" anchor="ctr"/>
-          <a:lstStyle>
-            <a:lvl1pPr algn="r">
-              <a:defRPr sz="1200">
-                <a:solidFill>
-                  <a:schemeClr val="tx1">
-                    <a:tint val="75000"/>
-                  </a:schemeClr>
-                </a:solidFill>
-              </a:defRPr>
-            </a:lvl1pPr>
-          </a:lstStyle>
-          <a:p>
-            <a:fld id="{986C47A0-D0C4-4E8A-BEE9-37B09C3712B2}" type="slidenum">
-              <a:rPr lang="en-US" smtClean="0"/>
-              <a:t>‹#›</a:t>
-            </a:fld>
+            <a:pPr algn="ctr"/>
             <a:endParaRPr lang="en-US"/>
           </a:p>
         </p:txBody>
@@ -4977,28 +2374,17 @@
     </p:spTree>
     <p:extLst>
       <p:ext uri="{BB962C8B-B14F-4D97-AF65-F5344CB8AC3E}">
-        <p14:creationId xmlns:p14="http://schemas.microsoft.com/office/powerpoint/2010/main" val="3136267371"/>
+        <p14:creationId xmlns:p14="http://schemas.microsoft.com/office/powerpoint/2010/main" val="466850387"/>
       </p:ext>
     </p:extLst>
   </p:cSld>
   <p:clrMap bg1="lt1" tx1="dk1" bg2="lt2" tx2="dk2" accent1="accent1" accent2="accent2" accent3="accent3" accent4="accent4" accent5="accent5" accent6="accent6" hlink="hlink" folHlink="folHlink"/>
   <p:sldLayoutIdLst>
-    <p:sldLayoutId id="2147483682" r:id="rId1"/>
-    <p:sldLayoutId id="2147483683" r:id="rId2"/>
-    <p:sldLayoutId id="2147483684" r:id="rId3"/>
-    <p:sldLayoutId id="2147483685" r:id="rId4"/>
-    <p:sldLayoutId id="2147483686" r:id="rId5"/>
-    <p:sldLayoutId id="2147483687" r:id="rId6"/>
-    <p:sldLayoutId id="2147483688" r:id="rId7"/>
-    <p:sldLayoutId id="2147483689" r:id="rId8"/>
-    <p:sldLayoutId id="2147483690" r:id="rId9"/>
-    <p:sldLayoutId id="2147483691" r:id="rId10"/>
-    <p:sldLayoutId id="2147483692" r:id="rId11"/>
-    <p:sldLayoutId id="2147483693" r:id="rId12"/>
+    <p:sldLayoutId id="2147483660" r:id="rId1"/>
   </p:sldLayoutIdLst>
   <p:txStyles>
     <p:titleStyle>
-      <a:lvl1pPr algn="l" defTabSz="914400" rtl="0" eaLnBrk="1" latinLnBrk="0" hangingPunct="1">
+      <a:lvl1pPr algn="ctr" defTabSz="914400" rtl="0" eaLnBrk="1" latinLnBrk="0" hangingPunct="1">
         <a:lnSpc>
           <a:spcPct val="90000"/>
         </a:lnSpc>
@@ -5298,10 +2684,10 @@
       </p:grpSpPr>
       <p:sp>
         <p:nvSpPr>
-          <p:cNvPr id="2" name="Title 1">
+          <p:cNvPr id="4" name="Slide Number Placeholder 3">
             <a:extLst>
               <a:ext uri="{FF2B5EF4-FFF2-40B4-BE49-F238E27FC236}">
-                <a16:creationId xmlns:a16="http://schemas.microsoft.com/office/drawing/2014/main" id="{6FCA7FD7-E3CD-7A2C-5AF7-2EE59026C9D4}"/>
+                <a16:creationId xmlns:a16="http://schemas.microsoft.com/office/drawing/2014/main" id="{4664ABB7-0B55-0242-2E51-B3286EE7B5EB}"/>
               </a:ext>
             </a:extLst>
           </p:cNvPr>
@@ -5309,7 +2695,7 @@
             <a:spLocks noGrp="1"/>
           </p:cNvSpPr>
           <p:nvPr>
-            <p:ph type="ctrTitle"/>
+            <p:ph type="sldNum" sz="quarter" idx="12"/>
           </p:nvPr>
         </p:nvSpPr>
         <p:spPr/>
@@ -5317,16 +2703,58 @@
           <a:bodyPr/>
           <a:lstStyle/>
           <a:p>
-            <a:r>
-              <a:rPr lang="en-US" dirty="0"/>
-              <a:t>CIT 361/CYBER 360: Advanced Scripting</a:t>
-            </a:r>
+            <a:fld id="{B46E5E13-EE34-439C-B49B-F0CB75B28E1B}" type="slidenum">
+              <a:rPr lang="en-US" smtClean="0"/>
+              <a:t>1</a:t>
+            </a:fld>
+            <a:endParaRPr lang="en-US" dirty="0"/>
           </a:p>
         </p:txBody>
       </p:sp>
       <p:sp>
         <p:nvSpPr>
-          <p:cNvPr id="3" name="Subtitle 2">
+          <p:cNvPr id="6" name="TextBox 5">
+            <a:extLst>
+              <a:ext uri="{FF2B5EF4-FFF2-40B4-BE49-F238E27FC236}">
+                <a16:creationId xmlns:a16="http://schemas.microsoft.com/office/drawing/2014/main" id="{5870664E-43F7-FBA6-48E9-0879068B4FE3}"/>
+              </a:ext>
+            </a:extLst>
+          </p:cNvPr>
+          <p:cNvSpPr txBox="1"/>
+          <p:nvPr/>
+        </p:nvSpPr>
+        <p:spPr>
+          <a:xfrm>
+            <a:off x="3585882" y="1983451"/>
+            <a:ext cx="5020235" cy="1323439"/>
+          </a:xfrm>
+          <a:prstGeom prst="rect">
+            <a:avLst/>
+          </a:prstGeom>
+          <a:noFill/>
+        </p:spPr>
+        <p:txBody>
+          <a:bodyPr wrap="square">
+            <a:spAutoFit/>
+          </a:bodyPr>
+          <a:lstStyle/>
+          <a:p>
+            <a:r>
+              <a:rPr lang="en-US" sz="4000" dirty="0"/>
+              <a:t>CIT 361/CYBER 360: </a:t>
+            </a:r>
+          </a:p>
+          <a:p>
+            <a:r>
+              <a:rPr lang="en-US" sz="4000" dirty="0"/>
+              <a:t>Advanced Scripting</a:t>
+            </a:r>
+          </a:p>
+        </p:txBody>
+      </p:sp>
+      <p:sp>
+        <p:nvSpPr>
+          <p:cNvPr id="7" name="Subtitle 2">
             <a:extLst>
               <a:ext uri="{FF2B5EF4-FFF2-40B4-BE49-F238E27FC236}">
                 <a16:creationId xmlns:a16="http://schemas.microsoft.com/office/drawing/2014/main" id="{8586CD17-5B17-5D66-987C-05DC748B3FF9}"/>
@@ -5340,7 +2768,12 @@
             <p:ph type="subTitle" idx="1"/>
           </p:nvPr>
         </p:nvSpPr>
-        <p:spPr/>
+        <p:spPr>
+          <a:xfrm>
+            <a:off x="1524000" y="3602038"/>
+            <a:ext cx="9144000" cy="503797"/>
+          </a:xfrm>
+        </p:spPr>
         <p:txBody>
           <a:bodyPr/>
           <a:lstStyle/>
@@ -5355,7 +2788,7 @@
     </p:spTree>
     <p:extLst>
       <p:ext uri="{BB962C8B-B14F-4D97-AF65-F5344CB8AC3E}">
-        <p14:creationId xmlns:p14="http://schemas.microsoft.com/office/powerpoint/2010/main" val="3644072983"/>
+        <p14:creationId xmlns:p14="http://schemas.microsoft.com/office/powerpoint/2010/main" val="3308175748"/>
       </p:ext>
     </p:extLst>
   </p:cSld>
@@ -5370,7 +2803,13 @@
   <p:cSld>
     <p:spTree>
       <p:nvGrpSpPr>
-        <p:cNvPr id="1" name=""/>
+        <p:cNvPr id="1" name="">
+          <a:extLst>
+            <a:ext uri="{FF2B5EF4-FFF2-40B4-BE49-F238E27FC236}">
+              <a16:creationId xmlns:a16="http://schemas.microsoft.com/office/drawing/2014/main" id="{B57BA764-955A-5182-1249-B7344A2AFCBE}"/>
+            </a:ext>
+          </a:extLst>
+        </p:cNvPr>
         <p:cNvGrpSpPr/>
         <p:nvPr/>
       </p:nvGrpSpPr>
@@ -5384,10 +2823,10 @@
       </p:grpSpPr>
       <p:sp>
         <p:nvSpPr>
-          <p:cNvPr id="2" name="Text Placeholder 1">
+          <p:cNvPr id="4" name="Slide Number Placeholder 3">
             <a:extLst>
               <a:ext uri="{FF2B5EF4-FFF2-40B4-BE49-F238E27FC236}">
-                <a16:creationId xmlns:a16="http://schemas.microsoft.com/office/drawing/2014/main" id="{64492E64-A68B-8CA7-B3C6-044F7C8E76AB}"/>
+                <a16:creationId xmlns:a16="http://schemas.microsoft.com/office/drawing/2014/main" id="{97D28725-8383-0037-6955-7F81BDA12CAF}"/>
               </a:ext>
             </a:extLst>
           </p:cNvPr>
@@ -5395,34 +2834,186 @@
             <a:spLocks noGrp="1"/>
           </p:cNvSpPr>
           <p:nvPr>
-            <p:ph type="body" sz="quarter" idx="10"/>
+            <p:ph type="sldNum" sz="quarter" idx="12"/>
           </p:nvPr>
+        </p:nvSpPr>
+        <p:spPr/>
+        <p:txBody>
+          <a:bodyPr/>
+          <a:lstStyle/>
+          <a:p>
+            <a:fld id="{B46E5E13-EE34-439C-B49B-F0CB75B28E1B}" type="slidenum">
+              <a:rPr lang="en-US" smtClean="0"/>
+              <a:t>10</a:t>
+            </a:fld>
+            <a:endParaRPr lang="en-US" dirty="0"/>
+          </a:p>
+        </p:txBody>
+      </p:sp>
+      <p:sp>
+        <p:nvSpPr>
+          <p:cNvPr id="2" name="Text Placeholder 1">
+            <a:extLst>
+              <a:ext uri="{FF2B5EF4-FFF2-40B4-BE49-F238E27FC236}">
+                <a16:creationId xmlns:a16="http://schemas.microsoft.com/office/drawing/2014/main" id="{0CE6DB25-ACA5-4BAF-D5B6-E68D4116D4CF}"/>
+              </a:ext>
+            </a:extLst>
+          </p:cNvPr>
+          <p:cNvSpPr txBox="1">
+            <a:spLocks/>
+          </p:cNvSpPr>
+          <p:nvPr/>
         </p:nvSpPr>
         <p:spPr>
           <a:xfrm>
-            <a:off x="323529" y="339510"/>
-            <a:ext cx="11573197" cy="774916"/>
+            <a:off x="1920747" y="1218051"/>
+            <a:ext cx="8350505" cy="774916"/>
           </a:xfrm>
         </p:spPr>
         <p:txBody>
           <a:bodyPr>
             <a:noAutofit/>
           </a:bodyPr>
-          <a:lstStyle/>
-          <a:p>
-            <a:r>
-              <a:rPr lang="en-US" sz="5000" dirty="0"/>
+          <a:lstStyle>
+            <a:defPPr>
+              <a:defRPr lang="en-US"/>
+            </a:defPPr>
+            <a:lvl1pPr algn="l" rtl="0" eaLnBrk="0" fontAlgn="base" hangingPunct="0">
+              <a:spcBef>
+                <a:spcPct val="0"/>
+              </a:spcBef>
+              <a:spcAft>
+                <a:spcPct val="0"/>
+              </a:spcAft>
+              <a:defRPr sz="2400" kern="1200">
+                <a:solidFill>
+                  <a:schemeClr val="tx1"/>
+                </a:solidFill>
+                <a:latin typeface="Arial" charset="0"/>
+                <a:ea typeface="ＭＳ Ｐゴシック" charset="0"/>
+                <a:cs typeface="ＭＳ Ｐゴシック" charset="0"/>
+              </a:defRPr>
+            </a:lvl1pPr>
+            <a:lvl2pPr marL="457200" algn="l" rtl="0" eaLnBrk="0" fontAlgn="base" hangingPunct="0">
+              <a:spcBef>
+                <a:spcPct val="0"/>
+              </a:spcBef>
+              <a:spcAft>
+                <a:spcPct val="0"/>
+              </a:spcAft>
+              <a:defRPr sz="2400" kern="1200">
+                <a:solidFill>
+                  <a:schemeClr val="tx1"/>
+                </a:solidFill>
+                <a:latin typeface="Arial" charset="0"/>
+                <a:ea typeface="ＭＳ Ｐゴシック" charset="0"/>
+                <a:cs typeface="ＭＳ Ｐゴシック" charset="0"/>
+              </a:defRPr>
+            </a:lvl2pPr>
+            <a:lvl3pPr marL="914400" algn="l" rtl="0" eaLnBrk="0" fontAlgn="base" hangingPunct="0">
+              <a:spcBef>
+                <a:spcPct val="0"/>
+              </a:spcBef>
+              <a:spcAft>
+                <a:spcPct val="0"/>
+              </a:spcAft>
+              <a:defRPr sz="2400" kern="1200">
+                <a:solidFill>
+                  <a:schemeClr val="tx1"/>
+                </a:solidFill>
+                <a:latin typeface="Arial" charset="0"/>
+                <a:ea typeface="ＭＳ Ｐゴシック" charset="0"/>
+                <a:cs typeface="ＭＳ Ｐゴシック" charset="0"/>
+              </a:defRPr>
+            </a:lvl3pPr>
+            <a:lvl4pPr marL="1371600" algn="l" rtl="0" eaLnBrk="0" fontAlgn="base" hangingPunct="0">
+              <a:spcBef>
+                <a:spcPct val="0"/>
+              </a:spcBef>
+              <a:spcAft>
+                <a:spcPct val="0"/>
+              </a:spcAft>
+              <a:defRPr sz="2400" kern="1200">
+                <a:solidFill>
+                  <a:schemeClr val="tx1"/>
+                </a:solidFill>
+                <a:latin typeface="Arial" charset="0"/>
+                <a:ea typeface="ＭＳ Ｐゴシック" charset="0"/>
+                <a:cs typeface="ＭＳ Ｐゴシック" charset="0"/>
+              </a:defRPr>
+            </a:lvl4pPr>
+            <a:lvl5pPr marL="1828800" algn="l" rtl="0" eaLnBrk="0" fontAlgn="base" hangingPunct="0">
+              <a:spcBef>
+                <a:spcPct val="0"/>
+              </a:spcBef>
+              <a:spcAft>
+                <a:spcPct val="0"/>
+              </a:spcAft>
+              <a:defRPr sz="2400" kern="1200">
+                <a:solidFill>
+                  <a:schemeClr val="tx1"/>
+                </a:solidFill>
+                <a:latin typeface="Arial" charset="0"/>
+                <a:ea typeface="ＭＳ Ｐゴシック" charset="0"/>
+                <a:cs typeface="ＭＳ Ｐゴシック" charset="0"/>
+              </a:defRPr>
+            </a:lvl5pPr>
+            <a:lvl6pPr marL="2286000" algn="l" defTabSz="457200" rtl="0" eaLnBrk="1" latinLnBrk="0" hangingPunct="1">
+              <a:defRPr sz="2400" kern="1200">
+                <a:solidFill>
+                  <a:schemeClr val="tx1"/>
+                </a:solidFill>
+                <a:latin typeface="Arial" charset="0"/>
+                <a:ea typeface="ＭＳ Ｐゴシック" charset="0"/>
+                <a:cs typeface="ＭＳ Ｐゴシック" charset="0"/>
+              </a:defRPr>
+            </a:lvl6pPr>
+            <a:lvl7pPr marL="2743200" algn="l" defTabSz="457200" rtl="0" eaLnBrk="1" latinLnBrk="0" hangingPunct="1">
+              <a:defRPr sz="2400" kern="1200">
+                <a:solidFill>
+                  <a:schemeClr val="tx1"/>
+                </a:solidFill>
+                <a:latin typeface="Arial" charset="0"/>
+                <a:ea typeface="ＭＳ Ｐゴシック" charset="0"/>
+                <a:cs typeface="ＭＳ Ｐゴシック" charset="0"/>
+              </a:defRPr>
+            </a:lvl7pPr>
+            <a:lvl8pPr marL="3200400" algn="l" defTabSz="457200" rtl="0" eaLnBrk="1" latinLnBrk="0" hangingPunct="1">
+              <a:defRPr sz="2400" kern="1200">
+                <a:solidFill>
+                  <a:schemeClr val="tx1"/>
+                </a:solidFill>
+                <a:latin typeface="Arial" charset="0"/>
+                <a:ea typeface="ＭＳ Ｐゴシック" charset="0"/>
+                <a:cs typeface="ＭＳ Ｐゴシック" charset="0"/>
+              </a:defRPr>
+            </a:lvl8pPr>
+            <a:lvl9pPr marL="3657600" algn="l" defTabSz="457200" rtl="0" eaLnBrk="1" latinLnBrk="0" hangingPunct="1">
+              <a:defRPr sz="2400" kern="1200">
+                <a:solidFill>
+                  <a:schemeClr val="tx1"/>
+                </a:solidFill>
+                <a:latin typeface="Arial" charset="0"/>
+                <a:ea typeface="ＭＳ Ｐゴシック" charset="0"/>
+                <a:cs typeface="ＭＳ Ｐゴシック" charset="0"/>
+              </a:defRPr>
+            </a:lvl9pPr>
+          </a:lstStyle>
+          <a:p>
+            <a:r>
+              <a:rPr lang="en-US" sz="5000"/>
               <a:t>Member validation attributes</a:t>
             </a:r>
+            <a:endParaRPr lang="en-US" sz="5000" dirty="0"/>
           </a:p>
         </p:txBody>
       </p:sp>
       <p:sp>
         <p:nvSpPr>
-          <p:cNvPr id="4" name="TextBox 3">
+          <p:cNvPr id="3" name="TextBox 2">
             <a:extLst>
               <a:ext uri="{FF2B5EF4-FFF2-40B4-BE49-F238E27FC236}">
-                <a16:creationId xmlns:a16="http://schemas.microsoft.com/office/drawing/2014/main" id="{B64A8207-997F-319E-7F6D-676D3ECA779B}"/>
+                <a16:creationId xmlns:a16="http://schemas.microsoft.com/office/drawing/2014/main" id="{27A7DCB1-DC5A-2524-7D5B-3002502BBA23}"/>
               </a:ext>
             </a:extLst>
           </p:cNvPr>
@@ -5431,7 +3022,7 @@
         </p:nvSpPr>
         <p:spPr>
           <a:xfrm>
-            <a:off x="1268396" y="1114426"/>
+            <a:off x="954631" y="2199156"/>
             <a:ext cx="9655207" cy="4247317"/>
           </a:xfrm>
           <a:prstGeom prst="rect">
@@ -5470,14 +3061,15 @@
           </a:p>
           <a:p>
             <a:r>
-              <a:rPr lang="en-US" sz="1800" dirty="0">
+              <a:rPr lang="en-US" sz="1200" dirty="0">
                 <a:latin typeface="+mn-lt"/>
               </a:rPr>
               <a:t> </a:t>
             </a:r>
-            <a:endParaRPr lang="en-US" sz="1800" dirty="0"/>
-          </a:p>
-          <a:p>
+            <a:endParaRPr lang="en-US" sz="1200" dirty="0"/>
+          </a:p>
+          <a:p>
+            <a:pPr lvl="2"/>
             <a:r>
               <a:rPr lang="en-US" sz="1800" b="1" dirty="0">
                 <a:latin typeface="Consolas" panose="020B0609020204030204" pitchFamily="49" charset="0"/>
@@ -5495,6 +3087,7 @@
             </a:endParaRPr>
           </a:p>
           <a:p>
+            <a:pPr lvl="2"/>
             <a:r>
               <a:rPr lang="en-US" sz="1800" b="1" dirty="0">
                 <a:latin typeface="Consolas" panose="020B0609020204030204" pitchFamily="49" charset="0"/>
@@ -5503,6 +3096,7 @@
             </a:r>
           </a:p>
           <a:p>
+            <a:pPr lvl="2"/>
             <a:r>
               <a:rPr lang="en-US" sz="1800" b="1" dirty="0">
                 <a:latin typeface="Consolas" panose="020B0609020204030204" pitchFamily="49" charset="0"/>
@@ -5523,6 +3117,7 @@
             </a:r>
           </a:p>
           <a:p>
+            <a:pPr lvl="2"/>
             <a:r>
               <a:rPr lang="en-US" sz="1800" b="1" dirty="0">
                 <a:latin typeface="Consolas" panose="020B0609020204030204" pitchFamily="49" charset="0"/>
@@ -5531,6 +3126,7 @@
             </a:r>
           </a:p>
           <a:p>
+            <a:pPr lvl="2"/>
             <a:r>
               <a:rPr lang="en-US" sz="1800" b="1" dirty="0">
                 <a:latin typeface="Consolas" panose="020B0609020204030204" pitchFamily="49" charset="0"/>
@@ -5551,6 +3147,7 @@
             </a:r>
           </a:p>
           <a:p>
+            <a:pPr lvl="2"/>
             <a:r>
               <a:rPr lang="en-US" sz="1800" b="1" dirty="0">
                 <a:latin typeface="Consolas" panose="020B0609020204030204" pitchFamily="49" charset="0"/>
@@ -5559,6 +3156,7 @@
             </a:r>
           </a:p>
           <a:p>
+            <a:pPr lvl="2"/>
             <a:r>
               <a:rPr lang="en-US" sz="1800" b="1" dirty="0">
                 <a:latin typeface="Consolas" panose="020B0609020204030204" pitchFamily="49" charset="0"/>
@@ -5579,6 +3177,7 @@
             </a:r>
           </a:p>
           <a:p>
+            <a:pPr lvl="2"/>
             <a:r>
               <a:rPr lang="en-US" sz="1800" b="1" dirty="0">
                 <a:latin typeface="Consolas" panose="020B0609020204030204" pitchFamily="49" charset="0"/>
@@ -5587,6 +3186,7 @@
             </a:r>
           </a:p>
           <a:p>
+            <a:pPr lvl="2"/>
             <a:r>
               <a:rPr lang="en-US" sz="1800" b="1" dirty="0">
                 <a:latin typeface="Consolas" panose="020B0609020204030204" pitchFamily="49" charset="0"/>
@@ -5595,6 +3195,7 @@
             </a:r>
           </a:p>
           <a:p>
+            <a:pPr lvl="2"/>
             <a:r>
               <a:rPr lang="en-US" sz="1800" b="1" dirty="0">
                 <a:latin typeface="Consolas" panose="020B0609020204030204" pitchFamily="49" charset="0"/>
@@ -5603,6 +3204,7 @@
             </a:r>
           </a:p>
           <a:p>
+            <a:pPr lvl="2"/>
             <a:r>
               <a:rPr lang="en-US" sz="1800" b="1" dirty="0">
                 <a:latin typeface="Consolas" panose="020B0609020204030204" pitchFamily="49" charset="0"/>
@@ -5624,7 +3226,7 @@
     </p:spTree>
     <p:extLst>
       <p:ext uri="{BB962C8B-B14F-4D97-AF65-F5344CB8AC3E}">
-        <p14:creationId xmlns:p14="http://schemas.microsoft.com/office/powerpoint/2010/main" val="2755793427"/>
+        <p14:creationId xmlns:p14="http://schemas.microsoft.com/office/powerpoint/2010/main" val="86217980"/>
       </p:ext>
     </p:extLst>
   </p:cSld>
@@ -5639,7 +3241,13 @@
   <p:cSld>
     <p:spTree>
       <p:nvGrpSpPr>
-        <p:cNvPr id="1" name=""/>
+        <p:cNvPr id="1" name="">
+          <a:extLst>
+            <a:ext uri="{FF2B5EF4-FFF2-40B4-BE49-F238E27FC236}">
+              <a16:creationId xmlns:a16="http://schemas.microsoft.com/office/drawing/2014/main" id="{3B13D475-86A0-B289-4484-59C80ACAD5BE}"/>
+            </a:ext>
+          </a:extLst>
+        </p:cNvPr>
         <p:cNvGrpSpPr/>
         <p:nvPr/>
       </p:nvGrpSpPr>
@@ -5653,10 +3261,10 @@
       </p:grpSpPr>
       <p:sp>
         <p:nvSpPr>
-          <p:cNvPr id="2" name="Text Placeholder 1">
+          <p:cNvPr id="4" name="Slide Number Placeholder 3">
             <a:extLst>
               <a:ext uri="{FF2B5EF4-FFF2-40B4-BE49-F238E27FC236}">
-                <a16:creationId xmlns:a16="http://schemas.microsoft.com/office/drawing/2014/main" id="{64492E64-A68B-8CA7-B3C6-044F7C8E76AB}"/>
+                <a16:creationId xmlns:a16="http://schemas.microsoft.com/office/drawing/2014/main" id="{A5008A31-6B19-0FC5-5DFD-5F2143E44933}"/>
               </a:ext>
             </a:extLst>
           </p:cNvPr>
@@ -5664,20 +3272,171 @@
             <a:spLocks noGrp="1"/>
           </p:cNvSpPr>
           <p:nvPr>
-            <p:ph type="body" sz="quarter" idx="10"/>
+            <p:ph type="sldNum" sz="quarter" idx="12"/>
           </p:nvPr>
+        </p:nvSpPr>
+        <p:spPr/>
+        <p:txBody>
+          <a:bodyPr/>
+          <a:lstStyle/>
+          <a:p>
+            <a:fld id="{B46E5E13-EE34-439C-B49B-F0CB75B28E1B}" type="slidenum">
+              <a:rPr lang="en-US" smtClean="0"/>
+              <a:t>11</a:t>
+            </a:fld>
+            <a:endParaRPr lang="en-US" dirty="0"/>
+          </a:p>
+        </p:txBody>
+      </p:sp>
+      <p:sp>
+        <p:nvSpPr>
+          <p:cNvPr id="2" name="Text Placeholder 1">
+            <a:extLst>
+              <a:ext uri="{FF2B5EF4-FFF2-40B4-BE49-F238E27FC236}">
+                <a16:creationId xmlns:a16="http://schemas.microsoft.com/office/drawing/2014/main" id="{17CF3BAB-90B4-742F-0DDF-9E055FD30971}"/>
+              </a:ext>
+            </a:extLst>
+          </p:cNvPr>
+          <p:cNvSpPr txBox="1">
+            <a:spLocks/>
+          </p:cNvSpPr>
+          <p:nvPr/>
         </p:nvSpPr>
         <p:spPr>
           <a:xfrm>
-            <a:off x="323529" y="339510"/>
-            <a:ext cx="11573197" cy="774916"/>
+            <a:off x="4666530" y="1227015"/>
+            <a:ext cx="2858940" cy="774916"/>
           </a:xfrm>
         </p:spPr>
         <p:txBody>
           <a:bodyPr>
             <a:noAutofit/>
           </a:bodyPr>
-          <a:lstStyle/>
+          <a:lstStyle>
+            <a:defPPr>
+              <a:defRPr lang="en-US"/>
+            </a:defPPr>
+            <a:lvl1pPr algn="l" rtl="0" eaLnBrk="0" fontAlgn="base" hangingPunct="0">
+              <a:spcBef>
+                <a:spcPct val="0"/>
+              </a:spcBef>
+              <a:spcAft>
+                <a:spcPct val="0"/>
+              </a:spcAft>
+              <a:defRPr sz="2400" kern="1200">
+                <a:solidFill>
+                  <a:schemeClr val="tx1"/>
+                </a:solidFill>
+                <a:latin typeface="Arial" charset="0"/>
+                <a:ea typeface="ＭＳ Ｐゴシック" charset="0"/>
+                <a:cs typeface="ＭＳ Ｐゴシック" charset="0"/>
+              </a:defRPr>
+            </a:lvl1pPr>
+            <a:lvl2pPr marL="457200" algn="l" rtl="0" eaLnBrk="0" fontAlgn="base" hangingPunct="0">
+              <a:spcBef>
+                <a:spcPct val="0"/>
+              </a:spcBef>
+              <a:spcAft>
+                <a:spcPct val="0"/>
+              </a:spcAft>
+              <a:defRPr sz="2400" kern="1200">
+                <a:solidFill>
+                  <a:schemeClr val="tx1"/>
+                </a:solidFill>
+                <a:latin typeface="Arial" charset="0"/>
+                <a:ea typeface="ＭＳ Ｐゴシック" charset="0"/>
+                <a:cs typeface="ＭＳ Ｐゴシック" charset="0"/>
+              </a:defRPr>
+            </a:lvl2pPr>
+            <a:lvl3pPr marL="914400" algn="l" rtl="0" eaLnBrk="0" fontAlgn="base" hangingPunct="0">
+              <a:spcBef>
+                <a:spcPct val="0"/>
+              </a:spcBef>
+              <a:spcAft>
+                <a:spcPct val="0"/>
+              </a:spcAft>
+              <a:defRPr sz="2400" kern="1200">
+                <a:solidFill>
+                  <a:schemeClr val="tx1"/>
+                </a:solidFill>
+                <a:latin typeface="Arial" charset="0"/>
+                <a:ea typeface="ＭＳ Ｐゴシック" charset="0"/>
+                <a:cs typeface="ＭＳ Ｐゴシック" charset="0"/>
+              </a:defRPr>
+            </a:lvl3pPr>
+            <a:lvl4pPr marL="1371600" algn="l" rtl="0" eaLnBrk="0" fontAlgn="base" hangingPunct="0">
+              <a:spcBef>
+                <a:spcPct val="0"/>
+              </a:spcBef>
+              <a:spcAft>
+                <a:spcPct val="0"/>
+              </a:spcAft>
+              <a:defRPr sz="2400" kern="1200">
+                <a:solidFill>
+                  <a:schemeClr val="tx1"/>
+                </a:solidFill>
+                <a:latin typeface="Arial" charset="0"/>
+                <a:ea typeface="ＭＳ Ｐゴシック" charset="0"/>
+                <a:cs typeface="ＭＳ Ｐゴシック" charset="0"/>
+              </a:defRPr>
+            </a:lvl4pPr>
+            <a:lvl5pPr marL="1828800" algn="l" rtl="0" eaLnBrk="0" fontAlgn="base" hangingPunct="0">
+              <a:spcBef>
+                <a:spcPct val="0"/>
+              </a:spcBef>
+              <a:spcAft>
+                <a:spcPct val="0"/>
+              </a:spcAft>
+              <a:defRPr sz="2400" kern="1200">
+                <a:solidFill>
+                  <a:schemeClr val="tx1"/>
+                </a:solidFill>
+                <a:latin typeface="Arial" charset="0"/>
+                <a:ea typeface="ＭＳ Ｐゴシック" charset="0"/>
+                <a:cs typeface="ＭＳ Ｐゴシック" charset="0"/>
+              </a:defRPr>
+            </a:lvl5pPr>
+            <a:lvl6pPr marL="2286000" algn="l" defTabSz="457200" rtl="0" eaLnBrk="1" latinLnBrk="0" hangingPunct="1">
+              <a:defRPr sz="2400" kern="1200">
+                <a:solidFill>
+                  <a:schemeClr val="tx1"/>
+                </a:solidFill>
+                <a:latin typeface="Arial" charset="0"/>
+                <a:ea typeface="ＭＳ Ｐゴシック" charset="0"/>
+                <a:cs typeface="ＭＳ Ｐゴシック" charset="0"/>
+              </a:defRPr>
+            </a:lvl6pPr>
+            <a:lvl7pPr marL="2743200" algn="l" defTabSz="457200" rtl="0" eaLnBrk="1" latinLnBrk="0" hangingPunct="1">
+              <a:defRPr sz="2400" kern="1200">
+                <a:solidFill>
+                  <a:schemeClr val="tx1"/>
+                </a:solidFill>
+                <a:latin typeface="Arial" charset="0"/>
+                <a:ea typeface="ＭＳ Ｐゴシック" charset="0"/>
+                <a:cs typeface="ＭＳ Ｐゴシック" charset="0"/>
+              </a:defRPr>
+            </a:lvl7pPr>
+            <a:lvl8pPr marL="3200400" algn="l" defTabSz="457200" rtl="0" eaLnBrk="1" latinLnBrk="0" hangingPunct="1">
+              <a:defRPr sz="2400" kern="1200">
+                <a:solidFill>
+                  <a:schemeClr val="tx1"/>
+                </a:solidFill>
+                <a:latin typeface="Arial" charset="0"/>
+                <a:ea typeface="ＭＳ Ｐゴシック" charset="0"/>
+                <a:cs typeface="ＭＳ Ｐゴシック" charset="0"/>
+              </a:defRPr>
+            </a:lvl8pPr>
+            <a:lvl9pPr marL="3657600" algn="l" defTabSz="457200" rtl="0" eaLnBrk="1" latinLnBrk="0" hangingPunct="1">
+              <a:defRPr sz="2400" kern="1200">
+                <a:solidFill>
+                  <a:schemeClr val="tx1"/>
+                </a:solidFill>
+                <a:latin typeface="Arial" charset="0"/>
+                <a:ea typeface="ＭＳ Ｐゴシック" charset="0"/>
+                <a:cs typeface="ＭＳ Ｐゴシック" charset="0"/>
+              </a:defRPr>
+            </a:lvl9pPr>
+          </a:lstStyle>
           <a:p>
             <a:r>
               <a:rPr lang="en-US" sz="5000"/>
@@ -5689,10 +3448,10 @@
       </p:sp>
       <p:sp>
         <p:nvSpPr>
-          <p:cNvPr id="4" name="TextBox 3">
+          <p:cNvPr id="3" name="TextBox 2">
             <a:extLst>
               <a:ext uri="{FF2B5EF4-FFF2-40B4-BE49-F238E27FC236}">
-                <a16:creationId xmlns:a16="http://schemas.microsoft.com/office/drawing/2014/main" id="{B64A8207-997F-319E-7F6D-676D3ECA779B}"/>
+                <a16:creationId xmlns:a16="http://schemas.microsoft.com/office/drawing/2014/main" id="{E22CA8F0-3ECE-A722-65B2-1A7D203BF7BA}"/>
               </a:ext>
             </a:extLst>
           </p:cNvPr>
@@ -5701,8 +3460,8 @@
         </p:nvSpPr>
         <p:spPr>
           <a:xfrm>
-            <a:off x="1268396" y="1114426"/>
-            <a:ext cx="9655207" cy="923330"/>
+            <a:off x="1268396" y="2505670"/>
+            <a:ext cx="9655207" cy="1292662"/>
           </a:xfrm>
           <a:prstGeom prst="rect">
             <a:avLst/>
@@ -5720,22 +3479,10 @@
               <a:buChar char="•"/>
             </a:pPr>
             <a:r>
-              <a:rPr lang="en-US" sz="1800" dirty="0">
-                <a:latin typeface="+mn-lt"/>
-              </a:rPr>
-              <a:t>For your first exercise this week, you will examine a data file, and </a:t>
-            </a:r>
-            <a:r>
-              <a:rPr lang="en-US" sz="1800">
-                <a:latin typeface="+mn-lt"/>
-              </a:rPr>
-              <a:t>create an </a:t>
-            </a:r>
-            <a:r>
-              <a:rPr lang="en-US" sz="1800" dirty="0">
-                <a:latin typeface="+mn-lt"/>
-              </a:rPr>
-              <a:t>appropriate class that lets you import the data from the file and create object instances to hold the imported data.</a:t>
+              <a:rPr lang="en-US" sz="2000" dirty="0">
+                <a:latin typeface="+mn-lt"/>
+              </a:rPr>
+              <a:t>For your first exercise this week, you will examine a data file, and create an appropriate class that lets you import the data from the file and create object instances to hold the imported data.</a:t>
             </a:r>
           </a:p>
           <a:p>
@@ -5749,7 +3496,7 @@
     </p:spTree>
     <p:extLst>
       <p:ext uri="{BB962C8B-B14F-4D97-AF65-F5344CB8AC3E}">
-        <p14:creationId xmlns:p14="http://schemas.microsoft.com/office/powerpoint/2010/main" val="322366662"/>
+        <p14:creationId xmlns:p14="http://schemas.microsoft.com/office/powerpoint/2010/main" val="3448386436"/>
       </p:ext>
     </p:extLst>
   </p:cSld>
@@ -5764,7 +3511,13 @@
   <p:cSld>
     <p:spTree>
       <p:nvGrpSpPr>
-        <p:cNvPr id="1" name=""/>
+        <p:cNvPr id="1" name="">
+          <a:extLst>
+            <a:ext uri="{FF2B5EF4-FFF2-40B4-BE49-F238E27FC236}">
+              <a16:creationId xmlns:a16="http://schemas.microsoft.com/office/drawing/2014/main" id="{59174B07-AE37-F45E-DCED-D4860D4FE957}"/>
+            </a:ext>
+          </a:extLst>
+        </p:cNvPr>
         <p:cNvGrpSpPr/>
         <p:nvPr/>
       </p:nvGrpSpPr>
@@ -5778,10 +3531,10 @@
       </p:grpSpPr>
       <p:sp>
         <p:nvSpPr>
-          <p:cNvPr id="2" name="Text Placeholder 1">
+          <p:cNvPr id="4" name="Slide Number Placeholder 3">
             <a:extLst>
               <a:ext uri="{FF2B5EF4-FFF2-40B4-BE49-F238E27FC236}">
-                <a16:creationId xmlns:a16="http://schemas.microsoft.com/office/drawing/2014/main" id="{64492E64-A68B-8CA7-B3C6-044F7C8E76AB}"/>
+                <a16:creationId xmlns:a16="http://schemas.microsoft.com/office/drawing/2014/main" id="{1A5F9149-2280-C37B-72F3-A0EB3A0FEDFF}"/>
               </a:ext>
             </a:extLst>
           </p:cNvPr>
@@ -5789,29 +3542,185 @@
             <a:spLocks noGrp="1"/>
           </p:cNvSpPr>
           <p:nvPr>
-            <p:ph type="body" sz="quarter" idx="10"/>
+            <p:ph type="sldNum" sz="quarter" idx="12"/>
           </p:nvPr>
         </p:nvSpPr>
         <p:spPr/>
         <p:txBody>
-          <a:bodyPr>
-            <a:normAutofit fontScale="92500" lnSpcReduction="10000"/>
-          </a:bodyPr>
+          <a:bodyPr/>
           <a:lstStyle/>
           <a:p>
-            <a:r>
-              <a:rPr lang="en-US" dirty="0"/>
-              <a:t>Review: OO Principles</a:t>
-            </a:r>
+            <a:fld id="{B46E5E13-EE34-439C-B49B-F0CB75B28E1B}" type="slidenum">
+              <a:rPr lang="en-US" smtClean="0"/>
+              <a:t>2</a:t>
+            </a:fld>
+            <a:endParaRPr lang="en-US" dirty="0"/>
           </a:p>
         </p:txBody>
       </p:sp>
       <p:sp>
         <p:nvSpPr>
-          <p:cNvPr id="4" name="TextBox 3">
+          <p:cNvPr id="2" name="Text Placeholder 1">
             <a:extLst>
               <a:ext uri="{FF2B5EF4-FFF2-40B4-BE49-F238E27FC236}">
-                <a16:creationId xmlns:a16="http://schemas.microsoft.com/office/drawing/2014/main" id="{B64A8207-997F-319E-7F6D-676D3ECA779B}"/>
+                <a16:creationId xmlns:a16="http://schemas.microsoft.com/office/drawing/2014/main" id="{1832EEE0-48BC-C15C-9B1E-4226CE00928E}"/>
+              </a:ext>
+            </a:extLst>
+          </p:cNvPr>
+          <p:cNvSpPr txBox="1">
+            <a:spLocks/>
+          </p:cNvSpPr>
+          <p:nvPr/>
+        </p:nvSpPr>
+        <p:spPr>
+          <a:xfrm>
+            <a:off x="3565911" y="1442169"/>
+            <a:ext cx="5060177" cy="547997"/>
+          </a:xfrm>
+        </p:spPr>
+        <p:txBody>
+          <a:bodyPr>
+            <a:noAutofit/>
+          </a:bodyPr>
+          <a:lstStyle>
+            <a:defPPr>
+              <a:defRPr lang="en-US"/>
+            </a:defPPr>
+            <a:lvl1pPr algn="l" rtl="0" eaLnBrk="0" fontAlgn="base" hangingPunct="0">
+              <a:spcBef>
+                <a:spcPct val="0"/>
+              </a:spcBef>
+              <a:spcAft>
+                <a:spcPct val="0"/>
+              </a:spcAft>
+              <a:defRPr sz="2400" kern="1200">
+                <a:solidFill>
+                  <a:schemeClr val="tx1"/>
+                </a:solidFill>
+                <a:latin typeface="Arial" charset="0"/>
+                <a:ea typeface="ＭＳ Ｐゴシック" charset="0"/>
+                <a:cs typeface="ＭＳ Ｐゴシック" charset="0"/>
+              </a:defRPr>
+            </a:lvl1pPr>
+            <a:lvl2pPr marL="457200" algn="l" rtl="0" eaLnBrk="0" fontAlgn="base" hangingPunct="0">
+              <a:spcBef>
+                <a:spcPct val="0"/>
+              </a:spcBef>
+              <a:spcAft>
+                <a:spcPct val="0"/>
+              </a:spcAft>
+              <a:defRPr sz="2400" kern="1200">
+                <a:solidFill>
+                  <a:schemeClr val="tx1"/>
+                </a:solidFill>
+                <a:latin typeface="Arial" charset="0"/>
+                <a:ea typeface="ＭＳ Ｐゴシック" charset="0"/>
+                <a:cs typeface="ＭＳ Ｐゴシック" charset="0"/>
+              </a:defRPr>
+            </a:lvl2pPr>
+            <a:lvl3pPr marL="914400" algn="l" rtl="0" eaLnBrk="0" fontAlgn="base" hangingPunct="0">
+              <a:spcBef>
+                <a:spcPct val="0"/>
+              </a:spcBef>
+              <a:spcAft>
+                <a:spcPct val="0"/>
+              </a:spcAft>
+              <a:defRPr sz="2400" kern="1200">
+                <a:solidFill>
+                  <a:schemeClr val="tx1"/>
+                </a:solidFill>
+                <a:latin typeface="Arial" charset="0"/>
+                <a:ea typeface="ＭＳ Ｐゴシック" charset="0"/>
+                <a:cs typeface="ＭＳ Ｐゴシック" charset="0"/>
+              </a:defRPr>
+            </a:lvl3pPr>
+            <a:lvl4pPr marL="1371600" algn="l" rtl="0" eaLnBrk="0" fontAlgn="base" hangingPunct="0">
+              <a:spcBef>
+                <a:spcPct val="0"/>
+              </a:spcBef>
+              <a:spcAft>
+                <a:spcPct val="0"/>
+              </a:spcAft>
+              <a:defRPr sz="2400" kern="1200">
+                <a:solidFill>
+                  <a:schemeClr val="tx1"/>
+                </a:solidFill>
+                <a:latin typeface="Arial" charset="0"/>
+                <a:ea typeface="ＭＳ Ｐゴシック" charset="0"/>
+                <a:cs typeface="ＭＳ Ｐゴシック" charset="0"/>
+              </a:defRPr>
+            </a:lvl4pPr>
+            <a:lvl5pPr marL="1828800" algn="l" rtl="0" eaLnBrk="0" fontAlgn="base" hangingPunct="0">
+              <a:spcBef>
+                <a:spcPct val="0"/>
+              </a:spcBef>
+              <a:spcAft>
+                <a:spcPct val="0"/>
+              </a:spcAft>
+              <a:defRPr sz="2400" kern="1200">
+                <a:solidFill>
+                  <a:schemeClr val="tx1"/>
+                </a:solidFill>
+                <a:latin typeface="Arial" charset="0"/>
+                <a:ea typeface="ＭＳ Ｐゴシック" charset="0"/>
+                <a:cs typeface="ＭＳ Ｐゴシック" charset="0"/>
+              </a:defRPr>
+            </a:lvl5pPr>
+            <a:lvl6pPr marL="2286000" algn="l" defTabSz="457200" rtl="0" eaLnBrk="1" latinLnBrk="0" hangingPunct="1">
+              <a:defRPr sz="2400" kern="1200">
+                <a:solidFill>
+                  <a:schemeClr val="tx1"/>
+                </a:solidFill>
+                <a:latin typeface="Arial" charset="0"/>
+                <a:ea typeface="ＭＳ Ｐゴシック" charset="0"/>
+                <a:cs typeface="ＭＳ Ｐゴシック" charset="0"/>
+              </a:defRPr>
+            </a:lvl6pPr>
+            <a:lvl7pPr marL="2743200" algn="l" defTabSz="457200" rtl="0" eaLnBrk="1" latinLnBrk="0" hangingPunct="1">
+              <a:defRPr sz="2400" kern="1200">
+                <a:solidFill>
+                  <a:schemeClr val="tx1"/>
+                </a:solidFill>
+                <a:latin typeface="Arial" charset="0"/>
+                <a:ea typeface="ＭＳ Ｐゴシック" charset="0"/>
+                <a:cs typeface="ＭＳ Ｐゴシック" charset="0"/>
+              </a:defRPr>
+            </a:lvl7pPr>
+            <a:lvl8pPr marL="3200400" algn="l" defTabSz="457200" rtl="0" eaLnBrk="1" latinLnBrk="0" hangingPunct="1">
+              <a:defRPr sz="2400" kern="1200">
+                <a:solidFill>
+                  <a:schemeClr val="tx1"/>
+                </a:solidFill>
+                <a:latin typeface="Arial" charset="0"/>
+                <a:ea typeface="ＭＳ Ｐゴシック" charset="0"/>
+                <a:cs typeface="ＭＳ Ｐゴシック" charset="0"/>
+              </a:defRPr>
+            </a:lvl8pPr>
+            <a:lvl9pPr marL="3657600" algn="l" defTabSz="457200" rtl="0" eaLnBrk="1" latinLnBrk="0" hangingPunct="1">
+              <a:defRPr sz="2400" kern="1200">
+                <a:solidFill>
+                  <a:schemeClr val="tx1"/>
+                </a:solidFill>
+                <a:latin typeface="Arial" charset="0"/>
+                <a:ea typeface="ＭＳ Ｐゴシック" charset="0"/>
+                <a:cs typeface="ＭＳ Ｐゴシック" charset="0"/>
+              </a:defRPr>
+            </a:lvl9pPr>
+          </a:lstStyle>
+          <a:p>
+            <a:r>
+              <a:rPr lang="en-US" sz="3800" dirty="0"/>
+              <a:t>Review: OO Principles</a:t>
+            </a:r>
+          </a:p>
+        </p:txBody>
+      </p:sp>
+      <p:sp>
+        <p:nvSpPr>
+          <p:cNvPr id="3" name="TextBox 2">
+            <a:extLst>
+              <a:ext uri="{FF2B5EF4-FFF2-40B4-BE49-F238E27FC236}">
+                <a16:creationId xmlns:a16="http://schemas.microsoft.com/office/drawing/2014/main" id="{C55B9D84-EEA2-ACA7-A95D-AF0D8E9D809A}"/>
               </a:ext>
             </a:extLst>
           </p:cNvPr>
@@ -5820,8 +3729,8 @@
         </p:nvSpPr>
         <p:spPr>
           <a:xfrm>
-            <a:off x="1277018" y="1046102"/>
-            <a:ext cx="9655207" cy="4524315"/>
+            <a:off x="1196336" y="2417702"/>
+            <a:ext cx="9655207" cy="3231654"/>
           </a:xfrm>
           <a:prstGeom prst="rect">
             <a:avLst/>
@@ -5834,12 +3743,6 @@
           </a:bodyPr>
           <a:lstStyle/>
           <a:p>
-            <a:pPr algn="ctr"/>
-            <a:endParaRPr lang="en-US" sz="3600" i="1" dirty="0">
-              <a:latin typeface="+mn-lt"/>
-            </a:endParaRPr>
-          </a:p>
-          <a:p>
             <a:pPr marL="342900" indent="-342900" algn="ctr">
               <a:buFont typeface="Arial" panose="020B0604020202020204" pitchFamily="34" charset="0"/>
               <a:buChar char="•"/>
@@ -5856,7 +3759,7 @@
               <a:buFont typeface="Arial" panose="020B0604020202020204" pitchFamily="34" charset="0"/>
               <a:buChar char="•"/>
             </a:pPr>
-            <a:endParaRPr lang="en-US" sz="3600" i="1" dirty="0">
+            <a:endParaRPr lang="en-US" sz="2000" i="1" dirty="0">
               <a:latin typeface="+mn-lt"/>
             </a:endParaRPr>
           </a:p>
@@ -5873,32 +3776,32 @@
             </a:r>
           </a:p>
           <a:p>
+            <a:pPr marL="4000500" lvl="8" indent="-342900" algn="ctr">
+              <a:buFont typeface="Arial" panose="020B0604020202020204" pitchFamily="34" charset="0"/>
+              <a:buChar char="•"/>
+            </a:pPr>
+            <a:endParaRPr lang="en-US" sz="2000" i="1" dirty="0">
+              <a:latin typeface="+mn-lt"/>
+            </a:endParaRPr>
+          </a:p>
+          <a:p>
             <a:pPr marL="342900" indent="-342900" algn="ctr">
               <a:buFont typeface="Arial" panose="020B0604020202020204" pitchFamily="34" charset="0"/>
               <a:buChar char="•"/>
             </a:pPr>
-            <a:endParaRPr lang="en-US" sz="3600" i="1" dirty="0">
-              <a:latin typeface="+mn-lt"/>
-            </a:endParaRPr>
+            <a:r>
+              <a:rPr lang="en-US" sz="3600" i="1" dirty="0">
+                <a:latin typeface="+mn-lt"/>
+              </a:rPr>
+              <a:t>Inheritance</a:t>
+            </a:r>
           </a:p>
           <a:p>
             <a:pPr marL="342900" indent="-342900" algn="ctr">
               <a:buFont typeface="Arial" panose="020B0604020202020204" pitchFamily="34" charset="0"/>
               <a:buChar char="•"/>
             </a:pPr>
-            <a:r>
-              <a:rPr lang="en-US" sz="3600" i="1" dirty="0">
-                <a:latin typeface="+mn-lt"/>
-              </a:rPr>
-              <a:t>Inheritance</a:t>
-            </a:r>
-          </a:p>
-          <a:p>
-            <a:pPr marL="342900" indent="-342900" algn="ctr">
-              <a:buFont typeface="Arial" panose="020B0604020202020204" pitchFamily="34" charset="0"/>
-              <a:buChar char="•"/>
-            </a:pPr>
-            <a:endParaRPr lang="en-US" sz="3600" i="1" dirty="0">
+            <a:endParaRPr lang="en-US" sz="2000" i="1" dirty="0">
               <a:latin typeface="+mn-lt"/>
             </a:endParaRPr>
           </a:p>
@@ -5919,7 +3822,7 @@
     </p:spTree>
     <p:extLst>
       <p:ext uri="{BB962C8B-B14F-4D97-AF65-F5344CB8AC3E}">
-        <p14:creationId xmlns:p14="http://schemas.microsoft.com/office/powerpoint/2010/main" val="102374663"/>
+        <p14:creationId xmlns:p14="http://schemas.microsoft.com/office/powerpoint/2010/main" val="2058322480"/>
       </p:ext>
     </p:extLst>
   </p:cSld>
@@ -5934,7 +3837,13 @@
   <p:cSld>
     <p:spTree>
       <p:nvGrpSpPr>
-        <p:cNvPr id="1" name=""/>
+        <p:cNvPr id="1" name="">
+          <a:extLst>
+            <a:ext uri="{FF2B5EF4-FFF2-40B4-BE49-F238E27FC236}">
+              <a16:creationId xmlns:a16="http://schemas.microsoft.com/office/drawing/2014/main" id="{3A6BE2AD-ED90-7CEE-5EF0-34D3CA70B2DF}"/>
+            </a:ext>
+          </a:extLst>
+        </p:cNvPr>
         <p:cNvGrpSpPr/>
         <p:nvPr/>
       </p:nvGrpSpPr>
@@ -5948,10 +3857,10 @@
       </p:grpSpPr>
       <p:sp>
         <p:nvSpPr>
-          <p:cNvPr id="2" name="Text Placeholder 1">
+          <p:cNvPr id="4" name="Slide Number Placeholder 3">
             <a:extLst>
               <a:ext uri="{FF2B5EF4-FFF2-40B4-BE49-F238E27FC236}">
-                <a16:creationId xmlns:a16="http://schemas.microsoft.com/office/drawing/2014/main" id="{64492E64-A68B-8CA7-B3C6-044F7C8E76AB}"/>
+                <a16:creationId xmlns:a16="http://schemas.microsoft.com/office/drawing/2014/main" id="{9CF70FE0-F7B2-6233-BF27-0865A2FE2060}"/>
               </a:ext>
             </a:extLst>
           </p:cNvPr>
@@ -5959,29 +3868,186 @@
             <a:spLocks noGrp="1"/>
           </p:cNvSpPr>
           <p:nvPr>
-            <p:ph type="body" sz="quarter" idx="10"/>
+            <p:ph type="sldNum" sz="quarter" idx="12"/>
           </p:nvPr>
         </p:nvSpPr>
         <p:spPr/>
         <p:txBody>
-          <a:bodyPr>
-            <a:normAutofit fontScale="92500" lnSpcReduction="10000"/>
-          </a:bodyPr>
+          <a:bodyPr/>
           <a:lstStyle/>
           <a:p>
-            <a:r>
-              <a:rPr lang="en-US" dirty="0"/>
-              <a:t>Encapsulation in PowerShell</a:t>
-            </a:r>
+            <a:fld id="{B46E5E13-EE34-439C-B49B-F0CB75B28E1B}" type="slidenum">
+              <a:rPr lang="en-US" smtClean="0"/>
+              <a:t>3</a:t>
+            </a:fld>
+            <a:endParaRPr lang="en-US" dirty="0"/>
           </a:p>
         </p:txBody>
       </p:sp>
       <p:sp>
         <p:nvSpPr>
-          <p:cNvPr id="4" name="TextBox 3">
+          <p:cNvPr id="2" name="Text Placeholder 1">
             <a:extLst>
               <a:ext uri="{FF2B5EF4-FFF2-40B4-BE49-F238E27FC236}">
-                <a16:creationId xmlns:a16="http://schemas.microsoft.com/office/drawing/2014/main" id="{B64A8207-997F-319E-7F6D-676D3ECA779B}"/>
+                <a16:creationId xmlns:a16="http://schemas.microsoft.com/office/drawing/2014/main" id="{11955B24-6849-3521-1C19-A0EC6DEB8A9B}"/>
+              </a:ext>
+            </a:extLst>
+          </p:cNvPr>
+          <p:cNvSpPr txBox="1">
+            <a:spLocks/>
+          </p:cNvSpPr>
+          <p:nvPr/>
+        </p:nvSpPr>
+        <p:spPr>
+          <a:xfrm>
+            <a:off x="4039000" y="1253909"/>
+            <a:ext cx="4113999" cy="449386"/>
+          </a:xfrm>
+        </p:spPr>
+        <p:txBody>
+          <a:bodyPr>
+            <a:normAutofit lnSpcReduction="10000"/>
+          </a:bodyPr>
+          <a:lstStyle>
+            <a:defPPr>
+              <a:defRPr lang="en-US"/>
+            </a:defPPr>
+            <a:lvl1pPr algn="l" rtl="0" eaLnBrk="0" fontAlgn="base" hangingPunct="0">
+              <a:spcBef>
+                <a:spcPct val="0"/>
+              </a:spcBef>
+              <a:spcAft>
+                <a:spcPct val="0"/>
+              </a:spcAft>
+              <a:defRPr sz="2400" kern="1200">
+                <a:solidFill>
+                  <a:schemeClr val="tx1"/>
+                </a:solidFill>
+                <a:latin typeface="Arial" charset="0"/>
+                <a:ea typeface="ＭＳ Ｐゴシック" charset="0"/>
+                <a:cs typeface="ＭＳ Ｐゴシック" charset="0"/>
+              </a:defRPr>
+            </a:lvl1pPr>
+            <a:lvl2pPr marL="457200" algn="l" rtl="0" eaLnBrk="0" fontAlgn="base" hangingPunct="0">
+              <a:spcBef>
+                <a:spcPct val="0"/>
+              </a:spcBef>
+              <a:spcAft>
+                <a:spcPct val="0"/>
+              </a:spcAft>
+              <a:defRPr sz="2400" kern="1200">
+                <a:solidFill>
+                  <a:schemeClr val="tx1"/>
+                </a:solidFill>
+                <a:latin typeface="Arial" charset="0"/>
+                <a:ea typeface="ＭＳ Ｐゴシック" charset="0"/>
+                <a:cs typeface="ＭＳ Ｐゴシック" charset="0"/>
+              </a:defRPr>
+            </a:lvl2pPr>
+            <a:lvl3pPr marL="914400" algn="l" rtl="0" eaLnBrk="0" fontAlgn="base" hangingPunct="0">
+              <a:spcBef>
+                <a:spcPct val="0"/>
+              </a:spcBef>
+              <a:spcAft>
+                <a:spcPct val="0"/>
+              </a:spcAft>
+              <a:defRPr sz="2400" kern="1200">
+                <a:solidFill>
+                  <a:schemeClr val="tx1"/>
+                </a:solidFill>
+                <a:latin typeface="Arial" charset="0"/>
+                <a:ea typeface="ＭＳ Ｐゴシック" charset="0"/>
+                <a:cs typeface="ＭＳ Ｐゴシック" charset="0"/>
+              </a:defRPr>
+            </a:lvl3pPr>
+            <a:lvl4pPr marL="1371600" algn="l" rtl="0" eaLnBrk="0" fontAlgn="base" hangingPunct="0">
+              <a:spcBef>
+                <a:spcPct val="0"/>
+              </a:spcBef>
+              <a:spcAft>
+                <a:spcPct val="0"/>
+              </a:spcAft>
+              <a:defRPr sz="2400" kern="1200">
+                <a:solidFill>
+                  <a:schemeClr val="tx1"/>
+                </a:solidFill>
+                <a:latin typeface="Arial" charset="0"/>
+                <a:ea typeface="ＭＳ Ｐゴシック" charset="0"/>
+                <a:cs typeface="ＭＳ Ｐゴシック" charset="0"/>
+              </a:defRPr>
+            </a:lvl4pPr>
+            <a:lvl5pPr marL="1828800" algn="l" rtl="0" eaLnBrk="0" fontAlgn="base" hangingPunct="0">
+              <a:spcBef>
+                <a:spcPct val="0"/>
+              </a:spcBef>
+              <a:spcAft>
+                <a:spcPct val="0"/>
+              </a:spcAft>
+              <a:defRPr sz="2400" kern="1200">
+                <a:solidFill>
+                  <a:schemeClr val="tx1"/>
+                </a:solidFill>
+                <a:latin typeface="Arial" charset="0"/>
+                <a:ea typeface="ＭＳ Ｐゴシック" charset="0"/>
+                <a:cs typeface="ＭＳ Ｐゴシック" charset="0"/>
+              </a:defRPr>
+            </a:lvl5pPr>
+            <a:lvl6pPr marL="2286000" algn="l" defTabSz="457200" rtl="0" eaLnBrk="1" latinLnBrk="0" hangingPunct="1">
+              <a:defRPr sz="2400" kern="1200">
+                <a:solidFill>
+                  <a:schemeClr val="tx1"/>
+                </a:solidFill>
+                <a:latin typeface="Arial" charset="0"/>
+                <a:ea typeface="ＭＳ Ｐゴシック" charset="0"/>
+                <a:cs typeface="ＭＳ Ｐゴシック" charset="0"/>
+              </a:defRPr>
+            </a:lvl6pPr>
+            <a:lvl7pPr marL="2743200" algn="l" defTabSz="457200" rtl="0" eaLnBrk="1" latinLnBrk="0" hangingPunct="1">
+              <a:defRPr sz="2400" kern="1200">
+                <a:solidFill>
+                  <a:schemeClr val="tx1"/>
+                </a:solidFill>
+                <a:latin typeface="Arial" charset="0"/>
+                <a:ea typeface="ＭＳ Ｐゴシック" charset="0"/>
+                <a:cs typeface="ＭＳ Ｐゴシック" charset="0"/>
+              </a:defRPr>
+            </a:lvl7pPr>
+            <a:lvl8pPr marL="3200400" algn="l" defTabSz="457200" rtl="0" eaLnBrk="1" latinLnBrk="0" hangingPunct="1">
+              <a:defRPr sz="2400" kern="1200">
+                <a:solidFill>
+                  <a:schemeClr val="tx1"/>
+                </a:solidFill>
+                <a:latin typeface="Arial" charset="0"/>
+                <a:ea typeface="ＭＳ Ｐゴシック" charset="0"/>
+                <a:cs typeface="ＭＳ Ｐゴシック" charset="0"/>
+              </a:defRPr>
+            </a:lvl8pPr>
+            <a:lvl9pPr marL="3657600" algn="l" defTabSz="457200" rtl="0" eaLnBrk="1" latinLnBrk="0" hangingPunct="1">
+              <a:defRPr sz="2400" kern="1200">
+                <a:solidFill>
+                  <a:schemeClr val="tx1"/>
+                </a:solidFill>
+                <a:latin typeface="Arial" charset="0"/>
+                <a:ea typeface="ＭＳ Ｐゴシック" charset="0"/>
+                <a:cs typeface="ＭＳ Ｐゴシック" charset="0"/>
+              </a:defRPr>
+            </a:lvl9pPr>
+          </a:lstStyle>
+          <a:p>
+            <a:r>
+              <a:rPr lang="en-US"/>
+              <a:t>Encapsulation in PowerShell</a:t>
+            </a:r>
+            <a:endParaRPr lang="en-US" dirty="0"/>
+          </a:p>
+        </p:txBody>
+      </p:sp>
+      <p:sp>
+        <p:nvSpPr>
+          <p:cNvPr id="3" name="TextBox 2">
+            <a:extLst>
+              <a:ext uri="{FF2B5EF4-FFF2-40B4-BE49-F238E27FC236}">
+                <a16:creationId xmlns:a16="http://schemas.microsoft.com/office/drawing/2014/main" id="{E5B5E2A9-3E3D-04ED-EC35-6966193804E2}"/>
               </a:ext>
             </a:extLst>
           </p:cNvPr>
@@ -5990,8 +4056,8 @@
         </p:nvSpPr>
         <p:spPr>
           <a:xfrm>
-            <a:off x="1277018" y="1046102"/>
-            <a:ext cx="9655207" cy="5401479"/>
+            <a:off x="264458" y="1702721"/>
+            <a:ext cx="11663082" cy="4893647"/>
           </a:xfrm>
           <a:prstGeom prst="rect">
             <a:avLst/>
@@ -6128,7 +4194,7 @@
               <a:buFont typeface="Arial" panose="020B0604020202020204" pitchFamily="34" charset="0"/>
               <a:buChar char="•"/>
             </a:pPr>
-            <a:endParaRPr lang="en-US" sz="2000" dirty="0">
+            <a:endParaRPr lang="en-US" sz="1200" dirty="0">
               <a:latin typeface="+mn-lt"/>
             </a:endParaRPr>
           </a:p>
@@ -6157,7 +4223,7 @@
             </a:r>
           </a:p>
           <a:p>
-            <a:endParaRPr lang="en-US" sz="2000" dirty="0"/>
+            <a:endParaRPr lang="en-US" sz="1200" dirty="0"/>
           </a:p>
           <a:p>
             <a:r>
@@ -6282,8 +4348,6 @@
               </a:rPr>
               <a:t>$c | Get-Member </a:t>
             </a:r>
-          </a:p>
-          <a:p>
             <a:r>
               <a:rPr lang="en-US" sz="2000" dirty="0">
                 <a:latin typeface="+mn-lt"/>
@@ -6296,7 +4360,7 @@
     </p:spTree>
     <p:extLst>
       <p:ext uri="{BB962C8B-B14F-4D97-AF65-F5344CB8AC3E}">
-        <p14:creationId xmlns:p14="http://schemas.microsoft.com/office/powerpoint/2010/main" val="2611413137"/>
+        <p14:creationId xmlns:p14="http://schemas.microsoft.com/office/powerpoint/2010/main" val="796879116"/>
       </p:ext>
     </p:extLst>
   </p:cSld>
@@ -6311,7 +4375,13 @@
   <p:cSld>
     <p:spTree>
       <p:nvGrpSpPr>
-        <p:cNvPr id="1" name=""/>
+        <p:cNvPr id="1" name="">
+          <a:extLst>
+            <a:ext uri="{FF2B5EF4-FFF2-40B4-BE49-F238E27FC236}">
+              <a16:creationId xmlns:a16="http://schemas.microsoft.com/office/drawing/2014/main" id="{EB29016A-AF80-CD20-4A82-A71A04EBED42}"/>
+            </a:ext>
+          </a:extLst>
+        </p:cNvPr>
         <p:cNvGrpSpPr/>
         <p:nvPr/>
       </p:nvGrpSpPr>
@@ -6325,10 +4395,10 @@
       </p:grpSpPr>
       <p:sp>
         <p:nvSpPr>
-          <p:cNvPr id="2" name="Text Placeholder 1">
+          <p:cNvPr id="4" name="Slide Number Placeholder 3">
             <a:extLst>
               <a:ext uri="{FF2B5EF4-FFF2-40B4-BE49-F238E27FC236}">
-                <a16:creationId xmlns:a16="http://schemas.microsoft.com/office/drawing/2014/main" id="{64492E64-A68B-8CA7-B3C6-044F7C8E76AB}"/>
+                <a16:creationId xmlns:a16="http://schemas.microsoft.com/office/drawing/2014/main" id="{BAA1C400-E8F3-51CE-488B-5A21E7630283}"/>
               </a:ext>
             </a:extLst>
           </p:cNvPr>
@@ -6336,30 +4406,28 @@
             <a:spLocks noGrp="1"/>
           </p:cNvSpPr>
           <p:nvPr>
-            <p:ph type="body" sz="quarter" idx="10"/>
+            <p:ph type="sldNum" sz="quarter" idx="12"/>
           </p:nvPr>
         </p:nvSpPr>
         <p:spPr/>
         <p:txBody>
-          <a:bodyPr>
-            <a:normAutofit fontScale="92500" lnSpcReduction="10000"/>
-          </a:bodyPr>
+          <a:bodyPr/>
           <a:lstStyle/>
           <a:p>
-            <a:pPr algn="r"/>
-            <a:r>
-              <a:rPr lang="en-US" i="1" dirty="0"/>
-              <a:t>PT: Encapsulation, Accessibility, and Scripting</a:t>
-            </a:r>
+            <a:fld id="{B46E5E13-EE34-439C-B49B-F0CB75B28E1B}" type="slidenum">
+              <a:rPr lang="en-US" smtClean="0"/>
+              <a:t>4</a:t>
+            </a:fld>
+            <a:endParaRPr lang="en-US" dirty="0"/>
           </a:p>
         </p:txBody>
       </p:sp>
       <p:sp>
         <p:nvSpPr>
-          <p:cNvPr id="4" name="TextBox 3">
+          <p:cNvPr id="5" name="TextBox 4">
             <a:extLst>
               <a:ext uri="{FF2B5EF4-FFF2-40B4-BE49-F238E27FC236}">
-                <a16:creationId xmlns:a16="http://schemas.microsoft.com/office/drawing/2014/main" id="{B64A8207-997F-319E-7F6D-676D3ECA779B}"/>
+                <a16:creationId xmlns:a16="http://schemas.microsoft.com/office/drawing/2014/main" id="{403ADC43-316C-A121-5003-433DA1FB2DCF}"/>
               </a:ext>
             </a:extLst>
           </p:cNvPr>
@@ -6368,8 +4436,44 @@
         </p:nvSpPr>
         <p:spPr>
           <a:xfrm>
-            <a:off x="1277018" y="1046102"/>
-            <a:ext cx="9655207" cy="4401205"/>
+            <a:off x="2859741" y="1198149"/>
+            <a:ext cx="6472518" cy="461665"/>
+          </a:xfrm>
+          <a:prstGeom prst="rect">
+            <a:avLst/>
+          </a:prstGeom>
+          <a:noFill/>
+        </p:spPr>
+        <p:txBody>
+          <a:bodyPr wrap="square">
+            <a:spAutoFit/>
+          </a:bodyPr>
+          <a:lstStyle/>
+          <a:p>
+            <a:pPr algn="r"/>
+            <a:r>
+              <a:rPr lang="en-US" i="1" dirty="0"/>
+              <a:t>PT: Encapsulation, Accessibility, and Scripting</a:t>
+            </a:r>
+          </a:p>
+        </p:txBody>
+      </p:sp>
+      <p:sp>
+        <p:nvSpPr>
+          <p:cNvPr id="6" name="TextBox 5">
+            <a:extLst>
+              <a:ext uri="{FF2B5EF4-FFF2-40B4-BE49-F238E27FC236}">
+                <a16:creationId xmlns:a16="http://schemas.microsoft.com/office/drawing/2014/main" id="{9D98F8BF-CA4B-66FE-79AA-F83160DF5957}"/>
+              </a:ext>
+            </a:extLst>
+          </p:cNvPr>
+          <p:cNvSpPr txBox="1"/>
+          <p:nvPr/>
+        </p:nvSpPr>
+        <p:spPr>
+          <a:xfrm>
+            <a:off x="215154" y="1937720"/>
+            <a:ext cx="11600328" cy="4401205"/>
           </a:xfrm>
           <a:prstGeom prst="rect">
             <a:avLst/>
@@ -6559,7 +4663,7 @@
     </p:spTree>
     <p:extLst>
       <p:ext uri="{BB962C8B-B14F-4D97-AF65-F5344CB8AC3E}">
-        <p14:creationId xmlns:p14="http://schemas.microsoft.com/office/powerpoint/2010/main" val="2948456625"/>
+        <p14:creationId xmlns:p14="http://schemas.microsoft.com/office/powerpoint/2010/main" val="3076479131"/>
       </p:ext>
     </p:extLst>
   </p:cSld>
@@ -6574,7 +4678,13 @@
   <p:cSld>
     <p:spTree>
       <p:nvGrpSpPr>
-        <p:cNvPr id="1" name=""/>
+        <p:cNvPr id="1" name="">
+          <a:extLst>
+            <a:ext uri="{FF2B5EF4-FFF2-40B4-BE49-F238E27FC236}">
+              <a16:creationId xmlns:a16="http://schemas.microsoft.com/office/drawing/2014/main" id="{477FC324-9111-85C1-A0CC-7A185E70BC98}"/>
+            </a:ext>
+          </a:extLst>
+        </p:cNvPr>
         <p:cNvGrpSpPr/>
         <p:nvPr/>
       </p:nvGrpSpPr>
@@ -6588,10 +4698,10 @@
       </p:grpSpPr>
       <p:sp>
         <p:nvSpPr>
-          <p:cNvPr id="2" name="Text Placeholder 1">
+          <p:cNvPr id="4" name="Slide Number Placeholder 3">
             <a:extLst>
               <a:ext uri="{FF2B5EF4-FFF2-40B4-BE49-F238E27FC236}">
-                <a16:creationId xmlns:a16="http://schemas.microsoft.com/office/drawing/2014/main" id="{64492E64-A68B-8CA7-B3C6-044F7C8E76AB}"/>
+                <a16:creationId xmlns:a16="http://schemas.microsoft.com/office/drawing/2014/main" id="{5E8FA8EA-A484-0058-75AF-22FEC49B87D0}"/>
               </a:ext>
             </a:extLst>
           </p:cNvPr>
@@ -6599,29 +4709,28 @@
             <a:spLocks noGrp="1"/>
           </p:cNvSpPr>
           <p:nvPr>
-            <p:ph type="body" sz="quarter" idx="10"/>
+            <p:ph type="sldNum" sz="quarter" idx="12"/>
           </p:nvPr>
         </p:nvSpPr>
         <p:spPr/>
         <p:txBody>
-          <a:bodyPr>
-            <a:normAutofit fontScale="92500" lnSpcReduction="10000"/>
-          </a:bodyPr>
+          <a:bodyPr/>
           <a:lstStyle/>
           <a:p>
-            <a:r>
-              <a:rPr lang="en-US" dirty="0"/>
-              <a:t>Abstraction in PowerShell (v5+)</a:t>
-            </a:r>
+            <a:fld id="{B46E5E13-EE34-439C-B49B-F0CB75B28E1B}" type="slidenum">
+              <a:rPr lang="en-US" smtClean="0"/>
+              <a:t>5</a:t>
+            </a:fld>
+            <a:endParaRPr lang="en-US" dirty="0"/>
           </a:p>
         </p:txBody>
       </p:sp>
       <p:sp>
         <p:nvSpPr>
-          <p:cNvPr id="4" name="TextBox 3">
+          <p:cNvPr id="3" name="TextBox 2">
             <a:extLst>
               <a:ext uri="{FF2B5EF4-FFF2-40B4-BE49-F238E27FC236}">
-                <a16:creationId xmlns:a16="http://schemas.microsoft.com/office/drawing/2014/main" id="{B64A8207-997F-319E-7F6D-676D3ECA779B}"/>
+                <a16:creationId xmlns:a16="http://schemas.microsoft.com/office/drawing/2014/main" id="{23E6F91A-1A84-2519-680D-658E2BBB3ECD}"/>
               </a:ext>
             </a:extLst>
           </p:cNvPr>
@@ -6630,8 +4739,43 @@
         </p:nvSpPr>
         <p:spPr>
           <a:xfrm>
-            <a:off x="1268392" y="1054728"/>
-            <a:ext cx="9655207" cy="5632311"/>
+            <a:off x="3470461" y="1230415"/>
+            <a:ext cx="5251077" cy="523220"/>
+          </a:xfrm>
+          <a:prstGeom prst="rect">
+            <a:avLst/>
+          </a:prstGeom>
+          <a:noFill/>
+        </p:spPr>
+        <p:txBody>
+          <a:bodyPr wrap="square">
+            <a:spAutoFit/>
+          </a:bodyPr>
+          <a:lstStyle/>
+          <a:p>
+            <a:r>
+              <a:rPr lang="en-US" sz="2800" dirty="0"/>
+              <a:t>Abstraction in PowerShell (v5+)</a:t>
+            </a:r>
+          </a:p>
+        </p:txBody>
+      </p:sp>
+      <p:sp>
+        <p:nvSpPr>
+          <p:cNvPr id="5" name="TextBox 4">
+            <a:extLst>
+              <a:ext uri="{FF2B5EF4-FFF2-40B4-BE49-F238E27FC236}">
+                <a16:creationId xmlns:a16="http://schemas.microsoft.com/office/drawing/2014/main" id="{7702BB94-117E-BD8E-D5CE-FCD1362ADBBF}"/>
+              </a:ext>
+            </a:extLst>
+          </p:cNvPr>
+          <p:cNvSpPr txBox="1"/>
+          <p:nvPr/>
+        </p:nvSpPr>
+        <p:spPr>
+          <a:xfrm>
+            <a:off x="340659" y="1753635"/>
+            <a:ext cx="11689976" cy="4985980"/>
           </a:xfrm>
           <a:prstGeom prst="rect">
             <a:avLst/>
@@ -6649,43 +4793,43 @@
               <a:buChar char="•"/>
             </a:pPr>
             <a:r>
-              <a:rPr lang="en-US" sz="2000" dirty="0">
+              <a:rPr lang="en-US" sz="1800" dirty="0">
                 <a:latin typeface="+mn-lt"/>
               </a:rPr>
               <a:t>Organize related data </a:t>
             </a:r>
             <a:r>
-              <a:rPr lang="en-US" sz="2000" b="1" i="1" dirty="0">
+              <a:rPr lang="en-US" sz="1800" b="1" i="1" dirty="0">
                 <a:latin typeface="+mn-lt"/>
               </a:rPr>
               <a:t>properties</a:t>
             </a:r>
             <a:r>
-              <a:rPr lang="en-US" sz="2000" dirty="0">
+              <a:rPr lang="en-US" sz="1800" dirty="0">
                 <a:latin typeface="+mn-lt"/>
               </a:rPr>
               <a:t> and coded </a:t>
             </a:r>
             <a:r>
-              <a:rPr lang="en-US" sz="2000" b="1" i="1" dirty="0">
+              <a:rPr lang="en-US" sz="1800" b="1" i="1" dirty="0">
                 <a:latin typeface="+mn-lt"/>
               </a:rPr>
               <a:t>methods</a:t>
             </a:r>
             <a:r>
-              <a:rPr lang="en-US" sz="2000" dirty="0">
+              <a:rPr lang="en-US" sz="1800" dirty="0">
                 <a:latin typeface="+mn-lt"/>
               </a:rPr>
               <a:t> together into </a:t>
             </a:r>
             <a:r>
-              <a:rPr lang="en-US" sz="2000" b="1" i="1" dirty="0">
+              <a:rPr lang="en-US" sz="1800" b="1" i="1" dirty="0">
                 <a:latin typeface="+mn-lt"/>
               </a:rPr>
               <a:t>classes</a:t>
             </a:r>
             <a:r>
-              <a:rPr lang="en-US" sz="2000" dirty="0">
+              <a:rPr lang="en-US" sz="1800" dirty="0">
                 <a:latin typeface="+mn-lt"/>
               </a:rPr>
               <a:t>.</a:t>
@@ -6697,7 +4841,7 @@
               <a:buChar char="•"/>
             </a:pPr>
             <a:r>
-              <a:rPr lang="en-US" sz="2000" dirty="0">
+              <a:rPr lang="en-US" sz="1800" dirty="0">
                 <a:latin typeface="+mn-lt"/>
               </a:rPr>
               <a:t>Useful metaphor: think of a class as a “blueprint” for objects of that class.</a:t>
@@ -6709,7 +4853,7 @@
               <a:buChar char="•"/>
             </a:pPr>
             <a:r>
-              <a:rPr lang="en-US" sz="2000" dirty="0">
+              <a:rPr lang="en-US" sz="1800" dirty="0">
                 <a:latin typeface="+mn-lt"/>
               </a:rPr>
               <a:t>Two objects of the same class may contain different data values, but as far as other software is concerned, each object of a class interacts the same way.</a:t>
@@ -6721,19 +4865,19 @@
               <a:buChar char="•"/>
             </a:pPr>
             <a:r>
-              <a:rPr lang="en-US" sz="2000" dirty="0">
+              <a:rPr lang="en-US" sz="1800" dirty="0">
                 <a:latin typeface="+mn-lt"/>
               </a:rPr>
               <a:t>When two objects are of the same class, we also say they share the same </a:t>
             </a:r>
             <a:r>
-              <a:rPr lang="en-US" sz="2000" b="1" i="1" dirty="0">
+              <a:rPr lang="en-US" sz="1800" b="1" i="1" dirty="0">
                 <a:latin typeface="+mn-lt"/>
               </a:rPr>
               <a:t>type</a:t>
             </a:r>
             <a:r>
-              <a:rPr lang="en-US" sz="2000" dirty="0">
+              <a:rPr lang="en-US" sz="1800" dirty="0">
                 <a:latin typeface="+mn-lt"/>
               </a:rPr>
               <a:t>.</a:t>
@@ -6744,36 +4888,9 @@
               <a:buFont typeface="Arial" panose="020B0604020202020204" pitchFamily="34" charset="0"/>
               <a:buChar char="•"/>
             </a:pPr>
-            <a:r>
-              <a:rPr lang="en-US" sz="2000" dirty="0">
-                <a:latin typeface="+mn-lt"/>
-              </a:rPr>
-              <a:t>Example: this command line declares a “pattern” for a BYU-Idaho course object:</a:t>
-            </a:r>
-          </a:p>
-          <a:p>
-            <a:r>
-              <a:rPr lang="en-US" sz="2000" dirty="0">
-                <a:latin typeface="+mn-lt"/>
-              </a:rPr>
-              <a:t> </a:t>
-            </a:r>
-          </a:p>
-          <a:p>
-            <a:r>
-              <a:rPr lang="en-US" sz="2000" b="1" dirty="0">
-                <a:latin typeface="Consolas" panose="020B0609020204030204" pitchFamily="49" charset="0"/>
-              </a:rPr>
-              <a:t>class Course { $Name; $Code; $Credits }</a:t>
-            </a:r>
-          </a:p>
-          <a:p>
-            <a:r>
-              <a:rPr lang="en-US" sz="2000" dirty="0">
-                <a:latin typeface="+mn-lt"/>
-              </a:rPr>
-              <a:t> </a:t>
-            </a:r>
+            <a:endParaRPr lang="en-US" sz="1200" dirty="0">
+              <a:latin typeface="+mn-lt"/>
+            </a:endParaRPr>
           </a:p>
           <a:p>
             <a:pPr marL="342900" indent="-342900">
@@ -6781,19 +4898,53 @@
               <a:buChar char="•"/>
             </a:pPr>
             <a:r>
-              <a:rPr lang="en-US" sz="2000" dirty="0">
+              <a:rPr lang="en-US" sz="1800" dirty="0">
+                <a:latin typeface="+mn-lt"/>
+              </a:rPr>
+              <a:t>Example: this command line declares a “pattern” for a BYU-Idaho course object:</a:t>
+            </a:r>
+          </a:p>
+          <a:p>
+            <a:r>
+              <a:rPr lang="en-US" sz="1200" dirty="0">
+                <a:latin typeface="+mn-lt"/>
+              </a:rPr>
+              <a:t> </a:t>
+            </a:r>
+          </a:p>
+          <a:p>
+            <a:pPr marL="798513"/>
+            <a:r>
+              <a:rPr lang="en-US" sz="1800" b="1" dirty="0">
+                <a:latin typeface="Consolas" panose="020B0609020204030204" pitchFamily="49" charset="0"/>
+              </a:rPr>
+              <a:t>class Course { $Name; $Code; $Credits }</a:t>
+            </a:r>
+          </a:p>
+          <a:p>
+            <a:endParaRPr lang="en-US" sz="1200" dirty="0">
+              <a:latin typeface="+mn-lt"/>
+            </a:endParaRPr>
+          </a:p>
+          <a:p>
+            <a:pPr marL="342900" indent="-342900">
+              <a:buFont typeface="Arial" panose="020B0604020202020204" pitchFamily="34" charset="0"/>
+              <a:buChar char="•"/>
+            </a:pPr>
+            <a:r>
+              <a:rPr lang="en-US" sz="1800" dirty="0">
                 <a:latin typeface="+mn-lt"/>
               </a:rPr>
               <a:t>Even though it works, we will seldom see command-line class definitions. A class is more elegantly declared in a  </a:t>
             </a:r>
             <a:r>
-              <a:rPr lang="en-US" sz="2000" b="1" dirty="0">
+              <a:rPr lang="en-US" sz="1800" b="1" dirty="0">
                 <a:latin typeface="Consolas" panose="020B0609020204030204" pitchFamily="49" charset="0"/>
               </a:rPr>
               <a:t>.ps1</a:t>
             </a:r>
             <a:r>
-              <a:rPr lang="en-US" sz="2000" dirty="0">
+              <a:rPr lang="en-US" sz="1800" dirty="0">
                 <a:latin typeface="+mn-lt"/>
               </a:rPr>
               <a:t>  script file:</a:t>
@@ -6801,64 +4952,73 @@
           </a:p>
           <a:p>
             <a:r>
-              <a:rPr lang="en-US" sz="2000" dirty="0"/>
+              <a:rPr lang="en-US" sz="1200" dirty="0"/>
               <a:t> </a:t>
             </a:r>
           </a:p>
           <a:p>
-            <a:r>
-              <a:rPr lang="en-US" sz="2000" b="1" dirty="0">
+            <a:pPr lvl="2"/>
+            <a:r>
+              <a:rPr lang="en-US" sz="1800" b="1" dirty="0">
                 <a:latin typeface="Consolas" panose="020B0609020204030204" pitchFamily="49" charset="0"/>
               </a:rPr>
               <a:t>class Course</a:t>
             </a:r>
           </a:p>
           <a:p>
-            <a:r>
-              <a:rPr lang="en-US" sz="2000" b="1" dirty="0">
+            <a:pPr lvl="2"/>
+            <a:r>
+              <a:rPr lang="en-US" sz="1800" b="1" dirty="0">
                 <a:latin typeface="Consolas" panose="020B0609020204030204" pitchFamily="49" charset="0"/>
               </a:rPr>
               <a:t>{</a:t>
             </a:r>
           </a:p>
           <a:p>
-            <a:r>
-              <a:rPr lang="en-US" sz="2000" b="1" dirty="0">
+            <a:pPr lvl="2"/>
+            <a:r>
+              <a:rPr lang="en-US" sz="1800" b="1" dirty="0">
                 <a:latin typeface="Consolas" panose="020B0609020204030204" pitchFamily="49" charset="0"/>
               </a:rPr>
               <a:t>    $Name</a:t>
             </a:r>
           </a:p>
           <a:p>
-            <a:r>
-              <a:rPr lang="en-US" sz="2000" b="1" dirty="0">
+            <a:pPr lvl="2"/>
+            <a:r>
+              <a:rPr lang="en-US" sz="1800" b="1" dirty="0">
                 <a:latin typeface="Consolas" panose="020B0609020204030204" pitchFamily="49" charset="0"/>
               </a:rPr>
               <a:t>    $Code</a:t>
             </a:r>
           </a:p>
           <a:p>
-            <a:r>
-              <a:rPr lang="en-US" sz="2000" b="1" dirty="0">
+            <a:pPr lvl="2"/>
+            <a:r>
+              <a:rPr lang="en-US" sz="1800" b="1" dirty="0">
                 <a:latin typeface="Consolas" panose="020B0609020204030204" pitchFamily="49" charset="0"/>
               </a:rPr>
               <a:t>    $Credits</a:t>
             </a:r>
           </a:p>
           <a:p>
-            <a:r>
-              <a:rPr lang="en-US" sz="2000" b="1" dirty="0">
+            <a:pPr lvl="2"/>
+            <a:r>
+              <a:rPr lang="en-US" sz="1800" b="1" dirty="0">
                 <a:latin typeface="Consolas" panose="020B0609020204030204" pitchFamily="49" charset="0"/>
               </a:rPr>
               <a:t>}</a:t>
             </a:r>
+            <a:endParaRPr lang="en-US" sz="2000" b="1" dirty="0">
+              <a:latin typeface="Consolas" panose="020B0609020204030204" pitchFamily="49" charset="0"/>
+            </a:endParaRPr>
           </a:p>
         </p:txBody>
       </p:sp>
     </p:spTree>
     <p:extLst>
       <p:ext uri="{BB962C8B-B14F-4D97-AF65-F5344CB8AC3E}">
-        <p14:creationId xmlns:p14="http://schemas.microsoft.com/office/powerpoint/2010/main" val="4188996306"/>
+        <p14:creationId xmlns:p14="http://schemas.microsoft.com/office/powerpoint/2010/main" val="1453616072"/>
       </p:ext>
     </p:extLst>
   </p:cSld>
@@ -6873,7 +5033,13 @@
   <p:cSld>
     <p:spTree>
       <p:nvGrpSpPr>
-        <p:cNvPr id="1" name=""/>
+        <p:cNvPr id="1" name="">
+          <a:extLst>
+            <a:ext uri="{FF2B5EF4-FFF2-40B4-BE49-F238E27FC236}">
+              <a16:creationId xmlns:a16="http://schemas.microsoft.com/office/drawing/2014/main" id="{70703638-ABF9-12F1-C462-6CFDD2773333}"/>
+            </a:ext>
+          </a:extLst>
+        </p:cNvPr>
         <p:cNvGrpSpPr/>
         <p:nvPr/>
       </p:nvGrpSpPr>
@@ -6887,10 +5053,10 @@
       </p:grpSpPr>
       <p:sp>
         <p:nvSpPr>
-          <p:cNvPr id="2" name="Text Placeholder 1">
+          <p:cNvPr id="4" name="Slide Number Placeholder 3">
             <a:extLst>
               <a:ext uri="{FF2B5EF4-FFF2-40B4-BE49-F238E27FC236}">
-                <a16:creationId xmlns:a16="http://schemas.microsoft.com/office/drawing/2014/main" id="{64492E64-A68B-8CA7-B3C6-044F7C8E76AB}"/>
+                <a16:creationId xmlns:a16="http://schemas.microsoft.com/office/drawing/2014/main" id="{449C673C-94B9-A68A-8C46-BD15C2B3861C}"/>
               </a:ext>
             </a:extLst>
           </p:cNvPr>
@@ -6898,29 +5064,185 @@
             <a:spLocks noGrp="1"/>
           </p:cNvSpPr>
           <p:nvPr>
-            <p:ph type="body" sz="quarter" idx="10"/>
+            <p:ph type="sldNum" sz="quarter" idx="12"/>
           </p:nvPr>
         </p:nvSpPr>
         <p:spPr/>
         <p:txBody>
-          <a:bodyPr>
-            <a:normAutofit fontScale="92500" lnSpcReduction="10000"/>
-          </a:bodyPr>
+          <a:bodyPr/>
           <a:lstStyle/>
           <a:p>
-            <a:r>
-              <a:rPr lang="en-US" dirty="0"/>
-              <a:t>Objects are Instances of a Class</a:t>
-            </a:r>
+            <a:fld id="{B46E5E13-EE34-439C-B49B-F0CB75B28E1B}" type="slidenum">
+              <a:rPr lang="en-US" smtClean="0"/>
+              <a:t>6</a:t>
+            </a:fld>
+            <a:endParaRPr lang="en-US" dirty="0"/>
           </a:p>
         </p:txBody>
       </p:sp>
       <p:sp>
         <p:nvSpPr>
-          <p:cNvPr id="4" name="TextBox 3">
+          <p:cNvPr id="2" name="Text Placeholder 1">
             <a:extLst>
               <a:ext uri="{FF2B5EF4-FFF2-40B4-BE49-F238E27FC236}">
-                <a16:creationId xmlns:a16="http://schemas.microsoft.com/office/drawing/2014/main" id="{B64A8207-997F-319E-7F6D-676D3ECA779B}"/>
+                <a16:creationId xmlns:a16="http://schemas.microsoft.com/office/drawing/2014/main" id="{B31B377B-D921-C17C-8D8B-17576D24B834}"/>
+              </a:ext>
+            </a:extLst>
+          </p:cNvPr>
+          <p:cNvSpPr txBox="1">
+            <a:spLocks/>
+          </p:cNvSpPr>
+          <p:nvPr/>
+        </p:nvSpPr>
+        <p:spPr>
+          <a:xfrm>
+            <a:off x="3335270" y="1200120"/>
+            <a:ext cx="5521460" cy="512139"/>
+          </a:xfrm>
+        </p:spPr>
+        <p:txBody>
+          <a:bodyPr>
+            <a:noAutofit/>
+          </a:bodyPr>
+          <a:lstStyle>
+            <a:defPPr>
+              <a:defRPr lang="en-US"/>
+            </a:defPPr>
+            <a:lvl1pPr algn="l" rtl="0" eaLnBrk="0" fontAlgn="base" hangingPunct="0">
+              <a:spcBef>
+                <a:spcPct val="0"/>
+              </a:spcBef>
+              <a:spcAft>
+                <a:spcPct val="0"/>
+              </a:spcAft>
+              <a:defRPr sz="2400" kern="1200">
+                <a:solidFill>
+                  <a:schemeClr val="tx1"/>
+                </a:solidFill>
+                <a:latin typeface="Arial" charset="0"/>
+                <a:ea typeface="ＭＳ Ｐゴシック" charset="0"/>
+                <a:cs typeface="ＭＳ Ｐゴシック" charset="0"/>
+              </a:defRPr>
+            </a:lvl1pPr>
+            <a:lvl2pPr marL="457200" algn="l" rtl="0" eaLnBrk="0" fontAlgn="base" hangingPunct="0">
+              <a:spcBef>
+                <a:spcPct val="0"/>
+              </a:spcBef>
+              <a:spcAft>
+                <a:spcPct val="0"/>
+              </a:spcAft>
+              <a:defRPr sz="2400" kern="1200">
+                <a:solidFill>
+                  <a:schemeClr val="tx1"/>
+                </a:solidFill>
+                <a:latin typeface="Arial" charset="0"/>
+                <a:ea typeface="ＭＳ Ｐゴシック" charset="0"/>
+                <a:cs typeface="ＭＳ Ｐゴシック" charset="0"/>
+              </a:defRPr>
+            </a:lvl2pPr>
+            <a:lvl3pPr marL="914400" algn="l" rtl="0" eaLnBrk="0" fontAlgn="base" hangingPunct="0">
+              <a:spcBef>
+                <a:spcPct val="0"/>
+              </a:spcBef>
+              <a:spcAft>
+                <a:spcPct val="0"/>
+              </a:spcAft>
+              <a:defRPr sz="2400" kern="1200">
+                <a:solidFill>
+                  <a:schemeClr val="tx1"/>
+                </a:solidFill>
+                <a:latin typeface="Arial" charset="0"/>
+                <a:ea typeface="ＭＳ Ｐゴシック" charset="0"/>
+                <a:cs typeface="ＭＳ Ｐゴシック" charset="0"/>
+              </a:defRPr>
+            </a:lvl3pPr>
+            <a:lvl4pPr marL="1371600" algn="l" rtl="0" eaLnBrk="0" fontAlgn="base" hangingPunct="0">
+              <a:spcBef>
+                <a:spcPct val="0"/>
+              </a:spcBef>
+              <a:spcAft>
+                <a:spcPct val="0"/>
+              </a:spcAft>
+              <a:defRPr sz="2400" kern="1200">
+                <a:solidFill>
+                  <a:schemeClr val="tx1"/>
+                </a:solidFill>
+                <a:latin typeface="Arial" charset="0"/>
+                <a:ea typeface="ＭＳ Ｐゴシック" charset="0"/>
+                <a:cs typeface="ＭＳ Ｐゴシック" charset="0"/>
+              </a:defRPr>
+            </a:lvl4pPr>
+            <a:lvl5pPr marL="1828800" algn="l" rtl="0" eaLnBrk="0" fontAlgn="base" hangingPunct="0">
+              <a:spcBef>
+                <a:spcPct val="0"/>
+              </a:spcBef>
+              <a:spcAft>
+                <a:spcPct val="0"/>
+              </a:spcAft>
+              <a:defRPr sz="2400" kern="1200">
+                <a:solidFill>
+                  <a:schemeClr val="tx1"/>
+                </a:solidFill>
+                <a:latin typeface="Arial" charset="0"/>
+                <a:ea typeface="ＭＳ Ｐゴシック" charset="0"/>
+                <a:cs typeface="ＭＳ Ｐゴシック" charset="0"/>
+              </a:defRPr>
+            </a:lvl5pPr>
+            <a:lvl6pPr marL="2286000" algn="l" defTabSz="457200" rtl="0" eaLnBrk="1" latinLnBrk="0" hangingPunct="1">
+              <a:defRPr sz="2400" kern="1200">
+                <a:solidFill>
+                  <a:schemeClr val="tx1"/>
+                </a:solidFill>
+                <a:latin typeface="Arial" charset="0"/>
+                <a:ea typeface="ＭＳ Ｐゴシック" charset="0"/>
+                <a:cs typeface="ＭＳ Ｐゴシック" charset="0"/>
+              </a:defRPr>
+            </a:lvl6pPr>
+            <a:lvl7pPr marL="2743200" algn="l" defTabSz="457200" rtl="0" eaLnBrk="1" latinLnBrk="0" hangingPunct="1">
+              <a:defRPr sz="2400" kern="1200">
+                <a:solidFill>
+                  <a:schemeClr val="tx1"/>
+                </a:solidFill>
+                <a:latin typeface="Arial" charset="0"/>
+                <a:ea typeface="ＭＳ Ｐゴシック" charset="0"/>
+                <a:cs typeface="ＭＳ Ｐゴシック" charset="0"/>
+              </a:defRPr>
+            </a:lvl7pPr>
+            <a:lvl8pPr marL="3200400" algn="l" defTabSz="457200" rtl="0" eaLnBrk="1" latinLnBrk="0" hangingPunct="1">
+              <a:defRPr sz="2400" kern="1200">
+                <a:solidFill>
+                  <a:schemeClr val="tx1"/>
+                </a:solidFill>
+                <a:latin typeface="Arial" charset="0"/>
+                <a:ea typeface="ＭＳ Ｐゴシック" charset="0"/>
+                <a:cs typeface="ＭＳ Ｐゴシック" charset="0"/>
+              </a:defRPr>
+            </a:lvl8pPr>
+            <a:lvl9pPr marL="3657600" algn="l" defTabSz="457200" rtl="0" eaLnBrk="1" latinLnBrk="0" hangingPunct="1">
+              <a:defRPr sz="2400" kern="1200">
+                <a:solidFill>
+                  <a:schemeClr val="tx1"/>
+                </a:solidFill>
+                <a:latin typeface="Arial" charset="0"/>
+                <a:ea typeface="ＭＳ Ｐゴシック" charset="0"/>
+                <a:cs typeface="ＭＳ Ｐゴシック" charset="0"/>
+              </a:defRPr>
+            </a:lvl9pPr>
+          </a:lstStyle>
+          <a:p>
+            <a:r>
+              <a:rPr lang="en-US" sz="2800" dirty="0"/>
+              <a:t>Objects are Instances of a Class</a:t>
+            </a:r>
+          </a:p>
+        </p:txBody>
+      </p:sp>
+      <p:sp>
+        <p:nvSpPr>
+          <p:cNvPr id="3" name="TextBox 2">
+            <a:extLst>
+              <a:ext uri="{FF2B5EF4-FFF2-40B4-BE49-F238E27FC236}">
+                <a16:creationId xmlns:a16="http://schemas.microsoft.com/office/drawing/2014/main" id="{13F1557B-C7FC-017F-474C-762885D35EC2}"/>
               </a:ext>
             </a:extLst>
           </p:cNvPr>
@@ -6929,8 +5251,8 @@
         </p:nvSpPr>
         <p:spPr>
           <a:xfrm>
-            <a:off x="1268392" y="1054728"/>
-            <a:ext cx="9655207" cy="5632311"/>
+            <a:off x="345141" y="1828800"/>
+            <a:ext cx="11627224" cy="4832092"/>
           </a:xfrm>
           <a:prstGeom prst="rect">
             <a:avLst/>
@@ -6959,9 +5281,10 @@
               <a:buFont typeface="Arial" panose="020B0604020202020204" pitchFamily="34" charset="0"/>
               <a:buChar char="•"/>
             </a:pPr>
-            <a:endParaRPr lang="en-US" sz="2000" dirty="0"/>
-          </a:p>
-          <a:p>
+            <a:endParaRPr lang="en-US" sz="1200" dirty="0"/>
+          </a:p>
+          <a:p>
+            <a:pPr lvl="2"/>
             <a:r>
               <a:rPr lang="en-US" sz="2000" b="1" dirty="0">
                 <a:latin typeface="Consolas" panose="020B0609020204030204" pitchFamily="49" charset="0"/>
@@ -6970,6 +5293,7 @@
             </a:r>
           </a:p>
           <a:p>
+            <a:pPr lvl="2"/>
             <a:r>
               <a:rPr lang="en-US" sz="2000" b="1" dirty="0">
                 <a:latin typeface="Consolas" panose="020B0609020204030204" pitchFamily="49" charset="0"/>
@@ -6978,6 +5302,7 @@
             </a:r>
           </a:p>
           <a:p>
+            <a:pPr lvl="2"/>
             <a:r>
               <a:rPr lang="en-US" sz="2000" b="1" dirty="0">
                 <a:latin typeface="Consolas" panose="020B0609020204030204" pitchFamily="49" charset="0"/>
@@ -6986,6 +5311,7 @@
             </a:r>
           </a:p>
           <a:p>
+            <a:pPr lvl="2"/>
             <a:r>
               <a:rPr lang="en-US" sz="2000" b="1" dirty="0">
                 <a:latin typeface="Consolas" panose="020B0609020204030204" pitchFamily="49" charset="0"/>
@@ -6994,35 +5320,25 @@
             </a:r>
           </a:p>
           <a:p>
+            <a:pPr lvl="2"/>
             <a:r>
               <a:rPr lang="en-US" sz="2000" b="1" dirty="0">
                 <a:latin typeface="Consolas" panose="020B0609020204030204" pitchFamily="49" charset="0"/>
               </a:rPr>
-              <a:t>$c2.Name </a:t>
-            </a:r>
-            <a:r>
-              <a:rPr lang="en-US" sz="2000" b="1">
-                <a:latin typeface="Consolas" panose="020B0609020204030204" pitchFamily="49" charset="0"/>
-              </a:rPr>
-              <a:t>= 'Advanced </a:t>
-            </a:r>
+              <a:t>$c2.Name = 'Advanced Scripting' </a:t>
+            </a:r>
+          </a:p>
+          <a:p>
+            <a:pPr lvl="2"/>
             <a:r>
               <a:rPr lang="en-US" sz="2000" b="1" dirty="0">
                 <a:latin typeface="Consolas" panose="020B0609020204030204" pitchFamily="49" charset="0"/>
               </a:rPr>
-              <a:t>Scripting' </a:t>
-            </a:r>
-          </a:p>
-          <a:p>
-            <a:r>
-              <a:rPr lang="en-US" sz="2000" b="1" dirty="0">
-                <a:latin typeface="Consolas" panose="020B0609020204030204" pitchFamily="49" charset="0"/>
-              </a:rPr>
               <a:t>$c2.Code = 'CYBER 360';  $c2.Credits = 3</a:t>
             </a:r>
           </a:p>
           <a:p>
-            <a:endParaRPr lang="en-US" sz="2000" dirty="0">
+            <a:endParaRPr lang="en-US" sz="1200" dirty="0">
               <a:latin typeface="+mn-lt"/>
               <a:cs typeface="Arial" panose="020B0604020202020204" pitchFamily="34" charset="0"/>
             </a:endParaRPr>
@@ -7042,85 +5358,86 @@
           </a:p>
           <a:p>
             <a:r>
+              <a:rPr lang="en-US" sz="1200" dirty="0">
+                <a:latin typeface="+mn-lt"/>
+                <a:cs typeface="Arial" panose="020B0604020202020204" pitchFamily="34" charset="0"/>
+              </a:rPr>
+              <a:t> </a:t>
+            </a:r>
+          </a:p>
+          <a:p>
+            <a:pPr lvl="2"/>
+            <a:r>
+              <a:rPr lang="en-US" sz="2000" b="1" dirty="0">
+                <a:latin typeface="Consolas" panose="020B0609020204030204" pitchFamily="49" charset="0"/>
+              </a:rPr>
+              <a:t>$c3 = New-Object Course</a:t>
+            </a:r>
+            <a:r>
               <a:rPr lang="en-US" sz="2000" dirty="0">
                 <a:latin typeface="+mn-lt"/>
                 <a:cs typeface="Arial" panose="020B0604020202020204" pitchFamily="34" charset="0"/>
               </a:rPr>
+              <a:t>                    </a:t>
+            </a:r>
+            <a:r>
+              <a:rPr lang="en-US" sz="2000" i="1" dirty="0">
+                <a:latin typeface="+mn-lt"/>
+                <a:cs typeface="Arial" panose="020B0604020202020204" pitchFamily="34" charset="0"/>
+              </a:rPr>
+              <a:t># slower (more overhead) than </a:t>
+            </a:r>
+            <a:r>
+              <a:rPr lang="en-US" sz="2000" b="1" i="1" dirty="0">
+                <a:latin typeface="+mn-lt"/>
+                <a:cs typeface="Arial" panose="020B0604020202020204" pitchFamily="34" charset="0"/>
+              </a:rPr>
+              <a:t>[Course]::new()</a:t>
+            </a:r>
+            <a:r>
+              <a:rPr lang="en-US" sz="2000" dirty="0">
+                <a:latin typeface="+mn-lt"/>
+                <a:cs typeface="Arial" panose="020B0604020202020204" pitchFamily="34" charset="0"/>
+              </a:rPr>
               <a:t> </a:t>
             </a:r>
           </a:p>
           <a:p>
+            <a:pPr lvl="2"/>
+            <a:r>
+              <a:rPr lang="en-US" sz="1200" dirty="0">
+                <a:latin typeface="+mn-lt"/>
+              </a:rPr>
+              <a:t> </a:t>
+            </a:r>
+          </a:p>
+          <a:p>
+            <a:pPr lvl="2"/>
             <a:r>
               <a:rPr lang="en-US" sz="2000" b="1" dirty="0">
                 <a:latin typeface="Consolas" panose="020B0609020204030204" pitchFamily="49" charset="0"/>
               </a:rPr>
-              <a:t>$c3 = New-Object Course</a:t>
-            </a:r>
+              <a:t>$c4 = [Course] @{ Name='SQL'; Code='ITM 220'; Credits=2 } </a:t>
+            </a:r>
+          </a:p>
+          <a:p>
             <a:r>
               <a:rPr lang="en-US" sz="2000" dirty="0">
                 <a:latin typeface="+mn-lt"/>
                 <a:cs typeface="Arial" panose="020B0604020202020204" pitchFamily="34" charset="0"/>
               </a:rPr>
-              <a:t>                    </a:t>
-            </a:r>
-            <a:r>
-              <a:rPr lang="en-US" sz="2000" i="1" dirty="0">
+              <a:t> </a:t>
+            </a:r>
+          </a:p>
+          <a:p>
+            <a:pPr algn="ctr"/>
+            <a:r>
+              <a:rPr lang="en-US" sz="2000" dirty="0">
                 <a:latin typeface="+mn-lt"/>
                 <a:cs typeface="Arial" panose="020B0604020202020204" pitchFamily="34" charset="0"/>
               </a:rPr>
-              <a:t># slower (more overhead) than </a:t>
-            </a:r>
-            <a:r>
-              <a:rPr lang="en-US" sz="2000" b="1" i="1" dirty="0">
-                <a:latin typeface="+mn-lt"/>
-                <a:cs typeface="Arial" panose="020B0604020202020204" pitchFamily="34" charset="0"/>
-              </a:rPr>
-              <a:t>[Course]::new()</a:t>
-            </a:r>
-            <a:r>
-              <a:rPr lang="en-US" sz="2000" dirty="0">
-                <a:latin typeface="+mn-lt"/>
-                <a:cs typeface="Arial" panose="020B0604020202020204" pitchFamily="34" charset="0"/>
-              </a:rPr>
               <a:t> </a:t>
             </a:r>
-          </a:p>
-          <a:p>
-            <a:r>
-              <a:rPr lang="en-US" sz="2000" dirty="0">
-                <a:latin typeface="+mn-lt"/>
-              </a:rPr>
-              <a:t> </a:t>
-            </a:r>
-          </a:p>
-          <a:p>
-            <a:r>
-              <a:rPr lang="en-US" sz="2000" b="1" dirty="0">
-                <a:latin typeface="Consolas" panose="020B0609020204030204" pitchFamily="49" charset="0"/>
-              </a:rPr>
-              <a:t>$c4 = [Course] @{ Name='SQL'; Code='ITM 220'; Credits=2 } </a:t>
-            </a:r>
-          </a:p>
-          <a:p>
-            <a:r>
-              <a:rPr lang="en-US" sz="2000" dirty="0">
-                <a:latin typeface="+mn-lt"/>
-                <a:cs typeface="Arial" panose="020B0604020202020204" pitchFamily="34" charset="0"/>
-              </a:rPr>
-              <a:t> </a:t>
-            </a:r>
-          </a:p>
-          <a:p>
-            <a:r>
-              <a:rPr lang="en-US" sz="2000" dirty="0">
-                <a:latin typeface="+mn-lt"/>
-                <a:cs typeface="Arial" panose="020B0604020202020204" pitchFamily="34" charset="0"/>
-              </a:rPr>
-              <a:t> </a:t>
-            </a:r>
-          </a:p>
-          <a:p>
-            <a:pPr algn="r"/>
             <a:r>
               <a:rPr lang="en-US" sz="2000" i="1" dirty="0">
                 <a:latin typeface="+mn-lt"/>
@@ -7134,7 +5451,7 @@
     </p:spTree>
     <p:extLst>
       <p:ext uri="{BB962C8B-B14F-4D97-AF65-F5344CB8AC3E}">
-        <p14:creationId xmlns:p14="http://schemas.microsoft.com/office/powerpoint/2010/main" val="1709941748"/>
+        <p14:creationId xmlns:p14="http://schemas.microsoft.com/office/powerpoint/2010/main" val="2929455755"/>
       </p:ext>
     </p:extLst>
   </p:cSld>
@@ -7149,7 +5466,13 @@
   <p:cSld>
     <p:spTree>
       <p:nvGrpSpPr>
-        <p:cNvPr id="1" name=""/>
+        <p:cNvPr id="1" name="">
+          <a:extLst>
+            <a:ext uri="{FF2B5EF4-FFF2-40B4-BE49-F238E27FC236}">
+              <a16:creationId xmlns:a16="http://schemas.microsoft.com/office/drawing/2014/main" id="{0EC2BF9B-5CD0-E8BE-EBDC-D889CCDB16C8}"/>
+            </a:ext>
+          </a:extLst>
+        </p:cNvPr>
         <p:cNvGrpSpPr/>
         <p:nvPr/>
       </p:nvGrpSpPr>
@@ -7163,10 +5486,10 @@
       </p:grpSpPr>
       <p:sp>
         <p:nvSpPr>
-          <p:cNvPr id="2" name="Text Placeholder 1">
+          <p:cNvPr id="4" name="Slide Number Placeholder 3">
             <a:extLst>
               <a:ext uri="{FF2B5EF4-FFF2-40B4-BE49-F238E27FC236}">
-                <a16:creationId xmlns:a16="http://schemas.microsoft.com/office/drawing/2014/main" id="{64492E64-A68B-8CA7-B3C6-044F7C8E76AB}"/>
+                <a16:creationId xmlns:a16="http://schemas.microsoft.com/office/drawing/2014/main" id="{5A7C0971-1419-94E7-3624-7D9742700692}"/>
               </a:ext>
             </a:extLst>
           </p:cNvPr>
@@ -7174,29 +5497,185 @@
             <a:spLocks noGrp="1"/>
           </p:cNvSpPr>
           <p:nvPr>
-            <p:ph type="body" sz="quarter" idx="10"/>
+            <p:ph type="sldNum" sz="quarter" idx="12"/>
           </p:nvPr>
         </p:nvSpPr>
         <p:spPr/>
         <p:txBody>
-          <a:bodyPr>
-            <a:normAutofit fontScale="92500" lnSpcReduction="10000"/>
-          </a:bodyPr>
+          <a:bodyPr/>
           <a:lstStyle/>
           <a:p>
-            <a:r>
-              <a:rPr lang="en-US" dirty="0"/>
-              <a:t>Type-constrained properties</a:t>
-            </a:r>
+            <a:fld id="{B46E5E13-EE34-439C-B49B-F0CB75B28E1B}" type="slidenum">
+              <a:rPr lang="en-US" smtClean="0"/>
+              <a:t>7</a:t>
+            </a:fld>
+            <a:endParaRPr lang="en-US" dirty="0"/>
           </a:p>
         </p:txBody>
       </p:sp>
       <p:sp>
         <p:nvSpPr>
-          <p:cNvPr id="4" name="TextBox 3">
+          <p:cNvPr id="2" name="Text Placeholder 1">
             <a:extLst>
               <a:ext uri="{FF2B5EF4-FFF2-40B4-BE49-F238E27FC236}">
-                <a16:creationId xmlns:a16="http://schemas.microsoft.com/office/drawing/2014/main" id="{B64A8207-997F-319E-7F6D-676D3ECA779B}"/>
+                <a16:creationId xmlns:a16="http://schemas.microsoft.com/office/drawing/2014/main" id="{48D7A092-4888-7EB3-E264-8E50B3D6DCD7}"/>
+              </a:ext>
+            </a:extLst>
+          </p:cNvPr>
+          <p:cNvSpPr txBox="1">
+            <a:spLocks/>
+          </p:cNvSpPr>
+          <p:nvPr/>
+        </p:nvSpPr>
+        <p:spPr>
+          <a:xfrm>
+            <a:off x="3958317" y="1209085"/>
+            <a:ext cx="4275365" cy="476279"/>
+          </a:xfrm>
+        </p:spPr>
+        <p:txBody>
+          <a:bodyPr>
+            <a:normAutofit fontScale="85000" lnSpcReduction="10000"/>
+          </a:bodyPr>
+          <a:lstStyle>
+            <a:defPPr>
+              <a:defRPr lang="en-US"/>
+            </a:defPPr>
+            <a:lvl1pPr algn="l" rtl="0" eaLnBrk="0" fontAlgn="base" hangingPunct="0">
+              <a:spcBef>
+                <a:spcPct val="0"/>
+              </a:spcBef>
+              <a:spcAft>
+                <a:spcPct val="0"/>
+              </a:spcAft>
+              <a:defRPr sz="2400" kern="1200">
+                <a:solidFill>
+                  <a:schemeClr val="tx1"/>
+                </a:solidFill>
+                <a:latin typeface="Arial" charset="0"/>
+                <a:ea typeface="ＭＳ Ｐゴシック" charset="0"/>
+                <a:cs typeface="ＭＳ Ｐゴシック" charset="0"/>
+              </a:defRPr>
+            </a:lvl1pPr>
+            <a:lvl2pPr marL="457200" algn="l" rtl="0" eaLnBrk="0" fontAlgn="base" hangingPunct="0">
+              <a:spcBef>
+                <a:spcPct val="0"/>
+              </a:spcBef>
+              <a:spcAft>
+                <a:spcPct val="0"/>
+              </a:spcAft>
+              <a:defRPr sz="2400" kern="1200">
+                <a:solidFill>
+                  <a:schemeClr val="tx1"/>
+                </a:solidFill>
+                <a:latin typeface="Arial" charset="0"/>
+                <a:ea typeface="ＭＳ Ｐゴシック" charset="0"/>
+                <a:cs typeface="ＭＳ Ｐゴシック" charset="0"/>
+              </a:defRPr>
+            </a:lvl2pPr>
+            <a:lvl3pPr marL="914400" algn="l" rtl="0" eaLnBrk="0" fontAlgn="base" hangingPunct="0">
+              <a:spcBef>
+                <a:spcPct val="0"/>
+              </a:spcBef>
+              <a:spcAft>
+                <a:spcPct val="0"/>
+              </a:spcAft>
+              <a:defRPr sz="2400" kern="1200">
+                <a:solidFill>
+                  <a:schemeClr val="tx1"/>
+                </a:solidFill>
+                <a:latin typeface="Arial" charset="0"/>
+                <a:ea typeface="ＭＳ Ｐゴシック" charset="0"/>
+                <a:cs typeface="ＭＳ Ｐゴシック" charset="0"/>
+              </a:defRPr>
+            </a:lvl3pPr>
+            <a:lvl4pPr marL="1371600" algn="l" rtl="0" eaLnBrk="0" fontAlgn="base" hangingPunct="0">
+              <a:spcBef>
+                <a:spcPct val="0"/>
+              </a:spcBef>
+              <a:spcAft>
+                <a:spcPct val="0"/>
+              </a:spcAft>
+              <a:defRPr sz="2400" kern="1200">
+                <a:solidFill>
+                  <a:schemeClr val="tx1"/>
+                </a:solidFill>
+                <a:latin typeface="Arial" charset="0"/>
+                <a:ea typeface="ＭＳ Ｐゴシック" charset="0"/>
+                <a:cs typeface="ＭＳ Ｐゴシック" charset="0"/>
+              </a:defRPr>
+            </a:lvl4pPr>
+            <a:lvl5pPr marL="1828800" algn="l" rtl="0" eaLnBrk="0" fontAlgn="base" hangingPunct="0">
+              <a:spcBef>
+                <a:spcPct val="0"/>
+              </a:spcBef>
+              <a:spcAft>
+                <a:spcPct val="0"/>
+              </a:spcAft>
+              <a:defRPr sz="2400" kern="1200">
+                <a:solidFill>
+                  <a:schemeClr val="tx1"/>
+                </a:solidFill>
+                <a:latin typeface="Arial" charset="0"/>
+                <a:ea typeface="ＭＳ Ｐゴシック" charset="0"/>
+                <a:cs typeface="ＭＳ Ｐゴシック" charset="0"/>
+              </a:defRPr>
+            </a:lvl5pPr>
+            <a:lvl6pPr marL="2286000" algn="l" defTabSz="457200" rtl="0" eaLnBrk="1" latinLnBrk="0" hangingPunct="1">
+              <a:defRPr sz="2400" kern="1200">
+                <a:solidFill>
+                  <a:schemeClr val="tx1"/>
+                </a:solidFill>
+                <a:latin typeface="Arial" charset="0"/>
+                <a:ea typeface="ＭＳ Ｐゴシック" charset="0"/>
+                <a:cs typeface="ＭＳ Ｐゴシック" charset="0"/>
+              </a:defRPr>
+            </a:lvl6pPr>
+            <a:lvl7pPr marL="2743200" algn="l" defTabSz="457200" rtl="0" eaLnBrk="1" latinLnBrk="0" hangingPunct="1">
+              <a:defRPr sz="2400" kern="1200">
+                <a:solidFill>
+                  <a:schemeClr val="tx1"/>
+                </a:solidFill>
+                <a:latin typeface="Arial" charset="0"/>
+                <a:ea typeface="ＭＳ Ｐゴシック" charset="0"/>
+                <a:cs typeface="ＭＳ Ｐゴシック" charset="0"/>
+              </a:defRPr>
+            </a:lvl7pPr>
+            <a:lvl8pPr marL="3200400" algn="l" defTabSz="457200" rtl="0" eaLnBrk="1" latinLnBrk="0" hangingPunct="1">
+              <a:defRPr sz="2400" kern="1200">
+                <a:solidFill>
+                  <a:schemeClr val="tx1"/>
+                </a:solidFill>
+                <a:latin typeface="Arial" charset="0"/>
+                <a:ea typeface="ＭＳ Ｐゴシック" charset="0"/>
+                <a:cs typeface="ＭＳ Ｐゴシック" charset="0"/>
+              </a:defRPr>
+            </a:lvl8pPr>
+            <a:lvl9pPr marL="3657600" algn="l" defTabSz="457200" rtl="0" eaLnBrk="1" latinLnBrk="0" hangingPunct="1">
+              <a:defRPr sz="2400" kern="1200">
+                <a:solidFill>
+                  <a:schemeClr val="tx1"/>
+                </a:solidFill>
+                <a:latin typeface="Arial" charset="0"/>
+                <a:ea typeface="ＭＳ Ｐゴシック" charset="0"/>
+                <a:cs typeface="ＭＳ Ｐゴシック" charset="0"/>
+              </a:defRPr>
+            </a:lvl9pPr>
+          </a:lstStyle>
+          <a:p>
+            <a:r>
+              <a:rPr lang="en-US" sz="2800" dirty="0"/>
+              <a:t>Type-constrained properties</a:t>
+            </a:r>
+          </a:p>
+        </p:txBody>
+      </p:sp>
+      <p:sp>
+        <p:nvSpPr>
+          <p:cNvPr id="5" name="TextBox 4">
+            <a:extLst>
+              <a:ext uri="{FF2B5EF4-FFF2-40B4-BE49-F238E27FC236}">
+                <a16:creationId xmlns:a16="http://schemas.microsoft.com/office/drawing/2014/main" id="{2F2902BF-62A5-94C2-C400-202B9DBF9D9B}"/>
               </a:ext>
             </a:extLst>
           </p:cNvPr>
@@ -7205,8 +5684,8 @@
         </p:nvSpPr>
         <p:spPr>
           <a:xfrm>
-            <a:off x="1268392" y="1054728"/>
-            <a:ext cx="9655207" cy="5324535"/>
+            <a:off x="403411" y="1685364"/>
+            <a:ext cx="11627223" cy="5078313"/>
           </a:xfrm>
           <a:prstGeom prst="rect">
             <a:avLst/>
@@ -7214,7 +5693,7 @@
           <a:noFill/>
         </p:spPr>
         <p:txBody>
-          <a:bodyPr wrap="square" rtlCol="0">
+          <a:bodyPr wrap="square">
             <a:spAutoFit/>
           </a:bodyPr>
           <a:lstStyle/>
@@ -7235,9 +5714,10 @@
               <a:buFont typeface="Arial" panose="020B0604020202020204" pitchFamily="34" charset="0"/>
               <a:buChar char="•"/>
             </a:pPr>
-            <a:endParaRPr lang="en-US" sz="2000" dirty="0"/>
-          </a:p>
-          <a:p>
+            <a:endParaRPr lang="en-US" sz="1200" dirty="0"/>
+          </a:p>
+          <a:p>
+            <a:pPr lvl="2"/>
             <a:r>
               <a:rPr lang="en-US" sz="2000" b="1" dirty="0">
                 <a:latin typeface="Consolas" panose="020B0609020204030204" pitchFamily="49" charset="0"/>
@@ -7246,6 +5726,7 @@
             </a:r>
           </a:p>
           <a:p>
+            <a:pPr lvl="2"/>
             <a:r>
               <a:rPr lang="en-US" sz="2000" b="1" dirty="0">
                 <a:latin typeface="Consolas" panose="020B0609020204030204" pitchFamily="49" charset="0"/>
@@ -7254,6 +5735,7 @@
             </a:r>
           </a:p>
           <a:p>
+            <a:pPr lvl="2"/>
             <a:r>
               <a:rPr lang="en-US" sz="2000" b="1" dirty="0">
                 <a:latin typeface="Consolas" panose="020B0609020204030204" pitchFamily="49" charset="0"/>
@@ -7262,6 +5744,7 @@
             </a:r>
           </a:p>
           <a:p>
+            <a:pPr lvl="2"/>
             <a:r>
               <a:rPr lang="en-US" sz="2000" b="1" dirty="0">
                 <a:latin typeface="Consolas" panose="020B0609020204030204" pitchFamily="49" charset="0"/>
@@ -7270,6 +5753,7 @@
             </a:r>
           </a:p>
           <a:p>
+            <a:pPr lvl="2"/>
             <a:r>
               <a:rPr lang="en-US" sz="2000" b="1" dirty="0">
                 <a:latin typeface="Consolas" panose="020B0609020204030204" pitchFamily="49" charset="0"/>
@@ -7278,6 +5762,7 @@
             </a:r>
           </a:p>
           <a:p>
+            <a:pPr lvl="2"/>
             <a:r>
               <a:rPr lang="en-US" sz="2000" b="1" dirty="0">
                 <a:latin typeface="Consolas" panose="020B0609020204030204" pitchFamily="49" charset="0"/>
@@ -7306,7 +5791,7 @@
           </a:p>
           <a:p>
             <a:r>
-              <a:rPr lang="en-US" sz="2000" dirty="0">
+              <a:rPr lang="en-US" sz="1200" dirty="0">
                 <a:latin typeface="+mn-lt"/>
                 <a:cs typeface="Arial" panose="020B0604020202020204" pitchFamily="34" charset="0"/>
               </a:rPr>
@@ -7314,6 +5799,7 @@
             </a:r>
           </a:p>
           <a:p>
+            <a:pPr lvl="2"/>
             <a:r>
               <a:rPr lang="en-US" sz="2000" b="1" dirty="0">
                 <a:latin typeface="Consolas" panose="020B0609020204030204" pitchFamily="49" charset="0"/>
@@ -7337,6 +5823,7 @@
             </a:r>
           </a:p>
           <a:p>
+            <a:pPr lvl="2"/>
             <a:r>
               <a:rPr lang="en-US" sz="2000" b="1" dirty="0">
                 <a:latin typeface="Consolas" panose="020B0609020204030204" pitchFamily="49" charset="0"/>
@@ -7376,6 +5863,7 @@
             </a:endParaRPr>
           </a:p>
           <a:p>
+            <a:pPr lvl="2"/>
             <a:r>
               <a:rPr lang="en-US" sz="2000" b="1" dirty="0">
                 <a:latin typeface="Consolas" panose="020B0609020204030204" pitchFamily="49" charset="0"/>
@@ -7415,8 +5903,9 @@
             </a:endParaRPr>
           </a:p>
           <a:p>
-            <a:r>
-              <a:rPr lang="en-US" sz="2000" dirty="0">
+            <a:pPr lvl="2"/>
+            <a:r>
+              <a:rPr lang="en-US" sz="1200" dirty="0">
                 <a:latin typeface="+mn-lt"/>
                 <a:cs typeface="Arial" panose="020B0604020202020204" pitchFamily="34" charset="0"/>
               </a:rPr>
@@ -7455,7 +5944,7 @@
     </p:spTree>
     <p:extLst>
       <p:ext uri="{BB962C8B-B14F-4D97-AF65-F5344CB8AC3E}">
-        <p14:creationId xmlns:p14="http://schemas.microsoft.com/office/powerpoint/2010/main" val="4176796158"/>
+        <p14:creationId xmlns:p14="http://schemas.microsoft.com/office/powerpoint/2010/main" val="2119296553"/>
       </p:ext>
     </p:extLst>
   </p:cSld>
@@ -7470,7 +5959,13 @@
   <p:cSld>
     <p:spTree>
       <p:nvGrpSpPr>
-        <p:cNvPr id="1" name=""/>
+        <p:cNvPr id="1" name="">
+          <a:extLst>
+            <a:ext uri="{FF2B5EF4-FFF2-40B4-BE49-F238E27FC236}">
+              <a16:creationId xmlns:a16="http://schemas.microsoft.com/office/drawing/2014/main" id="{9081FF94-0CAF-85F8-0126-AB399ABA4E12}"/>
+            </a:ext>
+          </a:extLst>
+        </p:cNvPr>
         <p:cNvGrpSpPr/>
         <p:nvPr/>
       </p:nvGrpSpPr>
@@ -7482,12 +5977,41 @@
           <a:chExt cx="0" cy="0"/>
         </a:xfrm>
       </p:grpSpPr>
+      <p:sp>
+        <p:nvSpPr>
+          <p:cNvPr id="4" name="Slide Number Placeholder 3">
+            <a:extLst>
+              <a:ext uri="{FF2B5EF4-FFF2-40B4-BE49-F238E27FC236}">
+                <a16:creationId xmlns:a16="http://schemas.microsoft.com/office/drawing/2014/main" id="{F2A286CE-ED13-3BAC-1532-99C5E8894CA6}"/>
+              </a:ext>
+            </a:extLst>
+          </p:cNvPr>
+          <p:cNvSpPr>
+            <a:spLocks noGrp="1"/>
+          </p:cNvSpPr>
+          <p:nvPr>
+            <p:ph type="sldNum" sz="quarter" idx="12"/>
+          </p:nvPr>
+        </p:nvSpPr>
+        <p:spPr/>
+        <p:txBody>
+          <a:bodyPr/>
+          <a:lstStyle/>
+          <a:p>
+            <a:fld id="{B46E5E13-EE34-439C-B49B-F0CB75B28E1B}" type="slidenum">
+              <a:rPr lang="en-US" smtClean="0"/>
+              <a:t>8</a:t>
+            </a:fld>
+            <a:endParaRPr lang="en-US" dirty="0"/>
+          </a:p>
+        </p:txBody>
+      </p:sp>
       <p:pic>
         <p:nvPicPr>
-          <p:cNvPr id="3" name="Picture 2">
+          <p:cNvPr id="5" name="Picture 4">
             <a:extLst>
               <a:ext uri="{FF2B5EF4-FFF2-40B4-BE49-F238E27FC236}">
-                <a16:creationId xmlns:a16="http://schemas.microsoft.com/office/drawing/2014/main" id="{DDD67C52-F2B7-5C7C-7935-A519ACF539C6}"/>
+                <a16:creationId xmlns:a16="http://schemas.microsoft.com/office/drawing/2014/main" id="{80BC07E6-6436-ED6D-BB09-708C9F020BA8}"/>
               </a:ext>
             </a:extLst>
           </p:cNvPr>
@@ -7504,8 +6028,8 @@
         </p:blipFill>
         <p:spPr>
           <a:xfrm>
-            <a:off x="914400" y="-13258"/>
-            <a:ext cx="10353675" cy="6878189"/>
+            <a:off x="2579834" y="1379436"/>
+            <a:ext cx="7032331" cy="4671742"/>
           </a:xfrm>
           <a:prstGeom prst="rect">
             <a:avLst/>
@@ -7515,7 +6039,7 @@
     </p:spTree>
     <p:extLst>
       <p:ext uri="{BB962C8B-B14F-4D97-AF65-F5344CB8AC3E}">
-        <p14:creationId xmlns:p14="http://schemas.microsoft.com/office/powerpoint/2010/main" val="4163349812"/>
+        <p14:creationId xmlns:p14="http://schemas.microsoft.com/office/powerpoint/2010/main" val="3470074685"/>
       </p:ext>
     </p:extLst>
   </p:cSld>
@@ -7530,7 +6054,13 @@
   <p:cSld>
     <p:spTree>
       <p:nvGrpSpPr>
-        <p:cNvPr id="1" name=""/>
+        <p:cNvPr id="1" name="">
+          <a:extLst>
+            <a:ext uri="{FF2B5EF4-FFF2-40B4-BE49-F238E27FC236}">
+              <a16:creationId xmlns:a16="http://schemas.microsoft.com/office/drawing/2014/main" id="{8675097D-5B69-196A-8B41-A1B33209FE80}"/>
+            </a:ext>
+          </a:extLst>
+        </p:cNvPr>
         <p:cNvGrpSpPr/>
         <p:nvPr/>
       </p:nvGrpSpPr>
@@ -7544,10 +6074,10 @@
       </p:grpSpPr>
       <p:sp>
         <p:nvSpPr>
-          <p:cNvPr id="2" name="Text Placeholder 1">
+          <p:cNvPr id="4" name="Slide Number Placeholder 3">
             <a:extLst>
               <a:ext uri="{FF2B5EF4-FFF2-40B4-BE49-F238E27FC236}">
-                <a16:creationId xmlns:a16="http://schemas.microsoft.com/office/drawing/2014/main" id="{64492E64-A68B-8CA7-B3C6-044F7C8E76AB}"/>
+                <a16:creationId xmlns:a16="http://schemas.microsoft.com/office/drawing/2014/main" id="{7391F957-FBD6-EA0A-7DC1-5A66E5CB11B5}"/>
               </a:ext>
             </a:extLst>
           </p:cNvPr>
@@ -7555,29 +6085,180 @@
             <a:spLocks noGrp="1"/>
           </p:cNvSpPr>
           <p:nvPr>
-            <p:ph type="body" sz="quarter" idx="10"/>
+            <p:ph type="sldNum" sz="quarter" idx="12"/>
           </p:nvPr>
+        </p:nvSpPr>
+        <p:spPr/>
+        <p:txBody>
+          <a:bodyPr/>
+          <a:lstStyle/>
+          <a:p>
+            <a:fld id="{B46E5E13-EE34-439C-B49B-F0CB75B28E1B}" type="slidenum">
+              <a:rPr lang="en-US" smtClean="0"/>
+              <a:t>9</a:t>
+            </a:fld>
+            <a:endParaRPr lang="en-US" dirty="0"/>
+          </a:p>
+        </p:txBody>
+      </p:sp>
+      <p:sp>
+        <p:nvSpPr>
+          <p:cNvPr id="2" name="Text Placeholder 1">
+            <a:extLst>
+              <a:ext uri="{FF2B5EF4-FFF2-40B4-BE49-F238E27FC236}">
+                <a16:creationId xmlns:a16="http://schemas.microsoft.com/office/drawing/2014/main" id="{F2CF7AA9-9E92-B420-C052-41DB6B81382B}"/>
+              </a:ext>
+            </a:extLst>
+          </p:cNvPr>
+          <p:cNvSpPr txBox="1">
+            <a:spLocks/>
+          </p:cNvSpPr>
+          <p:nvPr/>
         </p:nvSpPr>
         <p:spPr>
           <a:xfrm>
-            <a:off x="323529" y="339509"/>
-            <a:ext cx="11573197" cy="1437533"/>
+            <a:off x="2549368" y="1235979"/>
+            <a:ext cx="7093264" cy="951409"/>
           </a:xfrm>
         </p:spPr>
         <p:txBody>
           <a:bodyPr>
-            <a:normAutofit fontScale="92500" lnSpcReduction="20000"/>
+            <a:noAutofit/>
           </a:bodyPr>
-          <a:lstStyle/>
-          <a:p>
-            <a:r>
-              <a:rPr lang="en-US" dirty="0"/>
+          <a:lstStyle>
+            <a:defPPr>
+              <a:defRPr lang="en-US"/>
+            </a:defPPr>
+            <a:lvl1pPr algn="l" rtl="0" eaLnBrk="0" fontAlgn="base" hangingPunct="0">
+              <a:spcBef>
+                <a:spcPct val="0"/>
+              </a:spcBef>
+              <a:spcAft>
+                <a:spcPct val="0"/>
+              </a:spcAft>
+              <a:defRPr sz="2400" kern="1200">
+                <a:solidFill>
+                  <a:schemeClr val="tx1"/>
+                </a:solidFill>
+                <a:latin typeface="Arial" charset="0"/>
+                <a:ea typeface="ＭＳ Ｐゴシック" charset="0"/>
+                <a:cs typeface="ＭＳ Ｐゴシック" charset="0"/>
+              </a:defRPr>
+            </a:lvl1pPr>
+            <a:lvl2pPr marL="457200" algn="l" rtl="0" eaLnBrk="0" fontAlgn="base" hangingPunct="0">
+              <a:spcBef>
+                <a:spcPct val="0"/>
+              </a:spcBef>
+              <a:spcAft>
+                <a:spcPct val="0"/>
+              </a:spcAft>
+              <a:defRPr sz="2400" kern="1200">
+                <a:solidFill>
+                  <a:schemeClr val="tx1"/>
+                </a:solidFill>
+                <a:latin typeface="Arial" charset="0"/>
+                <a:ea typeface="ＭＳ Ｐゴシック" charset="0"/>
+                <a:cs typeface="ＭＳ Ｐゴシック" charset="0"/>
+              </a:defRPr>
+            </a:lvl2pPr>
+            <a:lvl3pPr marL="914400" algn="l" rtl="0" eaLnBrk="0" fontAlgn="base" hangingPunct="0">
+              <a:spcBef>
+                <a:spcPct val="0"/>
+              </a:spcBef>
+              <a:spcAft>
+                <a:spcPct val="0"/>
+              </a:spcAft>
+              <a:defRPr sz="2400" kern="1200">
+                <a:solidFill>
+                  <a:schemeClr val="tx1"/>
+                </a:solidFill>
+                <a:latin typeface="Arial" charset="0"/>
+                <a:ea typeface="ＭＳ Ｐゴシック" charset="0"/>
+                <a:cs typeface="ＭＳ Ｐゴシック" charset="0"/>
+              </a:defRPr>
+            </a:lvl3pPr>
+            <a:lvl4pPr marL="1371600" algn="l" rtl="0" eaLnBrk="0" fontAlgn="base" hangingPunct="0">
+              <a:spcBef>
+                <a:spcPct val="0"/>
+              </a:spcBef>
+              <a:spcAft>
+                <a:spcPct val="0"/>
+              </a:spcAft>
+              <a:defRPr sz="2400" kern="1200">
+                <a:solidFill>
+                  <a:schemeClr val="tx1"/>
+                </a:solidFill>
+                <a:latin typeface="Arial" charset="0"/>
+                <a:ea typeface="ＭＳ Ｐゴシック" charset="0"/>
+                <a:cs typeface="ＭＳ Ｐゴシック" charset="0"/>
+              </a:defRPr>
+            </a:lvl4pPr>
+            <a:lvl5pPr marL="1828800" algn="l" rtl="0" eaLnBrk="0" fontAlgn="base" hangingPunct="0">
+              <a:spcBef>
+                <a:spcPct val="0"/>
+              </a:spcBef>
+              <a:spcAft>
+                <a:spcPct val="0"/>
+              </a:spcAft>
+              <a:defRPr sz="2400" kern="1200">
+                <a:solidFill>
+                  <a:schemeClr val="tx1"/>
+                </a:solidFill>
+                <a:latin typeface="Arial" charset="0"/>
+                <a:ea typeface="ＭＳ Ｐゴシック" charset="0"/>
+                <a:cs typeface="ＭＳ Ｐゴシック" charset="0"/>
+              </a:defRPr>
+            </a:lvl5pPr>
+            <a:lvl6pPr marL="2286000" algn="l" defTabSz="457200" rtl="0" eaLnBrk="1" latinLnBrk="0" hangingPunct="1">
+              <a:defRPr sz="2400" kern="1200">
+                <a:solidFill>
+                  <a:schemeClr val="tx1"/>
+                </a:solidFill>
+                <a:latin typeface="Arial" charset="0"/>
+                <a:ea typeface="ＭＳ Ｐゴシック" charset="0"/>
+                <a:cs typeface="ＭＳ Ｐゴシック" charset="0"/>
+              </a:defRPr>
+            </a:lvl6pPr>
+            <a:lvl7pPr marL="2743200" algn="l" defTabSz="457200" rtl="0" eaLnBrk="1" latinLnBrk="0" hangingPunct="1">
+              <a:defRPr sz="2400" kern="1200">
+                <a:solidFill>
+                  <a:schemeClr val="tx1"/>
+                </a:solidFill>
+                <a:latin typeface="Arial" charset="0"/>
+                <a:ea typeface="ＭＳ Ｐゴシック" charset="0"/>
+                <a:cs typeface="ＭＳ Ｐゴシック" charset="0"/>
+              </a:defRPr>
+            </a:lvl7pPr>
+            <a:lvl8pPr marL="3200400" algn="l" defTabSz="457200" rtl="0" eaLnBrk="1" latinLnBrk="0" hangingPunct="1">
+              <a:defRPr sz="2400" kern="1200">
+                <a:solidFill>
+                  <a:schemeClr val="tx1"/>
+                </a:solidFill>
+                <a:latin typeface="Arial" charset="0"/>
+                <a:ea typeface="ＭＳ Ｐゴシック" charset="0"/>
+                <a:cs typeface="ＭＳ Ｐゴシック" charset="0"/>
+              </a:defRPr>
+            </a:lvl8pPr>
+            <a:lvl9pPr marL="3657600" algn="l" defTabSz="457200" rtl="0" eaLnBrk="1" latinLnBrk="0" hangingPunct="1">
+              <a:defRPr sz="2400" kern="1200">
+                <a:solidFill>
+                  <a:schemeClr val="tx1"/>
+                </a:solidFill>
+                <a:latin typeface="Arial" charset="0"/>
+                <a:ea typeface="ＭＳ Ｐゴシック" charset="0"/>
+                <a:cs typeface="ＭＳ Ｐゴシック" charset="0"/>
+              </a:defRPr>
+            </a:lvl9pPr>
+          </a:lstStyle>
+          <a:p>
+            <a:r>
+              <a:rPr lang="en-US" sz="2800" dirty="0"/>
               <a:t>Instance members belong to an instance,</a:t>
             </a:r>
           </a:p>
           <a:p>
             <a:r>
-              <a:rPr lang="en-US" dirty="0"/>
+              <a:rPr lang="en-US" sz="2800" dirty="0"/>
               <a:t>Static members belong to the entire class</a:t>
             </a:r>
           </a:p>
@@ -7585,10 +6266,10 @@
       </p:sp>
       <p:sp>
         <p:nvSpPr>
-          <p:cNvPr id="4" name="TextBox 3">
+          <p:cNvPr id="3" name="TextBox 2">
             <a:extLst>
               <a:ext uri="{FF2B5EF4-FFF2-40B4-BE49-F238E27FC236}">
-                <a16:creationId xmlns:a16="http://schemas.microsoft.com/office/drawing/2014/main" id="{B64A8207-997F-319E-7F6D-676D3ECA779B}"/>
+                <a16:creationId xmlns:a16="http://schemas.microsoft.com/office/drawing/2014/main" id="{47A27DA0-7F41-EE4E-9BD8-65F74D152BFA}"/>
               </a:ext>
             </a:extLst>
           </p:cNvPr>
@@ -7597,8 +6278,8 @@
         </p:nvSpPr>
         <p:spPr>
           <a:xfrm>
-            <a:off x="1268396" y="1777042"/>
-            <a:ext cx="9655207" cy="4524315"/>
+            <a:off x="327212" y="2261136"/>
+            <a:ext cx="11537576" cy="4339650"/>
           </a:xfrm>
           <a:prstGeom prst="rect">
             <a:avLst/>
@@ -7661,14 +6342,15 @@
           </a:p>
           <a:p>
             <a:r>
-              <a:rPr lang="en-US" sz="1800" dirty="0">
+              <a:rPr lang="en-US" sz="1200" dirty="0">
                 <a:latin typeface="+mn-lt"/>
               </a:rPr>
               <a:t> </a:t>
             </a:r>
-            <a:endParaRPr lang="en-US" sz="1800" dirty="0"/>
-          </a:p>
-          <a:p>
+            <a:endParaRPr lang="en-US" sz="1200" dirty="0"/>
+          </a:p>
+          <a:p>
+            <a:pPr lvl="1"/>
             <a:r>
               <a:rPr lang="en-US" sz="1800" b="1" dirty="0">
                 <a:latin typeface="Consolas" panose="020B0609020204030204" pitchFamily="49" charset="0"/>
@@ -7686,6 +6368,7 @@
             </a:endParaRPr>
           </a:p>
           <a:p>
+            <a:pPr lvl="1"/>
             <a:r>
               <a:rPr lang="en-US" sz="1800" b="1" dirty="0">
                 <a:latin typeface="Consolas" panose="020B0609020204030204" pitchFamily="49" charset="0"/>
@@ -7694,6 +6377,7 @@
             </a:r>
           </a:p>
           <a:p>
+            <a:pPr lvl="1"/>
             <a:r>
               <a:rPr lang="en-US" sz="1800" b="1" dirty="0">
                 <a:latin typeface="Consolas" panose="020B0609020204030204" pitchFamily="49" charset="0"/>
@@ -7702,6 +6386,7 @@
             </a:r>
           </a:p>
           <a:p>
+            <a:pPr lvl="1"/>
             <a:r>
               <a:rPr lang="en-US" sz="1800" b="1" dirty="0">
                 <a:latin typeface="Consolas" panose="020B0609020204030204" pitchFamily="49" charset="0"/>
@@ -7710,6 +6395,7 @@
             </a:r>
           </a:p>
           <a:p>
+            <a:pPr lvl="1"/>
             <a:r>
               <a:rPr lang="en-US" sz="1800" b="1" dirty="0">
                 <a:latin typeface="Consolas" panose="020B0609020204030204" pitchFamily="49" charset="0"/>
@@ -7718,6 +6404,7 @@
             </a:r>
           </a:p>
           <a:p>
+            <a:pPr lvl="1"/>
             <a:r>
               <a:rPr lang="en-US" sz="1800" b="1" dirty="0">
                 <a:latin typeface="Consolas" panose="020B0609020204030204" pitchFamily="49" charset="0"/>
@@ -7726,6 +6413,7 @@
             </a:r>
           </a:p>
           <a:p>
+            <a:pPr lvl="1"/>
             <a:r>
               <a:rPr lang="en-US" sz="1800" b="1" dirty="0">
                 <a:latin typeface="Consolas" panose="020B0609020204030204" pitchFamily="49" charset="0"/>
@@ -7759,13 +6447,13 @@
           </a:p>
           <a:p>
             <a:r>
-              <a:rPr lang="en-US" sz="1800" b="1" dirty="0">
+              <a:rPr lang="en-US" sz="1200" b="1" dirty="0">
                 <a:latin typeface="Consolas" panose="020B0609020204030204" pitchFamily="49" charset="0"/>
                 <a:cs typeface="Arial" panose="020B0604020202020204" pitchFamily="34" charset="0"/>
               </a:rPr>
               <a:t> </a:t>
             </a:r>
-            <a:endParaRPr lang="en-US" sz="1800" dirty="0">
+            <a:endParaRPr lang="en-US" sz="1200" dirty="0">
               <a:latin typeface="+mn-lt"/>
               <a:cs typeface="Arial" panose="020B0604020202020204" pitchFamily="34" charset="0"/>
             </a:endParaRPr>
@@ -7896,7 +6584,7 @@
           <p:cNvPr id="5" name="Picture 4">
             <a:extLst>
               <a:ext uri="{FF2B5EF4-FFF2-40B4-BE49-F238E27FC236}">
-                <a16:creationId xmlns:a16="http://schemas.microsoft.com/office/drawing/2014/main" id="{964A523C-A252-E697-9D9D-B775552D1E5A}"/>
+                <a16:creationId xmlns:a16="http://schemas.microsoft.com/office/drawing/2014/main" id="{4292DD97-39BD-9D79-906B-225722C66C93}"/>
               </a:ext>
             </a:extLst>
           </p:cNvPr>
@@ -7913,8 +6601,8 @@
         </p:blipFill>
         <p:spPr>
           <a:xfrm>
-            <a:off x="8399545" y="2776471"/>
-            <a:ext cx="3468925" cy="2304488"/>
+            <a:off x="7897522" y="2911104"/>
+            <a:ext cx="3765561" cy="2422896"/>
           </a:xfrm>
           <a:prstGeom prst="rect">
             <a:avLst/>
@@ -7924,7 +6612,7 @@
     </p:spTree>
     <p:extLst>
       <p:ext uri="{BB962C8B-B14F-4D97-AF65-F5344CB8AC3E}">
-        <p14:creationId xmlns:p14="http://schemas.microsoft.com/office/powerpoint/2010/main" val="3311622519"/>
+        <p14:creationId xmlns:p14="http://schemas.microsoft.com/office/powerpoint/2010/main" val="3437550291"/>
       </p:ext>
     </p:extLst>
   </p:cSld>
@@ -8793,39 +7481,39 @@
         <a:sysClr val="window" lastClr="FFFFFF"/>
       </a:lt1>
       <a:dk2>
-        <a:srgbClr val="44546A"/>
+        <a:srgbClr val="0E2841"/>
       </a:dk2>
       <a:lt2>
-        <a:srgbClr val="E7E6E6"/>
+        <a:srgbClr val="E8E8E8"/>
       </a:lt2>
       <a:accent1>
-        <a:srgbClr val="4472C4"/>
+        <a:srgbClr val="156082"/>
       </a:accent1>
       <a:accent2>
-        <a:srgbClr val="ED7D31"/>
+        <a:srgbClr val="E97132"/>
       </a:accent2>
       <a:accent3>
-        <a:srgbClr val="A5A5A5"/>
+        <a:srgbClr val="196B24"/>
       </a:accent3>
       <a:accent4>
-        <a:srgbClr val="FFC000"/>
+        <a:srgbClr val="0F9ED5"/>
       </a:accent4>
       <a:accent5>
-        <a:srgbClr val="5B9BD5"/>
+        <a:srgbClr val="A02B93"/>
       </a:accent5>
       <a:accent6>
-        <a:srgbClr val="70AD47"/>
+        <a:srgbClr val="4EA72E"/>
       </a:accent6>
       <a:hlink>
-        <a:srgbClr val="0563C1"/>
+        <a:srgbClr val="467886"/>
       </a:hlink>
       <a:folHlink>
-        <a:srgbClr val="954F72"/>
+        <a:srgbClr val="96607D"/>
       </a:folHlink>
     </a:clrScheme>
     <a:fontScheme name="Office">
       <a:majorFont>
-        <a:latin typeface="Calibri Light" panose="020F0302020204030204"/>
+        <a:latin typeface="Aptos Display" panose="02110004020202020204"/>
         <a:ea typeface=""/>
         <a:cs typeface=""/>
         <a:font script="Jpan" typeface="游ゴシック Light"/>
@@ -8877,7 +7565,7 @@
         <a:font script="Tfng" typeface="Ebrima"/>
       </a:majorFont>
       <a:minorFont>
-        <a:latin typeface="Calibri" panose="020F0502020204030204"/>
+        <a:latin typeface="Aptos" panose="02110004020202020204"/>
         <a:ea typeface=""/>
         <a:cs typeface=""/>
         <a:font script="Jpan" typeface="游ゴシック"/>
@@ -8988,13 +7676,6 @@
         </a:gradFill>
       </a:fillStyleLst>
       <a:lnStyleLst>
-        <a:ln w="6350" cap="flat" cmpd="sng" algn="ctr">
-          <a:solidFill>
-            <a:schemeClr val="phClr"/>
-          </a:solidFill>
-          <a:prstDash val="solid"/>
-          <a:miter lim="800000"/>
-        </a:ln>
         <a:ln w="12700" cap="flat" cmpd="sng" algn="ctr">
           <a:solidFill>
             <a:schemeClr val="phClr"/>
@@ -9003,6 +7684,13 @@
           <a:miter lim="800000"/>
         </a:ln>
         <a:ln w="19050" cap="flat" cmpd="sng" algn="ctr">
+          <a:solidFill>
+            <a:schemeClr val="phClr"/>
+          </a:solidFill>
+          <a:prstDash val="solid"/>
+          <a:miter lim="800000"/>
+        </a:ln>
+        <a:ln w="25400" cap="flat" cmpd="sng" algn="ctr">
           <a:solidFill>
             <a:schemeClr val="phClr"/>
           </a:solidFill>
@@ -9067,11 +7755,31 @@
       </a:bgFillStyleLst>
     </a:fmtScheme>
   </a:themeElements>
-  <a:objectDefaults/>
+  <a:objectDefaults>
+    <a:lnDef>
+      <a:spPr/>
+      <a:bodyPr/>
+      <a:lstStyle/>
+      <a:style>
+        <a:lnRef idx="2">
+          <a:schemeClr val="accent1"/>
+        </a:lnRef>
+        <a:fillRef idx="0">
+          <a:schemeClr val="accent1"/>
+        </a:fillRef>
+        <a:effectRef idx="1">
+          <a:schemeClr val="accent1"/>
+        </a:effectRef>
+        <a:fontRef idx="minor">
+          <a:schemeClr val="tx1"/>
+        </a:fontRef>
+      </a:style>
+    </a:lnDef>
+  </a:objectDefaults>
   <a:extraClrSchemeLst/>
   <a:extLst>
     <a:ext uri="{05A4C25C-085E-4340-85A3-A5531E510DB2}">
-      <thm15:themeFamily xmlns:thm15="http://schemas.microsoft.com/office/thememl/2012/main" name="Office Theme" id="{62F939B6-93AF-4DB8-9C6B-D6C7DFDC589F}" vid="{4A3C46E8-61CC-4603-A589-7422A47A8E4A}"/>
+      <thm15:themeFamily xmlns:thm15="http://schemas.microsoft.com/office/thememl/2012/main" name="Presentation1" id="{DAD0D162-FE0C-45E1-B287-70A400F0FB2D}" vid="{0F85589E-3A92-4CE5-8C4F-6CD4A008415E}"/>
     </a:ext>
   </a:extLst>
 </a:theme>
